--- a/slides/02-text-processing.pptx
+++ b/slides/02-text-processing.pptx
@@ -12753,7 +12753,7 @@
           <a:graphicData uri="http://schemas.openxmlformats.org/presentationml/2006/ole">
             <mc:AlternateContent xmlns:mc="http://schemas.openxmlformats.org/markup-compatibility/2006">
               <mc:Choice xmlns:v="urn:schemas-microsoft-com:vml" Requires="v">
-                <p:oleObj spid="_x0000_s19469" name="Equation" r:id="rId4" imgW="3683000" imgH="571500" progId="Equation.3">
+                <p:oleObj spid="_x0000_s19473" name="Equation" r:id="rId4" imgW="3683000" imgH="571500" progId="Equation.3">
                   <p:embed/>
                 </p:oleObj>
               </mc:Choice>
@@ -12814,7 +12814,7 @@
           <a:graphicData uri="http://schemas.openxmlformats.org/presentationml/2006/ole">
             <mc:AlternateContent xmlns:mc="http://schemas.openxmlformats.org/markup-compatibility/2006">
               <mc:Choice xmlns:v="urn:schemas-microsoft-com:vml" Requires="v">
-                <p:oleObj spid="_x0000_s19470" name="Equation" r:id="rId6" imgW="1968500" imgH="292100" progId="Equation.3">
+                <p:oleObj spid="_x0000_s19474" name="Equation" r:id="rId6" imgW="1968500" imgH="292100" progId="Equation.3">
                   <p:embed/>
                 </p:oleObj>
               </mc:Choice>
@@ -13118,7 +13118,7 @@
           <a:graphicData uri="http://schemas.openxmlformats.org/presentationml/2006/ole">
             <mc:AlternateContent xmlns:mc="http://schemas.openxmlformats.org/markup-compatibility/2006">
               <mc:Choice xmlns:v="urn:schemas-microsoft-com:vml" Requires="v">
-                <p:oleObj spid="_x0000_s20499" name="Equation" r:id="rId3" imgW="1905000" imgH="571500" progId="Equation.3">
+                <p:oleObj spid="_x0000_s20505" name="Equation" r:id="rId3" imgW="1905000" imgH="571500" progId="Equation.3">
                   <p:embed/>
                 </p:oleObj>
               </mc:Choice>
@@ -13176,7 +13176,7 @@
           <a:graphicData uri="http://schemas.openxmlformats.org/presentationml/2006/ole">
             <mc:AlternateContent xmlns:mc="http://schemas.openxmlformats.org/markup-compatibility/2006">
               <mc:Choice xmlns:v="urn:schemas-microsoft-com:vml" Requires="v">
-                <p:oleObj spid="_x0000_s20500" name="Equation" r:id="rId5" imgW="1612900" imgH="711200" progId="Equation.3">
+                <p:oleObj spid="_x0000_s20506" name="Equation" r:id="rId5" imgW="1612900" imgH="711200" progId="Equation.3">
                   <p:embed/>
                 </p:oleObj>
               </mc:Choice>
@@ -13234,7 +13234,7 @@
           <a:graphicData uri="http://schemas.openxmlformats.org/presentationml/2006/ole">
             <mc:AlternateContent xmlns:mc="http://schemas.openxmlformats.org/markup-compatibility/2006">
               <mc:Choice xmlns:v="urn:schemas-microsoft-com:vml" Requires="v">
-                <p:oleObj spid="_x0000_s20501" name="Equation" r:id="rId7" imgW="1727200" imgH="571500" progId="Equation.3">
+                <p:oleObj spid="_x0000_s20507" name="Equation" r:id="rId7" imgW="1727200" imgH="571500" progId="Equation.3">
                   <p:embed/>
                 </p:oleObj>
               </mc:Choice>
@@ -13733,7 +13733,7 @@
           <a:graphicData uri="http://schemas.openxmlformats.org/presentationml/2006/ole">
             <mc:AlternateContent xmlns:mc="http://schemas.openxmlformats.org/markup-compatibility/2006">
               <mc:Choice xmlns:v="urn:schemas-microsoft-com:vml" Requires="v">
-                <p:oleObj spid="_x0000_s21517" name="Equation" r:id="rId3" imgW="1981200" imgH="431800" progId="Equation.3">
+                <p:oleObj spid="_x0000_s21521" name="Equation" r:id="rId3" imgW="1981200" imgH="431800" progId="Equation.3">
                   <p:embed/>
                 </p:oleObj>
               </mc:Choice>
@@ -13791,7 +13791,7 @@
           <a:graphicData uri="http://schemas.openxmlformats.org/presentationml/2006/ole">
             <mc:AlternateContent xmlns:mc="http://schemas.openxmlformats.org/markup-compatibility/2006">
               <mc:Choice xmlns:v="urn:schemas-microsoft-com:vml" Requires="v">
-                <p:oleObj spid="_x0000_s21518" name="Equation" r:id="rId5" imgW="1752600" imgH="406400" progId="Equation.3">
+                <p:oleObj spid="_x0000_s21522" name="Equation" r:id="rId5" imgW="1752600" imgH="406400" progId="Equation.3">
                   <p:embed/>
                 </p:oleObj>
               </mc:Choice>
@@ -17206,7 +17206,7 @@
           <a:graphicData uri="http://schemas.openxmlformats.org/presentationml/2006/ole">
             <mc:AlternateContent xmlns:mc="http://schemas.openxmlformats.org/markup-compatibility/2006">
               <mc:Choice xmlns:v="urn:schemas-microsoft-com:vml" Requires="v">
-                <p:oleObj spid="_x0000_s22535" name="Equation" r:id="rId4" imgW="2084400" imgH="594000" progId="Equation.3">
+                <p:oleObj spid="_x0000_s22537" name="Equation" r:id="rId4" imgW="2084400" imgH="594000" progId="Equation.3">
                   <p:embed/>
                 </p:oleObj>
               </mc:Choice>
@@ -35933,7 +35933,7 @@
           <a:graphicData uri="http://schemas.openxmlformats.org/presentationml/2006/ole">
             <mc:AlternateContent xmlns:mc="http://schemas.openxmlformats.org/markup-compatibility/2006">
               <mc:Choice xmlns:v="urn:schemas-microsoft-com:vml" Requires="v">
-                <p:oleObj spid="_x0000_s15373" name="Equation" r:id="rId4" imgW="1079500" imgH="215900" progId="Equation.3">
+                <p:oleObj spid="_x0000_s15377" name="Equation" r:id="rId4" imgW="1079500" imgH="215900" progId="Equation.3">
                   <p:embed/>
                 </p:oleObj>
               </mc:Choice>
@@ -36113,7 +36113,7 @@
           <a:graphicData uri="http://schemas.openxmlformats.org/presentationml/2006/ole">
             <mc:AlternateContent xmlns:mc="http://schemas.openxmlformats.org/markup-compatibility/2006">
               <mc:Choice xmlns:v="urn:schemas-microsoft-com:vml" Requires="v">
-                <p:oleObj spid="_x0000_s15374" name="Equation" r:id="rId6" imgW="3492500" imgH="215900" progId="Equation.3">
+                <p:oleObj spid="_x0000_s15378" name="Equation" r:id="rId6" imgW="3492500" imgH="215900" progId="Equation.3">
                   <p:embed/>
                 </p:oleObj>
               </mc:Choice>
@@ -40390,7 +40390,7 @@
           <a:graphicData uri="http://schemas.openxmlformats.org/presentationml/2006/ole">
             <mc:AlternateContent xmlns:mc="http://schemas.openxmlformats.org/markup-compatibility/2006">
               <mc:Choice xmlns:v="urn:schemas-microsoft-com:vml" Requires="v">
-                <p:oleObj spid="_x0000_s16397" name="Equation" r:id="rId4" imgW="2235200" imgH="292100" progId="Equation.3">
+                <p:oleObj spid="_x0000_s16401" name="Equation" r:id="rId4" imgW="2235200" imgH="292100" progId="Equation.3">
                   <p:embed/>
                 </p:oleObj>
               </mc:Choice>
@@ -40451,7 +40451,7 @@
           <a:graphicData uri="http://schemas.openxmlformats.org/presentationml/2006/ole">
             <mc:AlternateContent xmlns:mc="http://schemas.openxmlformats.org/markup-compatibility/2006">
               <mc:Choice xmlns:v="urn:schemas-microsoft-com:vml" Requires="v">
-                <p:oleObj spid="_x0000_s16398" name="Equation" r:id="rId6" imgW="1828800" imgH="368300" progId="Equation.3">
+                <p:oleObj spid="_x0000_s16402" name="Equation" r:id="rId6" imgW="1828800" imgH="368300" progId="Equation.3">
                   <p:embed/>
                 </p:oleObj>
               </mc:Choice>
@@ -47271,7 +47271,7 @@
           <a:graphicData uri="http://schemas.openxmlformats.org/presentationml/2006/ole">
             <mc:AlternateContent xmlns:mc="http://schemas.openxmlformats.org/markup-compatibility/2006">
               <mc:Choice xmlns:v="urn:schemas-microsoft-com:vml" Requires="v">
-                <p:oleObj spid="_x0000_s17421" name="Equation" r:id="rId4" imgW="1739900" imgH="584200" progId="Equation.3">
+                <p:oleObj spid="_x0000_s17425" name="Equation" r:id="rId4" imgW="1739900" imgH="584200" progId="Equation.3">
                   <p:embed/>
                 </p:oleObj>
               </mc:Choice>
@@ -47333,7 +47333,7 @@
           <a:graphicData uri="http://schemas.openxmlformats.org/presentationml/2006/ole">
             <mc:AlternateContent xmlns:mc="http://schemas.openxmlformats.org/markup-compatibility/2006">
               <mc:Choice xmlns:v="urn:schemas-microsoft-com:vml" Requires="v">
-                <p:oleObj spid="_x0000_s17422" name="Equation" r:id="rId6" imgW="1587500" imgH="444500" progId="Equation.3">
+                <p:oleObj spid="_x0000_s17426" name="Equation" r:id="rId6" imgW="1587500" imgH="444500" progId="Equation.3">
                   <p:embed/>
                 </p:oleObj>
               </mc:Choice>
@@ -47818,7 +47818,7 @@
           <a:graphicData uri="http://schemas.openxmlformats.org/presentationml/2006/ole">
             <mc:AlternateContent xmlns:mc="http://schemas.openxmlformats.org/markup-compatibility/2006">
               <mc:Choice xmlns:v="urn:schemas-microsoft-com:vml" Requires="v">
-                <p:oleObj spid="_x0000_s18439" name="Equation" r:id="rId3" imgW="1739900" imgH="584200" progId="Equation.3">
+                <p:oleObj spid="_x0000_s18441" name="Equation" r:id="rId3" imgW="1739900" imgH="584200" progId="Equation.3">
                   <p:embed/>
                 </p:oleObj>
               </mc:Choice>

--- a/slides/02-text-processing.pptx
+++ b/slides/02-text-processing.pptx
@@ -634,7 +634,7 @@
               <ma14:placeholderFlag xmlns:ma14="http://schemas.microsoft.com/office/mac/drawingml/2011/main" val="1"/>
             </a:ext>
             <a:ext uri="{909E8E84-426E-40dd-AFC4-6F175D3DCCD1}">
-              <a14:hiddenFill xmlns="" xmlns:a14="http://schemas.microsoft.com/office/drawing/2010/main">
+              <a14:hiddenFill xmlns:a14="http://schemas.microsoft.com/office/drawing/2010/main" xmlns="">
                 <a:solidFill>
                   <a:srgbClr val="FFFFFF"/>
                 </a:solidFill>
@@ -977,14 +977,14 @@
           <a:ln/>
           <a:extLst>
             <a:ext uri="{909E8E84-426E-40dd-AFC4-6F175D3DCCD1}">
-              <a14:hiddenFill xmlns:a14="http://schemas.microsoft.com/office/drawing/2010/main" xmlns="">
+              <a14:hiddenFill xmlns="" xmlns:a14="http://schemas.microsoft.com/office/drawing/2010/main">
                 <a:solidFill>
                   <a:srgbClr val="FFFFFF"/>
                 </a:solidFill>
               </a14:hiddenFill>
             </a:ext>
             <a:ext uri="{91240B29-F687-4f45-9708-019B960494DF}">
-              <a14:hiddenLine xmlns:a14="http://schemas.microsoft.com/office/drawing/2010/main" xmlns="" w="9525">
+              <a14:hiddenLine xmlns="" xmlns:a14="http://schemas.microsoft.com/office/drawing/2010/main" w="9525">
                 <a:solidFill>
                   <a:srgbClr val="000000"/>
                 </a:solidFill>
@@ -1152,14 +1152,14 @@
               <ma14:placeholderFlag xmlns:ma14="http://schemas.microsoft.com/office/mac/drawingml/2011/main" val="1"/>
             </a:ext>
             <a:ext uri="{909E8E84-426E-40dd-AFC4-6F175D3DCCD1}">
-              <a14:hiddenFill xmlns:a14="http://schemas.microsoft.com/office/drawing/2010/main" xmlns="">
+              <a14:hiddenFill xmlns="" xmlns:a14="http://schemas.microsoft.com/office/drawing/2010/main">
                 <a:solidFill>
                   <a:srgbClr val="FFFFFF"/>
                 </a:solidFill>
               </a14:hiddenFill>
             </a:ext>
             <a:ext uri="{91240B29-F687-4f45-9708-019B960494DF}">
-              <a14:hiddenLine xmlns:a14="http://schemas.microsoft.com/office/drawing/2010/main" xmlns="" w="9525">
+              <a14:hiddenLine xmlns="" xmlns:a14="http://schemas.microsoft.com/office/drawing/2010/main" w="9525">
                 <a:solidFill>
                   <a:srgbClr val="000000"/>
                 </a:solidFill>
@@ -1227,14 +1227,14 @@
           <a:ln/>
           <a:extLst>
             <a:ext uri="{909E8E84-426E-40dd-AFC4-6F175D3DCCD1}">
-              <a14:hiddenFill xmlns:a14="http://schemas.microsoft.com/office/drawing/2010/main" xmlns="">
+              <a14:hiddenFill xmlns="" xmlns:a14="http://schemas.microsoft.com/office/drawing/2010/main">
                 <a:solidFill>
                   <a:srgbClr val="FFFFFF"/>
                 </a:solidFill>
               </a14:hiddenFill>
             </a:ext>
             <a:ext uri="{91240B29-F687-4f45-9708-019B960494DF}">
-              <a14:hiddenLine xmlns:a14="http://schemas.microsoft.com/office/drawing/2010/main" xmlns="" w="9525">
+              <a14:hiddenLine xmlns="" xmlns:a14="http://schemas.microsoft.com/office/drawing/2010/main" w="9525">
                 <a:solidFill>
                   <a:srgbClr val="000000"/>
                 </a:solidFill>
@@ -1395,14 +1395,14 @@
           <a:ln/>
           <a:extLst>
             <a:ext uri="{909E8E84-426E-40dd-AFC4-6F175D3DCCD1}">
-              <a14:hiddenFill xmlns:a14="http://schemas.microsoft.com/office/drawing/2010/main" xmlns="">
+              <a14:hiddenFill xmlns="" xmlns:a14="http://schemas.microsoft.com/office/drawing/2010/main">
                 <a:solidFill>
                   <a:srgbClr val="FFFFFF"/>
                 </a:solidFill>
               </a14:hiddenFill>
             </a:ext>
             <a:ext uri="{91240B29-F687-4f45-9708-019B960494DF}">
-              <a14:hiddenLine xmlns:a14="http://schemas.microsoft.com/office/drawing/2010/main" xmlns="" w="9525">
+              <a14:hiddenLine xmlns="" xmlns:a14="http://schemas.microsoft.com/office/drawing/2010/main" w="9525">
                 <a:solidFill>
                   <a:srgbClr val="000000"/>
                 </a:solidFill>
@@ -1540,14 +1540,14 @@
           <a:ln/>
           <a:extLst>
             <a:ext uri="{909E8E84-426E-40dd-AFC4-6F175D3DCCD1}">
-              <a14:hiddenFill xmlns:a14="http://schemas.microsoft.com/office/drawing/2010/main" xmlns="">
+              <a14:hiddenFill xmlns="" xmlns:a14="http://schemas.microsoft.com/office/drawing/2010/main">
                 <a:solidFill>
                   <a:srgbClr val="FFFFFF"/>
                 </a:solidFill>
               </a14:hiddenFill>
             </a:ext>
             <a:ext uri="{91240B29-F687-4f45-9708-019B960494DF}">
-              <a14:hiddenLine xmlns:a14="http://schemas.microsoft.com/office/drawing/2010/main" xmlns="" w="9525">
+              <a14:hiddenLine xmlns="" xmlns:a14="http://schemas.microsoft.com/office/drawing/2010/main" w="9525">
                 <a:solidFill>
                   <a:srgbClr val="000000"/>
                 </a:solidFill>
@@ -1715,14 +1715,14 @@
               <ma14:placeholderFlag xmlns:ma14="http://schemas.microsoft.com/office/mac/drawingml/2011/main" val="1"/>
             </a:ext>
             <a:ext uri="{909E8E84-426E-40dd-AFC4-6F175D3DCCD1}">
-              <a14:hiddenFill xmlns:a14="http://schemas.microsoft.com/office/drawing/2010/main" xmlns="">
+              <a14:hiddenFill xmlns="" xmlns:a14="http://schemas.microsoft.com/office/drawing/2010/main">
                 <a:solidFill>
                   <a:srgbClr val="FFFFFF"/>
                 </a:solidFill>
               </a14:hiddenFill>
             </a:ext>
             <a:ext uri="{91240B29-F687-4f45-9708-019B960494DF}">
-              <a14:hiddenLine xmlns:a14="http://schemas.microsoft.com/office/drawing/2010/main" xmlns="" w="9525">
+              <a14:hiddenLine xmlns="" xmlns:a14="http://schemas.microsoft.com/office/drawing/2010/main" w="9525">
                 <a:solidFill>
                   <a:srgbClr val="000000"/>
                 </a:solidFill>
@@ -1790,14 +1790,14 @@
           <a:ln/>
           <a:extLst>
             <a:ext uri="{909E8E84-426E-40dd-AFC4-6F175D3DCCD1}">
-              <a14:hiddenFill xmlns:a14="http://schemas.microsoft.com/office/drawing/2010/main" xmlns="">
+              <a14:hiddenFill xmlns="" xmlns:a14="http://schemas.microsoft.com/office/drawing/2010/main">
                 <a:solidFill>
                   <a:srgbClr val="FFFFFF"/>
                 </a:solidFill>
               </a14:hiddenFill>
             </a:ext>
             <a:ext uri="{91240B29-F687-4f45-9708-019B960494DF}">
-              <a14:hiddenLine xmlns:a14="http://schemas.microsoft.com/office/drawing/2010/main" xmlns="" w="9525">
+              <a14:hiddenLine xmlns="" xmlns:a14="http://schemas.microsoft.com/office/drawing/2010/main" w="9525">
                 <a:solidFill>
                   <a:srgbClr val="000000"/>
                 </a:solidFill>
@@ -1965,14 +1965,14 @@
               <ma14:placeholderFlag xmlns:ma14="http://schemas.microsoft.com/office/mac/drawingml/2011/main" val="1"/>
             </a:ext>
             <a:ext uri="{909E8E84-426E-40dd-AFC4-6F175D3DCCD1}">
-              <a14:hiddenFill xmlns:a14="http://schemas.microsoft.com/office/drawing/2010/main" xmlns="">
+              <a14:hiddenFill xmlns="" xmlns:a14="http://schemas.microsoft.com/office/drawing/2010/main">
                 <a:solidFill>
                   <a:srgbClr val="FFFFFF"/>
                 </a:solidFill>
               </a14:hiddenFill>
             </a:ext>
             <a:ext uri="{91240B29-F687-4f45-9708-019B960494DF}">
-              <a14:hiddenLine xmlns:a14="http://schemas.microsoft.com/office/drawing/2010/main" xmlns="" w="9525">
+              <a14:hiddenLine xmlns="" xmlns:a14="http://schemas.microsoft.com/office/drawing/2010/main" w="9525">
                 <a:solidFill>
                   <a:srgbClr val="000000"/>
                 </a:solidFill>
@@ -2040,14 +2040,14 @@
           <a:ln/>
           <a:extLst>
             <a:ext uri="{909E8E84-426E-40dd-AFC4-6F175D3DCCD1}">
-              <a14:hiddenFill xmlns="" xmlns:a14="http://schemas.microsoft.com/office/drawing/2010/main">
+              <a14:hiddenFill xmlns:a14="http://schemas.microsoft.com/office/drawing/2010/main" xmlns="">
                 <a:solidFill>
                   <a:srgbClr val="FFFFFF"/>
                 </a:solidFill>
               </a14:hiddenFill>
             </a:ext>
             <a:ext uri="{91240B29-F687-4f45-9708-019B960494DF}">
-              <a14:hiddenLine xmlns="" xmlns:a14="http://schemas.microsoft.com/office/drawing/2010/main" w="9525">
+              <a14:hiddenLine xmlns:a14="http://schemas.microsoft.com/office/drawing/2010/main" xmlns="" w="9525">
                 <a:solidFill>
                   <a:srgbClr val="000000"/>
                 </a:solidFill>
@@ -2215,14 +2215,14 @@
               <ma14:placeholderFlag xmlns:ma14="http://schemas.microsoft.com/office/mac/drawingml/2011/main" val="1"/>
             </a:ext>
             <a:ext uri="{909E8E84-426E-40dd-AFC4-6F175D3DCCD1}">
-              <a14:hiddenFill xmlns="" xmlns:a14="http://schemas.microsoft.com/office/drawing/2010/main">
+              <a14:hiddenFill xmlns:a14="http://schemas.microsoft.com/office/drawing/2010/main" xmlns="">
                 <a:solidFill>
                   <a:srgbClr val="FFFFFF"/>
                 </a:solidFill>
               </a14:hiddenFill>
             </a:ext>
             <a:ext uri="{91240B29-F687-4f45-9708-019B960494DF}">
-              <a14:hiddenLine xmlns="" xmlns:a14="http://schemas.microsoft.com/office/drawing/2010/main" w="9525">
+              <a14:hiddenLine xmlns:a14="http://schemas.microsoft.com/office/drawing/2010/main" xmlns="" w="9525">
                 <a:solidFill>
                   <a:srgbClr val="000000"/>
                 </a:solidFill>
@@ -4017,14 +4017,14 @@
           <a:ln/>
           <a:extLst>
             <a:ext uri="{909E8E84-426E-40dd-AFC4-6F175D3DCCD1}">
-              <a14:hiddenFill xmlns="" xmlns:a14="http://schemas.microsoft.com/office/drawing/2010/main">
+              <a14:hiddenFill xmlns:a14="http://schemas.microsoft.com/office/drawing/2010/main" xmlns="">
                 <a:solidFill>
                   <a:srgbClr val="FFFFFF"/>
                 </a:solidFill>
               </a14:hiddenFill>
             </a:ext>
             <a:ext uri="{91240B29-F687-4f45-9708-019B960494DF}">
-              <a14:hiddenLine xmlns="" xmlns:a14="http://schemas.microsoft.com/office/drawing/2010/main" w="9525">
+              <a14:hiddenLine xmlns:a14="http://schemas.microsoft.com/office/drawing/2010/main" xmlns="" w="9525">
                 <a:solidFill>
                   <a:srgbClr val="000000"/>
                 </a:solidFill>
@@ -4192,14 +4192,14 @@
               <ma14:placeholderFlag xmlns:ma14="http://schemas.microsoft.com/office/mac/drawingml/2011/main" val="1"/>
             </a:ext>
             <a:ext uri="{909E8E84-426E-40dd-AFC4-6F175D3DCCD1}">
-              <a14:hiddenFill xmlns="" xmlns:a14="http://schemas.microsoft.com/office/drawing/2010/main">
+              <a14:hiddenFill xmlns:a14="http://schemas.microsoft.com/office/drawing/2010/main" xmlns="">
                 <a:solidFill>
                   <a:srgbClr val="FFFFFF"/>
                 </a:solidFill>
               </a14:hiddenFill>
             </a:ext>
             <a:ext uri="{91240B29-F687-4f45-9708-019B960494DF}">
-              <a14:hiddenLine xmlns="" xmlns:a14="http://schemas.microsoft.com/office/drawing/2010/main" w="9525">
+              <a14:hiddenLine xmlns:a14="http://schemas.microsoft.com/office/drawing/2010/main" xmlns="" w="9525">
                 <a:solidFill>
                   <a:srgbClr val="000000"/>
                 </a:solidFill>
@@ -4267,14 +4267,14 @@
           <a:ln/>
           <a:extLst>
             <a:ext uri="{909E8E84-426E-40dd-AFC4-6F175D3DCCD1}">
-              <a14:hiddenFill xmlns="" xmlns:a14="http://schemas.microsoft.com/office/drawing/2010/main">
+              <a14:hiddenFill xmlns:a14="http://schemas.microsoft.com/office/drawing/2010/main" xmlns="">
                 <a:solidFill>
                   <a:srgbClr val="FFFFFF"/>
                 </a:solidFill>
               </a14:hiddenFill>
             </a:ext>
             <a:ext uri="{91240B29-F687-4f45-9708-019B960494DF}">
-              <a14:hiddenLine xmlns="" xmlns:a14="http://schemas.microsoft.com/office/drawing/2010/main" w="9525">
+              <a14:hiddenLine xmlns:a14="http://schemas.microsoft.com/office/drawing/2010/main" xmlns="" w="9525">
                 <a:solidFill>
                   <a:srgbClr val="000000"/>
                 </a:solidFill>
@@ -4442,14 +4442,14 @@
               <ma14:placeholderFlag xmlns:ma14="http://schemas.microsoft.com/office/mac/drawingml/2011/main" val="1"/>
             </a:ext>
             <a:ext uri="{909E8E84-426E-40dd-AFC4-6F175D3DCCD1}">
-              <a14:hiddenFill xmlns="" xmlns:a14="http://schemas.microsoft.com/office/drawing/2010/main">
+              <a14:hiddenFill xmlns:a14="http://schemas.microsoft.com/office/drawing/2010/main" xmlns="">
                 <a:solidFill>
                   <a:srgbClr val="FFFFFF"/>
                 </a:solidFill>
               </a14:hiddenFill>
             </a:ext>
             <a:ext uri="{91240B29-F687-4f45-9708-019B960494DF}">
-              <a14:hiddenLine xmlns="" xmlns:a14="http://schemas.microsoft.com/office/drawing/2010/main" w="9525">
+              <a14:hiddenLine xmlns:a14="http://schemas.microsoft.com/office/drawing/2010/main" xmlns="" w="9525">
                 <a:solidFill>
                   <a:srgbClr val="000000"/>
                 </a:solidFill>
@@ -4980,8 +4980,1233 @@
                 <a:ea typeface="ＭＳ Ｐゴシック" pitchFamily="-65" charset="-128"/>
                 <a:cs typeface="ＭＳ Ｐゴシック" pitchFamily="-65" charset="-128"/>
               </a:rPr>
-              <a:t>translate characters</a:t>
-            </a:r>
+              <a:t>translate </a:t>
+            </a:r>
+            <a:r>
+              <a:rPr kumimoji="1" lang="en-US" sz="1200" kern="1200" dirty="0" smtClean="0">
+                <a:solidFill>
+                  <a:schemeClr val="tx1"/>
+                </a:solidFill>
+                <a:effectLst/>
+                <a:latin typeface="Arial" pitchFamily="-65" charset="0"/>
+                <a:ea typeface="ＭＳ Ｐゴシック" pitchFamily="-65" charset="-128"/>
+                <a:cs typeface="ＭＳ Ｐゴシック" pitchFamily="-65" charset="-128"/>
+              </a:rPr>
+              <a:t>characters</a:t>
+            </a:r>
+          </a:p>
+          <a:p>
+            <a:pPr marL="0" marR="0" indent="0" algn="l" defTabSz="914400" rtl="0" eaLnBrk="0" fontAlgn="base" latinLnBrk="0" hangingPunct="0">
+              <a:lnSpc>
+                <a:spcPct val="100000"/>
+              </a:lnSpc>
+              <a:spcBef>
+                <a:spcPct val="30000"/>
+              </a:spcBef>
+              <a:spcAft>
+                <a:spcPct val="0"/>
+              </a:spcAft>
+              <a:buClrTx/>
+              <a:buSzTx/>
+              <a:buFontTx/>
+              <a:buNone/>
+              <a:tabLst/>
+              <a:defRPr/>
+            </a:pPr>
+            <a:endParaRPr kumimoji="1" lang="en-US" sz="1200" kern="1200" dirty="0" smtClean="0">
+              <a:solidFill>
+                <a:schemeClr val="tx1"/>
+              </a:solidFill>
+              <a:effectLst/>
+              <a:latin typeface="Arial" pitchFamily="-65" charset="0"/>
+              <a:ea typeface="ＭＳ Ｐゴシック" pitchFamily="-65" charset="-128"/>
+              <a:cs typeface="ＭＳ Ｐゴシック" pitchFamily="-65" charset="-128"/>
+            </a:endParaRPr>
+          </a:p>
+          <a:p>
+            <a:r>
+              <a:rPr lang="en-US" dirty="0" smtClean="0"/>
+              <a:t>man </a:t>
+            </a:r>
+            <a:r>
+              <a:rPr lang="en-US" dirty="0" err="1" smtClean="0"/>
+              <a:t>tr</a:t>
+            </a:r>
+            <a:endParaRPr lang="en-US" dirty="0" smtClean="0"/>
+          </a:p>
+          <a:p>
+            <a:endParaRPr lang="en-US" dirty="0" smtClean="0"/>
+          </a:p>
+          <a:p>
+            <a:pPr marL="0" marR="0" indent="0" algn="l" defTabSz="914400" rtl="0" eaLnBrk="0" fontAlgn="base" latinLnBrk="0" hangingPunct="0">
+              <a:lnSpc>
+                <a:spcPct val="100000"/>
+              </a:lnSpc>
+              <a:spcBef>
+                <a:spcPct val="30000"/>
+              </a:spcBef>
+              <a:spcAft>
+                <a:spcPct val="0"/>
+              </a:spcAft>
+              <a:buClrTx/>
+              <a:buSzTx/>
+              <a:buFontTx/>
+              <a:buNone/>
+              <a:tabLst/>
+              <a:defRPr/>
+            </a:pPr>
+            <a:r>
+              <a:rPr kumimoji="1" lang="en-US" sz="1200" kern="1200" dirty="0" err="1" smtClean="0">
+                <a:solidFill>
+                  <a:schemeClr val="tx1"/>
+                </a:solidFill>
+                <a:effectLst/>
+                <a:latin typeface="Arial" pitchFamily="-65" charset="0"/>
+                <a:ea typeface="ＭＳ Ｐゴシック" pitchFamily="-65" charset="-128"/>
+                <a:cs typeface="ＭＳ Ｐゴシック" pitchFamily="-65" charset="-128"/>
+              </a:rPr>
+              <a:t>wget</a:t>
+            </a:r>
+            <a:r>
+              <a:rPr kumimoji="1" lang="en-US" sz="1200" kern="1200" dirty="0" smtClean="0">
+                <a:solidFill>
+                  <a:schemeClr val="tx1"/>
+                </a:solidFill>
+                <a:effectLst/>
+                <a:latin typeface="Arial" pitchFamily="-65" charset="0"/>
+                <a:ea typeface="ＭＳ Ｐゴシック" pitchFamily="-65" charset="-128"/>
+                <a:cs typeface="ＭＳ Ｐゴシック" pitchFamily="-65" charset="-128"/>
+              </a:rPr>
+              <a:t> http://computational-linguistics-</a:t>
+            </a:r>
+            <a:r>
+              <a:rPr kumimoji="1" lang="en-US" sz="1200" kern="1200" dirty="0" err="1" smtClean="0">
+                <a:solidFill>
+                  <a:schemeClr val="tx1"/>
+                </a:solidFill>
+                <a:effectLst/>
+                <a:latin typeface="Arial" pitchFamily="-65" charset="0"/>
+                <a:ea typeface="ＭＳ Ｐゴシック" pitchFamily="-65" charset="-128"/>
+                <a:cs typeface="ＭＳ Ｐゴシック" pitchFamily="-65" charset="-128"/>
+              </a:rPr>
+              <a:t>class.org</a:t>
+            </a:r>
+            <a:r>
+              <a:rPr kumimoji="1" lang="en-US" sz="1200" kern="1200" dirty="0" smtClean="0">
+                <a:solidFill>
+                  <a:schemeClr val="tx1"/>
+                </a:solidFill>
+                <a:effectLst/>
+                <a:latin typeface="Arial" pitchFamily="-65" charset="0"/>
+                <a:ea typeface="ＭＳ Ｐゴシック" pitchFamily="-65" charset="-128"/>
+                <a:cs typeface="ＭＳ Ｐゴシック" pitchFamily="-65" charset="-128"/>
+              </a:rPr>
+              <a:t>/downloads/hw3/</a:t>
+            </a:r>
+            <a:r>
+              <a:rPr kumimoji="1" lang="en-US" sz="1200" kern="1200" dirty="0" err="1" smtClean="0">
+                <a:solidFill>
+                  <a:schemeClr val="tx1"/>
+                </a:solidFill>
+                <a:effectLst/>
+                <a:latin typeface="Arial" pitchFamily="-65" charset="0"/>
+                <a:ea typeface="ＭＳ Ｐゴシック" pitchFamily="-65" charset="-128"/>
+                <a:cs typeface="ＭＳ Ｐゴシック" pitchFamily="-65" charset="-128"/>
+              </a:rPr>
+              <a:t>will_play_text.csv</a:t>
+            </a:r>
+            <a:endParaRPr kumimoji="1" lang="en-US" sz="1200" kern="1200" dirty="0" smtClean="0">
+              <a:solidFill>
+                <a:schemeClr val="tx1"/>
+              </a:solidFill>
+              <a:effectLst/>
+              <a:latin typeface="Arial" pitchFamily="-65" charset="0"/>
+              <a:ea typeface="ＭＳ Ｐゴシック" pitchFamily="-65" charset="-128"/>
+              <a:cs typeface="ＭＳ Ｐゴシック" pitchFamily="-65" charset="-128"/>
+            </a:endParaRPr>
+          </a:p>
+          <a:p>
+            <a:pPr marL="0" marR="0" indent="0" algn="l" defTabSz="914400" rtl="0" eaLnBrk="0" fontAlgn="base" latinLnBrk="0" hangingPunct="0">
+              <a:lnSpc>
+                <a:spcPct val="100000"/>
+              </a:lnSpc>
+              <a:spcBef>
+                <a:spcPct val="30000"/>
+              </a:spcBef>
+              <a:spcAft>
+                <a:spcPct val="0"/>
+              </a:spcAft>
+              <a:buClrTx/>
+              <a:buSzTx/>
+              <a:buFontTx/>
+              <a:buNone/>
+              <a:tabLst/>
+              <a:defRPr/>
+            </a:pPr>
+            <a:r>
+              <a:rPr kumimoji="1" lang="en-US" sz="1200" kern="1200" dirty="0" smtClean="0">
+                <a:solidFill>
+                  <a:schemeClr val="tx1"/>
+                </a:solidFill>
+                <a:effectLst/>
+                <a:latin typeface="Arial" pitchFamily="-65" charset="0"/>
+                <a:ea typeface="ＭＳ Ｐゴシック" pitchFamily="-65" charset="-128"/>
+                <a:cs typeface="ＭＳ Ｐゴシック" pitchFamily="-65" charset="-128"/>
+              </a:rPr>
+              <a:t>head  </a:t>
+            </a:r>
+            <a:r>
+              <a:rPr kumimoji="1" lang="en-US" sz="1200" kern="1200" dirty="0" err="1" smtClean="0">
+                <a:solidFill>
+                  <a:schemeClr val="tx1"/>
+                </a:solidFill>
+                <a:effectLst/>
+                <a:latin typeface="Arial" pitchFamily="-65" charset="0"/>
+                <a:ea typeface="ＭＳ Ｐゴシック" pitchFamily="-65" charset="-128"/>
+                <a:cs typeface="ＭＳ Ｐゴシック" pitchFamily="-65" charset="-128"/>
+              </a:rPr>
+              <a:t>will_play_text.csv</a:t>
+            </a:r>
+            <a:endParaRPr kumimoji="1" lang="en-US" sz="1200" kern="1200" dirty="0" smtClean="0">
+              <a:solidFill>
+                <a:schemeClr val="tx1"/>
+              </a:solidFill>
+              <a:effectLst/>
+              <a:latin typeface="Arial" pitchFamily="-65" charset="0"/>
+              <a:ea typeface="ＭＳ Ｐゴシック" pitchFamily="-65" charset="-128"/>
+              <a:cs typeface="ＭＳ Ｐゴシック" pitchFamily="-65" charset="-128"/>
+            </a:endParaRPr>
+          </a:p>
+          <a:p>
+            <a:pPr marL="0" marR="0" indent="0" algn="l" defTabSz="914400" rtl="0" eaLnBrk="0" fontAlgn="base" latinLnBrk="0" hangingPunct="0">
+              <a:lnSpc>
+                <a:spcPct val="100000"/>
+              </a:lnSpc>
+              <a:spcBef>
+                <a:spcPct val="30000"/>
+              </a:spcBef>
+              <a:spcAft>
+                <a:spcPct val="0"/>
+              </a:spcAft>
+              <a:buClrTx/>
+              <a:buSzTx/>
+              <a:buFontTx/>
+              <a:buNone/>
+              <a:tabLst/>
+              <a:defRPr/>
+            </a:pPr>
+            <a:r>
+              <a:rPr kumimoji="1" lang="en-US" sz="1200" kern="1200" dirty="0" smtClean="0">
+                <a:solidFill>
+                  <a:schemeClr val="tx1"/>
+                </a:solidFill>
+                <a:effectLst/>
+                <a:latin typeface="Arial" pitchFamily="-65" charset="0"/>
+                <a:ea typeface="ＭＳ Ｐゴシック" pitchFamily="-65" charset="-128"/>
+                <a:cs typeface="ＭＳ Ｐゴシック" pitchFamily="-65" charset="-128"/>
+              </a:rPr>
+              <a:t>cut -f6 -d";" </a:t>
+            </a:r>
+            <a:r>
+              <a:rPr kumimoji="1" lang="en-US" sz="1200" kern="1200" dirty="0" err="1" smtClean="0">
+                <a:solidFill>
+                  <a:schemeClr val="tx1"/>
+                </a:solidFill>
+                <a:effectLst/>
+                <a:latin typeface="Arial" pitchFamily="-65" charset="0"/>
+                <a:ea typeface="ＭＳ Ｐゴシック" pitchFamily="-65" charset="-128"/>
+                <a:cs typeface="ＭＳ Ｐゴシック" pitchFamily="-65" charset="-128"/>
+              </a:rPr>
+              <a:t>will_play_text.csv</a:t>
+            </a:r>
+            <a:r>
+              <a:rPr kumimoji="1" lang="en-US" sz="1200" kern="1200" dirty="0" smtClean="0">
+                <a:solidFill>
+                  <a:schemeClr val="tx1"/>
+                </a:solidFill>
+                <a:effectLst/>
+                <a:latin typeface="Arial" pitchFamily="-65" charset="0"/>
+                <a:ea typeface="ＭＳ Ｐゴシック" pitchFamily="-65" charset="-128"/>
+                <a:cs typeface="ＭＳ Ｐゴシック" pitchFamily="-65" charset="-128"/>
+              </a:rPr>
+              <a:t> | more</a:t>
+            </a:r>
+          </a:p>
+          <a:p>
+            <a:pPr marL="0" marR="0" indent="0" algn="l" defTabSz="914400" rtl="0" eaLnBrk="0" fontAlgn="base" latinLnBrk="0" hangingPunct="0">
+              <a:lnSpc>
+                <a:spcPct val="100000"/>
+              </a:lnSpc>
+              <a:spcBef>
+                <a:spcPct val="30000"/>
+              </a:spcBef>
+              <a:spcAft>
+                <a:spcPct val="0"/>
+              </a:spcAft>
+              <a:buClrTx/>
+              <a:buSzTx/>
+              <a:buFontTx/>
+              <a:buNone/>
+              <a:tabLst/>
+              <a:defRPr/>
+            </a:pPr>
+            <a:r>
+              <a:rPr kumimoji="1" lang="en-US" sz="1200" kern="1200" dirty="0" smtClean="0">
+                <a:solidFill>
+                  <a:schemeClr val="tx1"/>
+                </a:solidFill>
+                <a:effectLst/>
+                <a:latin typeface="Arial" pitchFamily="-65" charset="0"/>
+                <a:ea typeface="ＭＳ Ｐゴシック" pitchFamily="-65" charset="-128"/>
+                <a:cs typeface="ＭＳ Ｐゴシック" pitchFamily="-65" charset="-128"/>
+              </a:rPr>
+              <a:t>cut -f6 -d";" </a:t>
+            </a:r>
+            <a:r>
+              <a:rPr kumimoji="1" lang="en-US" sz="1200" kern="1200" dirty="0" err="1" smtClean="0">
+                <a:solidFill>
+                  <a:schemeClr val="tx1"/>
+                </a:solidFill>
+                <a:effectLst/>
+                <a:latin typeface="Arial" pitchFamily="-65" charset="0"/>
+                <a:ea typeface="ＭＳ Ｐゴシック" pitchFamily="-65" charset="-128"/>
+                <a:cs typeface="ＭＳ Ｐゴシック" pitchFamily="-65" charset="-128"/>
+              </a:rPr>
+              <a:t>will_play_text.csv</a:t>
+            </a:r>
+            <a:r>
+              <a:rPr kumimoji="1" lang="en-US" sz="1200" kern="1200" dirty="0" smtClean="0">
+                <a:solidFill>
+                  <a:schemeClr val="tx1"/>
+                </a:solidFill>
+                <a:effectLst/>
+                <a:latin typeface="Arial" pitchFamily="-65" charset="0"/>
+                <a:ea typeface="ＭＳ Ｐゴシック" pitchFamily="-65" charset="-128"/>
+                <a:cs typeface="ＭＳ Ｐゴシック" pitchFamily="-65" charset="-128"/>
+              </a:rPr>
+              <a:t> | cut -f2 -d'"'  | more</a:t>
+            </a:r>
+          </a:p>
+          <a:p>
+            <a:pPr marL="0" marR="0" indent="0" algn="l" defTabSz="914400" rtl="0" eaLnBrk="0" fontAlgn="base" latinLnBrk="0" hangingPunct="0">
+              <a:lnSpc>
+                <a:spcPct val="100000"/>
+              </a:lnSpc>
+              <a:spcBef>
+                <a:spcPct val="30000"/>
+              </a:spcBef>
+              <a:spcAft>
+                <a:spcPct val="0"/>
+              </a:spcAft>
+              <a:buClrTx/>
+              <a:buSzTx/>
+              <a:buFontTx/>
+              <a:buNone/>
+              <a:tabLst/>
+              <a:defRPr/>
+            </a:pPr>
+            <a:r>
+              <a:rPr kumimoji="1" lang="mr-IN" sz="1200" kern="1200" dirty="0" err="1" smtClean="0">
+                <a:solidFill>
+                  <a:schemeClr val="tx1"/>
+                </a:solidFill>
+                <a:effectLst/>
+                <a:latin typeface="Arial" pitchFamily="-65" charset="0"/>
+                <a:ea typeface="ＭＳ Ｐゴシック" pitchFamily="-65" charset="-128"/>
+                <a:cs typeface="ＭＳ Ｐゴシック" pitchFamily="-65" charset="-128"/>
+              </a:rPr>
+              <a:t>cut</a:t>
+            </a:r>
+            <a:r>
+              <a:rPr kumimoji="1" lang="mr-IN" sz="1200" kern="1200" dirty="0" smtClean="0">
+                <a:solidFill>
+                  <a:schemeClr val="tx1"/>
+                </a:solidFill>
+                <a:effectLst/>
+                <a:latin typeface="Arial" pitchFamily="-65" charset="0"/>
+                <a:ea typeface="ＭＳ Ｐゴシック" pitchFamily="-65" charset="-128"/>
+                <a:cs typeface="ＭＳ Ｐゴシック" pitchFamily="-65" charset="-128"/>
+              </a:rPr>
+              <a:t> -f6 -</a:t>
+            </a:r>
+            <a:r>
+              <a:rPr kumimoji="1" lang="mr-IN" sz="1200" kern="1200" dirty="0" err="1" smtClean="0">
+                <a:solidFill>
+                  <a:schemeClr val="tx1"/>
+                </a:solidFill>
+                <a:effectLst/>
+                <a:latin typeface="Arial" pitchFamily="-65" charset="0"/>
+                <a:ea typeface="ＭＳ Ｐゴシック" pitchFamily="-65" charset="-128"/>
+                <a:cs typeface="ＭＳ Ｐゴシック" pitchFamily="-65" charset="-128"/>
+              </a:rPr>
+              <a:t>d</a:t>
+            </a:r>
+            <a:r>
+              <a:rPr kumimoji="1" lang="mr-IN" sz="1200" kern="1200" dirty="0" smtClean="0">
+                <a:solidFill>
+                  <a:schemeClr val="tx1"/>
+                </a:solidFill>
+                <a:effectLst/>
+                <a:latin typeface="Arial" pitchFamily="-65" charset="0"/>
+                <a:ea typeface="ＭＳ Ｐゴシック" pitchFamily="-65" charset="-128"/>
+                <a:cs typeface="ＭＳ Ｐゴシック" pitchFamily="-65" charset="-128"/>
+              </a:rPr>
+              <a:t>";" </a:t>
+            </a:r>
+            <a:r>
+              <a:rPr kumimoji="1" lang="mr-IN" sz="1200" kern="1200" dirty="0" err="1" smtClean="0">
+                <a:solidFill>
+                  <a:schemeClr val="tx1"/>
+                </a:solidFill>
+                <a:effectLst/>
+                <a:latin typeface="Arial" pitchFamily="-65" charset="0"/>
+                <a:ea typeface="ＭＳ Ｐゴシック" pitchFamily="-65" charset="-128"/>
+                <a:cs typeface="ＭＳ Ｐゴシック" pitchFamily="-65" charset="-128"/>
+              </a:rPr>
+              <a:t>will_play_text.csv</a:t>
+            </a:r>
+            <a:r>
+              <a:rPr kumimoji="1" lang="mr-IN" sz="1200" kern="1200" dirty="0" smtClean="0">
+                <a:solidFill>
+                  <a:schemeClr val="tx1"/>
+                </a:solidFill>
+                <a:effectLst/>
+                <a:latin typeface="Arial" pitchFamily="-65" charset="0"/>
+                <a:ea typeface="ＭＳ Ｐゴシック" pitchFamily="-65" charset="-128"/>
+                <a:cs typeface="ＭＳ Ｐゴシック" pitchFamily="-65" charset="-128"/>
+              </a:rPr>
+              <a:t> | </a:t>
+            </a:r>
+            <a:r>
+              <a:rPr kumimoji="1" lang="mr-IN" sz="1200" kern="1200" dirty="0" err="1" smtClean="0">
+                <a:solidFill>
+                  <a:schemeClr val="tx1"/>
+                </a:solidFill>
+                <a:effectLst/>
+                <a:latin typeface="Arial" pitchFamily="-65" charset="0"/>
+                <a:ea typeface="ＭＳ Ｐゴシック" pitchFamily="-65" charset="-128"/>
+                <a:cs typeface="ＭＳ Ｐゴシック" pitchFamily="-65" charset="-128"/>
+              </a:rPr>
+              <a:t>cut</a:t>
+            </a:r>
+            <a:r>
+              <a:rPr kumimoji="1" lang="mr-IN" sz="1200" kern="1200" dirty="0" smtClean="0">
+                <a:solidFill>
+                  <a:schemeClr val="tx1"/>
+                </a:solidFill>
+                <a:effectLst/>
+                <a:latin typeface="Arial" pitchFamily="-65" charset="0"/>
+                <a:ea typeface="ＭＳ Ｐゴシック" pitchFamily="-65" charset="-128"/>
+                <a:cs typeface="ＭＳ Ｐゴシック" pitchFamily="-65" charset="-128"/>
+              </a:rPr>
+              <a:t> -f2 -</a:t>
+            </a:r>
+            <a:r>
+              <a:rPr kumimoji="1" lang="mr-IN" sz="1200" kern="1200" dirty="0" err="1" smtClean="0">
+                <a:solidFill>
+                  <a:schemeClr val="tx1"/>
+                </a:solidFill>
+                <a:effectLst/>
+                <a:latin typeface="Arial" pitchFamily="-65" charset="0"/>
+                <a:ea typeface="ＭＳ Ｐゴシック" pitchFamily="-65" charset="-128"/>
+                <a:cs typeface="ＭＳ Ｐゴシック" pitchFamily="-65" charset="-128"/>
+              </a:rPr>
+              <a:t>d</a:t>
+            </a:r>
+            <a:r>
+              <a:rPr kumimoji="1" lang="mr-IN" sz="1200" kern="1200" dirty="0" smtClean="0">
+                <a:solidFill>
+                  <a:schemeClr val="tx1"/>
+                </a:solidFill>
+                <a:effectLst/>
+                <a:latin typeface="Arial" pitchFamily="-65" charset="0"/>
+                <a:ea typeface="ＭＳ Ｐゴシック" pitchFamily="-65" charset="-128"/>
+                <a:cs typeface="ＭＳ Ｐゴシック" pitchFamily="-65" charset="-128"/>
+              </a:rPr>
+              <a:t>'"'  | </a:t>
+            </a:r>
+            <a:r>
+              <a:rPr kumimoji="1" lang="mr-IN" sz="1200" kern="1200" dirty="0" err="1" smtClean="0">
+                <a:solidFill>
+                  <a:schemeClr val="tx1"/>
+                </a:solidFill>
+                <a:effectLst/>
+                <a:latin typeface="Arial" pitchFamily="-65" charset="0"/>
+                <a:ea typeface="ＭＳ Ｐゴシック" pitchFamily="-65" charset="-128"/>
+                <a:cs typeface="ＭＳ Ｐゴシック" pitchFamily="-65" charset="-128"/>
+              </a:rPr>
+              <a:t>tr</a:t>
+            </a:r>
+            <a:r>
+              <a:rPr kumimoji="1" lang="mr-IN" sz="1200" kern="1200" dirty="0" smtClean="0">
+                <a:solidFill>
+                  <a:schemeClr val="tx1"/>
+                </a:solidFill>
+                <a:effectLst/>
+                <a:latin typeface="Arial" pitchFamily="-65" charset="0"/>
+                <a:ea typeface="ＭＳ Ｐゴシック" pitchFamily="-65" charset="-128"/>
+                <a:cs typeface="ＭＳ Ｐゴシック" pitchFamily="-65" charset="-128"/>
+              </a:rPr>
+              <a:t> -</a:t>
+            </a:r>
+            <a:r>
+              <a:rPr kumimoji="1" lang="mr-IN" sz="1200" kern="1200" dirty="0" err="1" smtClean="0">
+                <a:solidFill>
+                  <a:schemeClr val="tx1"/>
+                </a:solidFill>
+                <a:effectLst/>
+                <a:latin typeface="Arial" pitchFamily="-65" charset="0"/>
+                <a:ea typeface="ＭＳ Ｐゴシック" pitchFamily="-65" charset="-128"/>
+                <a:cs typeface="ＭＳ Ｐゴシック" pitchFamily="-65" charset="-128"/>
+              </a:rPr>
+              <a:t>sc</a:t>
+            </a:r>
+            <a:r>
+              <a:rPr kumimoji="1" lang="mr-IN" sz="1200" kern="1200" dirty="0" smtClean="0">
+                <a:solidFill>
+                  <a:schemeClr val="tx1"/>
+                </a:solidFill>
+                <a:effectLst/>
+                <a:latin typeface="Arial" pitchFamily="-65" charset="0"/>
+                <a:ea typeface="ＭＳ Ｐゴシック" pitchFamily="-65" charset="-128"/>
+                <a:cs typeface="ＭＳ Ｐゴシック" pitchFamily="-65" charset="-128"/>
+              </a:rPr>
+              <a:t> "</a:t>
+            </a:r>
+            <a:r>
+              <a:rPr kumimoji="1" lang="mr-IN" sz="1200" kern="1200" dirty="0" err="1" smtClean="0">
+                <a:solidFill>
+                  <a:schemeClr val="tx1"/>
+                </a:solidFill>
+                <a:effectLst/>
+                <a:latin typeface="Arial" pitchFamily="-65" charset="0"/>
+                <a:ea typeface="ＭＳ Ｐゴシック" pitchFamily="-65" charset="-128"/>
+                <a:cs typeface="ＭＳ Ｐゴシック" pitchFamily="-65" charset="-128"/>
+              </a:rPr>
+              <a:t>A-Za-z</a:t>
+            </a:r>
+            <a:r>
+              <a:rPr kumimoji="1" lang="mr-IN" sz="1200" kern="1200" dirty="0" smtClean="0">
+                <a:solidFill>
+                  <a:schemeClr val="tx1"/>
+                </a:solidFill>
+                <a:effectLst/>
+                <a:latin typeface="Arial" pitchFamily="-65" charset="0"/>
+                <a:ea typeface="ＭＳ Ｐゴシック" pitchFamily="-65" charset="-128"/>
+                <a:cs typeface="ＭＳ Ｐゴシック" pitchFamily="-65" charset="-128"/>
+              </a:rPr>
+              <a:t>" "\</a:t>
+            </a:r>
+            <a:r>
+              <a:rPr kumimoji="1" lang="mr-IN" sz="1200" kern="1200" dirty="0" err="1" smtClean="0">
+                <a:solidFill>
+                  <a:schemeClr val="tx1"/>
+                </a:solidFill>
+                <a:effectLst/>
+                <a:latin typeface="Arial" pitchFamily="-65" charset="0"/>
+                <a:ea typeface="ＭＳ Ｐゴシック" pitchFamily="-65" charset="-128"/>
+                <a:cs typeface="ＭＳ Ｐゴシック" pitchFamily="-65" charset="-128"/>
+              </a:rPr>
+              <a:t>n</a:t>
+            </a:r>
+            <a:r>
+              <a:rPr kumimoji="1" lang="mr-IN" sz="1200" kern="1200" dirty="0" smtClean="0">
+                <a:solidFill>
+                  <a:schemeClr val="tx1"/>
+                </a:solidFill>
+                <a:effectLst/>
+                <a:latin typeface="Arial" pitchFamily="-65" charset="0"/>
+                <a:ea typeface="ＭＳ Ｐゴシック" pitchFamily="-65" charset="-128"/>
+                <a:cs typeface="ＭＳ Ｐゴシック" pitchFamily="-65" charset="-128"/>
+              </a:rPr>
+              <a:t>" </a:t>
+            </a:r>
+            <a:r>
+              <a:rPr kumimoji="1" lang="en-US" sz="1200" kern="1200" dirty="0" smtClean="0">
+                <a:solidFill>
+                  <a:schemeClr val="tx1"/>
+                </a:solidFill>
+                <a:effectLst/>
+                <a:latin typeface="Arial" pitchFamily="-65" charset="0"/>
+                <a:ea typeface="ＭＳ Ｐゴシック" pitchFamily="-65" charset="-128"/>
+                <a:cs typeface="ＭＳ Ｐゴシック" pitchFamily="-65" charset="-128"/>
+              </a:rPr>
+              <a:t>|</a:t>
+            </a:r>
+            <a:r>
+              <a:rPr kumimoji="1" lang="en-US" sz="1200" kern="1200" baseline="0" dirty="0" smtClean="0">
+                <a:solidFill>
+                  <a:schemeClr val="tx1"/>
+                </a:solidFill>
+                <a:effectLst/>
+                <a:latin typeface="Arial" pitchFamily="-65" charset="0"/>
+                <a:ea typeface="ＭＳ Ｐゴシック" pitchFamily="-65" charset="-128"/>
+                <a:cs typeface="ＭＳ Ｐゴシック" pitchFamily="-65" charset="-128"/>
+              </a:rPr>
+              <a:t> more</a:t>
+            </a:r>
+          </a:p>
+          <a:p>
+            <a:r>
+              <a:rPr kumimoji="1" lang="en-US" sz="1200" kern="1200" dirty="0" smtClean="0">
+                <a:solidFill>
+                  <a:schemeClr val="tx1"/>
+                </a:solidFill>
+                <a:effectLst/>
+                <a:latin typeface="Arial" pitchFamily="-65" charset="0"/>
+                <a:ea typeface="ＭＳ Ｐゴシック" pitchFamily="-65" charset="-128"/>
+                <a:cs typeface="ＭＳ Ｐゴシック" pitchFamily="-65" charset="-128"/>
+              </a:rPr>
+              <a:t>cut -f6 -d";" </a:t>
+            </a:r>
+            <a:r>
+              <a:rPr kumimoji="1" lang="en-US" sz="1200" kern="1200" dirty="0" err="1" smtClean="0">
+                <a:solidFill>
+                  <a:schemeClr val="tx1"/>
+                </a:solidFill>
+                <a:effectLst/>
+                <a:latin typeface="Arial" pitchFamily="-65" charset="0"/>
+                <a:ea typeface="ＭＳ Ｐゴシック" pitchFamily="-65" charset="-128"/>
+                <a:cs typeface="ＭＳ Ｐゴシック" pitchFamily="-65" charset="-128"/>
+              </a:rPr>
+              <a:t>will_play_text.csv</a:t>
+            </a:r>
+            <a:r>
+              <a:rPr kumimoji="1" lang="en-US" sz="1200" kern="1200" dirty="0" smtClean="0">
+                <a:solidFill>
+                  <a:schemeClr val="tx1"/>
+                </a:solidFill>
+                <a:effectLst/>
+                <a:latin typeface="Arial" pitchFamily="-65" charset="0"/>
+                <a:ea typeface="ＭＳ Ｐゴシック" pitchFamily="-65" charset="-128"/>
+                <a:cs typeface="ＭＳ Ｐゴシック" pitchFamily="-65" charset="-128"/>
+              </a:rPr>
+              <a:t> | cut -f2 -d' | </a:t>
+            </a:r>
+            <a:r>
+              <a:rPr kumimoji="1" lang="en-US" sz="1200" kern="1200" dirty="0" err="1" smtClean="0">
+                <a:solidFill>
+                  <a:schemeClr val="tx1"/>
+                </a:solidFill>
+                <a:effectLst/>
+                <a:latin typeface="Arial" pitchFamily="-65" charset="0"/>
+                <a:ea typeface="ＭＳ Ｐゴシック" pitchFamily="-65" charset="-128"/>
+                <a:cs typeface="ＭＳ Ｐゴシック" pitchFamily="-65" charset="-128"/>
+              </a:rPr>
+              <a:t>tr</a:t>
+            </a:r>
+            <a:r>
+              <a:rPr kumimoji="1" lang="en-US" sz="1200" kern="1200" dirty="0" smtClean="0">
+                <a:solidFill>
+                  <a:schemeClr val="tx1"/>
+                </a:solidFill>
+                <a:effectLst/>
+                <a:latin typeface="Arial" pitchFamily="-65" charset="0"/>
+                <a:ea typeface="ＭＳ Ｐゴシック" pitchFamily="-65" charset="-128"/>
+                <a:cs typeface="ＭＳ Ｐゴシック" pitchFamily="-65" charset="-128"/>
+              </a:rPr>
+              <a:t> -</a:t>
+            </a:r>
+            <a:r>
+              <a:rPr kumimoji="1" lang="en-US" sz="1200" kern="1200" dirty="0" err="1" smtClean="0">
+                <a:solidFill>
+                  <a:schemeClr val="tx1"/>
+                </a:solidFill>
+                <a:effectLst/>
+                <a:latin typeface="Arial" pitchFamily="-65" charset="0"/>
+                <a:ea typeface="ＭＳ Ｐゴシック" pitchFamily="-65" charset="-128"/>
+                <a:cs typeface="ＭＳ Ｐゴシック" pitchFamily="-65" charset="-128"/>
+              </a:rPr>
+              <a:t>sc</a:t>
+            </a:r>
+            <a:r>
+              <a:rPr kumimoji="1" lang="en-US" sz="1200" kern="1200" dirty="0" smtClean="0">
+                <a:solidFill>
+                  <a:schemeClr val="tx1"/>
+                </a:solidFill>
+                <a:effectLst/>
+                <a:latin typeface="Arial" pitchFamily="-65" charset="0"/>
+                <a:ea typeface="ＭＳ Ｐゴシック" pitchFamily="-65" charset="-128"/>
+                <a:cs typeface="ＭＳ Ｐゴシック" pitchFamily="-65" charset="-128"/>
+              </a:rPr>
+              <a:t> "A-</a:t>
+            </a:r>
+            <a:r>
+              <a:rPr kumimoji="1" lang="en-US" sz="1200" kern="1200" dirty="0" err="1" smtClean="0">
+                <a:solidFill>
+                  <a:schemeClr val="tx1"/>
+                </a:solidFill>
+                <a:effectLst/>
+                <a:latin typeface="Arial" pitchFamily="-65" charset="0"/>
+                <a:ea typeface="ＭＳ Ｐゴシック" pitchFamily="-65" charset="-128"/>
+                <a:cs typeface="ＭＳ Ｐゴシック" pitchFamily="-65" charset="-128"/>
+              </a:rPr>
+              <a:t>Za</a:t>
+            </a:r>
+            <a:r>
+              <a:rPr kumimoji="1" lang="en-US" sz="1200" kern="1200" dirty="0" smtClean="0">
+                <a:solidFill>
+                  <a:schemeClr val="tx1"/>
+                </a:solidFill>
+                <a:effectLst/>
+                <a:latin typeface="Arial" pitchFamily="-65" charset="0"/>
+                <a:ea typeface="ＭＳ Ｐゴシック" pitchFamily="-65" charset="-128"/>
+                <a:cs typeface="ＭＳ Ｐゴシック" pitchFamily="-65" charset="-128"/>
+              </a:rPr>
+              <a:t>-z" "\n" | sort | </a:t>
+            </a:r>
+            <a:r>
+              <a:rPr kumimoji="1" lang="en-US" sz="1200" kern="1200" dirty="0" err="1" smtClean="0">
+                <a:solidFill>
+                  <a:schemeClr val="tx1"/>
+                </a:solidFill>
+                <a:effectLst/>
+                <a:latin typeface="Arial" pitchFamily="-65" charset="0"/>
+                <a:ea typeface="ＭＳ Ｐゴシック" pitchFamily="-65" charset="-128"/>
+                <a:cs typeface="ＭＳ Ｐゴシック" pitchFamily="-65" charset="-128"/>
+              </a:rPr>
+              <a:t>uniq</a:t>
+            </a:r>
+            <a:r>
+              <a:rPr kumimoji="1" lang="en-US" sz="1200" kern="1200" dirty="0" smtClean="0">
+                <a:solidFill>
+                  <a:schemeClr val="tx1"/>
+                </a:solidFill>
+                <a:effectLst/>
+                <a:latin typeface="Arial" pitchFamily="-65" charset="0"/>
+                <a:ea typeface="ＭＳ Ｐゴシック" pitchFamily="-65" charset="-128"/>
+                <a:cs typeface="ＭＳ Ｐゴシック" pitchFamily="-65" charset="-128"/>
+              </a:rPr>
+              <a:t> | more</a:t>
+            </a:r>
+          </a:p>
+          <a:p>
+            <a:pPr marL="0" marR="0" indent="0" algn="l" defTabSz="914400" rtl="0" eaLnBrk="0" fontAlgn="base" latinLnBrk="0" hangingPunct="0">
+              <a:lnSpc>
+                <a:spcPct val="100000"/>
+              </a:lnSpc>
+              <a:spcBef>
+                <a:spcPct val="30000"/>
+              </a:spcBef>
+              <a:spcAft>
+                <a:spcPct val="0"/>
+              </a:spcAft>
+              <a:buClrTx/>
+              <a:buSzTx/>
+              <a:buFontTx/>
+              <a:buNone/>
+              <a:tabLst/>
+              <a:defRPr/>
+            </a:pPr>
+            <a:r>
+              <a:rPr kumimoji="1" lang="hr-HR" sz="1200" kern="1200" dirty="0" err="1" smtClean="0">
+                <a:solidFill>
+                  <a:schemeClr val="tx1"/>
+                </a:solidFill>
+                <a:effectLst/>
+                <a:latin typeface="Arial" pitchFamily="-65" charset="0"/>
+                <a:ea typeface="ＭＳ Ｐゴシック" pitchFamily="-65" charset="-128"/>
+                <a:cs typeface="ＭＳ Ｐゴシック" pitchFamily="-65" charset="-128"/>
+              </a:rPr>
+              <a:t>cut</a:t>
+            </a:r>
+            <a:r>
+              <a:rPr kumimoji="1" lang="hr-HR" sz="1200" kern="1200" dirty="0" smtClean="0">
+                <a:solidFill>
+                  <a:schemeClr val="tx1"/>
+                </a:solidFill>
+                <a:effectLst/>
+                <a:latin typeface="Arial" pitchFamily="-65" charset="0"/>
+                <a:ea typeface="ＭＳ Ｐゴシック" pitchFamily="-65" charset="-128"/>
+                <a:cs typeface="ＭＳ Ｐゴシック" pitchFamily="-65" charset="-128"/>
+              </a:rPr>
+              <a:t> -f6 -d";" </a:t>
+            </a:r>
+            <a:r>
+              <a:rPr kumimoji="1" lang="hr-HR" sz="1200" kern="1200" dirty="0" err="1" smtClean="0">
+                <a:solidFill>
+                  <a:schemeClr val="tx1"/>
+                </a:solidFill>
+                <a:effectLst/>
+                <a:latin typeface="Arial" pitchFamily="-65" charset="0"/>
+                <a:ea typeface="ＭＳ Ｐゴシック" pitchFamily="-65" charset="-128"/>
+                <a:cs typeface="ＭＳ Ｐゴシック" pitchFamily="-65" charset="-128"/>
+              </a:rPr>
+              <a:t>will_play_text.csv</a:t>
+            </a:r>
+            <a:r>
+              <a:rPr kumimoji="1" lang="hr-HR" sz="1200" kern="1200" dirty="0" smtClean="0">
+                <a:solidFill>
+                  <a:schemeClr val="tx1"/>
+                </a:solidFill>
+                <a:effectLst/>
+                <a:latin typeface="Arial" pitchFamily="-65" charset="0"/>
+                <a:ea typeface="ＭＳ Ｐゴシック" pitchFamily="-65" charset="-128"/>
+                <a:cs typeface="ＭＳ Ｐゴシック" pitchFamily="-65" charset="-128"/>
+              </a:rPr>
+              <a:t> | </a:t>
+            </a:r>
+            <a:r>
+              <a:rPr kumimoji="1" lang="hr-HR" sz="1200" kern="1200" dirty="0" err="1" smtClean="0">
+                <a:solidFill>
+                  <a:schemeClr val="tx1"/>
+                </a:solidFill>
+                <a:effectLst/>
+                <a:latin typeface="Arial" pitchFamily="-65" charset="0"/>
+                <a:ea typeface="ＭＳ Ｐゴシック" pitchFamily="-65" charset="-128"/>
+                <a:cs typeface="ＭＳ Ｐゴシック" pitchFamily="-65" charset="-128"/>
+              </a:rPr>
+              <a:t>cut</a:t>
+            </a:r>
+            <a:r>
+              <a:rPr kumimoji="1" lang="hr-HR" sz="1200" kern="1200" dirty="0" smtClean="0">
+                <a:solidFill>
+                  <a:schemeClr val="tx1"/>
+                </a:solidFill>
+                <a:effectLst/>
+                <a:latin typeface="Arial" pitchFamily="-65" charset="0"/>
+                <a:ea typeface="ＭＳ Ｐゴシック" pitchFamily="-65" charset="-128"/>
+                <a:cs typeface="ＭＳ Ｐゴシック" pitchFamily="-65" charset="-128"/>
+              </a:rPr>
+              <a:t> -f2 -d'"' | </a:t>
+            </a:r>
+            <a:r>
+              <a:rPr kumimoji="1" lang="hr-HR" sz="1200" kern="1200" dirty="0" err="1" smtClean="0">
+                <a:solidFill>
+                  <a:schemeClr val="tx1"/>
+                </a:solidFill>
+                <a:effectLst/>
+                <a:latin typeface="Arial" pitchFamily="-65" charset="0"/>
+                <a:ea typeface="ＭＳ Ｐゴシック" pitchFamily="-65" charset="-128"/>
+                <a:cs typeface="ＭＳ Ｐゴシック" pitchFamily="-65" charset="-128"/>
+              </a:rPr>
+              <a:t>tr</a:t>
+            </a:r>
+            <a:r>
+              <a:rPr kumimoji="1" lang="hr-HR" sz="1200" kern="1200" dirty="0" smtClean="0">
+                <a:solidFill>
+                  <a:schemeClr val="tx1"/>
+                </a:solidFill>
+                <a:effectLst/>
+                <a:latin typeface="Arial" pitchFamily="-65" charset="0"/>
+                <a:ea typeface="ＭＳ Ｐゴシック" pitchFamily="-65" charset="-128"/>
+                <a:cs typeface="ＭＳ Ｐゴシック" pitchFamily="-65" charset="-128"/>
+              </a:rPr>
+              <a:t> -</a:t>
+            </a:r>
+            <a:r>
+              <a:rPr kumimoji="1" lang="hr-HR" sz="1200" kern="1200" dirty="0" err="1" smtClean="0">
+                <a:solidFill>
+                  <a:schemeClr val="tx1"/>
+                </a:solidFill>
+                <a:effectLst/>
+                <a:latin typeface="Arial" pitchFamily="-65" charset="0"/>
+                <a:ea typeface="ＭＳ Ｐゴシック" pitchFamily="-65" charset="-128"/>
+                <a:cs typeface="ＭＳ Ｐゴシック" pitchFamily="-65" charset="-128"/>
+              </a:rPr>
+              <a:t>sc</a:t>
+            </a:r>
+            <a:r>
+              <a:rPr kumimoji="1" lang="hr-HR" sz="1200" kern="1200" dirty="0" smtClean="0">
+                <a:solidFill>
+                  <a:schemeClr val="tx1"/>
+                </a:solidFill>
+                <a:effectLst/>
+                <a:latin typeface="Arial" pitchFamily="-65" charset="0"/>
+                <a:ea typeface="ＭＳ Ｐゴシック" pitchFamily="-65" charset="-128"/>
+                <a:cs typeface="ＭＳ Ｐゴシック" pitchFamily="-65" charset="-128"/>
+              </a:rPr>
+              <a:t> "A-Za-z" "\n" | </a:t>
+            </a:r>
+            <a:r>
+              <a:rPr kumimoji="1" lang="hr-HR" sz="1200" kern="1200" dirty="0" err="1" smtClean="0">
+                <a:solidFill>
+                  <a:schemeClr val="tx1"/>
+                </a:solidFill>
+                <a:effectLst/>
+                <a:latin typeface="Arial" pitchFamily="-65" charset="0"/>
+                <a:ea typeface="ＭＳ Ｐゴシック" pitchFamily="-65" charset="-128"/>
+                <a:cs typeface="ＭＳ Ｐゴシック" pitchFamily="-65" charset="-128"/>
+              </a:rPr>
+              <a:t>sort</a:t>
+            </a:r>
+            <a:r>
+              <a:rPr kumimoji="1" lang="hr-HR" sz="1200" kern="1200" dirty="0" smtClean="0">
+                <a:solidFill>
+                  <a:schemeClr val="tx1"/>
+                </a:solidFill>
+                <a:effectLst/>
+                <a:latin typeface="Arial" pitchFamily="-65" charset="0"/>
+                <a:ea typeface="ＭＳ Ｐゴシック" pitchFamily="-65" charset="-128"/>
+                <a:cs typeface="ＭＳ Ｐゴシック" pitchFamily="-65" charset="-128"/>
+              </a:rPr>
+              <a:t> | </a:t>
+            </a:r>
+            <a:r>
+              <a:rPr kumimoji="1" lang="hr-HR" sz="1200" kern="1200" dirty="0" err="1" smtClean="0">
+                <a:solidFill>
+                  <a:schemeClr val="tx1"/>
+                </a:solidFill>
+                <a:effectLst/>
+                <a:latin typeface="Arial" pitchFamily="-65" charset="0"/>
+                <a:ea typeface="ＭＳ Ｐゴシック" pitchFamily="-65" charset="-128"/>
+                <a:cs typeface="ＭＳ Ｐゴシック" pitchFamily="-65" charset="-128"/>
+              </a:rPr>
+              <a:t>uniq</a:t>
+            </a:r>
+            <a:r>
+              <a:rPr kumimoji="1" lang="hr-HR" sz="1200" kern="1200" dirty="0" smtClean="0">
+                <a:solidFill>
+                  <a:schemeClr val="tx1"/>
+                </a:solidFill>
+                <a:effectLst/>
+                <a:latin typeface="Arial" pitchFamily="-65" charset="0"/>
+                <a:ea typeface="ＭＳ Ｐゴシック" pitchFamily="-65" charset="-128"/>
+                <a:cs typeface="ＭＳ Ｐゴシック" pitchFamily="-65" charset="-128"/>
+              </a:rPr>
+              <a:t> -c | </a:t>
+            </a:r>
+            <a:r>
+              <a:rPr kumimoji="1" lang="hr-HR" sz="1200" kern="1200" dirty="0" err="1" smtClean="0">
+                <a:solidFill>
+                  <a:schemeClr val="tx1"/>
+                </a:solidFill>
+                <a:effectLst/>
+                <a:latin typeface="Arial" pitchFamily="-65" charset="0"/>
+                <a:ea typeface="ＭＳ Ｐゴシック" pitchFamily="-65" charset="-128"/>
+                <a:cs typeface="ＭＳ Ｐゴシック" pitchFamily="-65" charset="-128"/>
+              </a:rPr>
+              <a:t>sort</a:t>
+            </a:r>
+            <a:r>
+              <a:rPr kumimoji="1" lang="hr-HR" sz="1200" kern="1200" dirty="0" smtClean="0">
+                <a:solidFill>
+                  <a:schemeClr val="tx1"/>
+                </a:solidFill>
+                <a:effectLst/>
+                <a:latin typeface="Arial" pitchFamily="-65" charset="0"/>
+                <a:ea typeface="ＭＳ Ｐゴシック" pitchFamily="-65" charset="-128"/>
+                <a:cs typeface="ＭＳ Ｐゴシック" pitchFamily="-65" charset="-128"/>
+              </a:rPr>
+              <a:t> -</a:t>
+            </a:r>
+            <a:r>
+              <a:rPr kumimoji="1" lang="hr-HR" sz="1200" kern="1200" dirty="0" err="1" smtClean="0">
+                <a:solidFill>
+                  <a:schemeClr val="tx1"/>
+                </a:solidFill>
+                <a:effectLst/>
+                <a:latin typeface="Arial" pitchFamily="-65" charset="0"/>
+                <a:ea typeface="ＭＳ Ｐゴシック" pitchFamily="-65" charset="-128"/>
+                <a:cs typeface="ＭＳ Ｐゴシック" pitchFamily="-65" charset="-128"/>
+              </a:rPr>
+              <a:t>nr</a:t>
+            </a:r>
+            <a:r>
+              <a:rPr kumimoji="1" lang="hr-HR" sz="1200" kern="1200" dirty="0" smtClean="0">
+                <a:solidFill>
+                  <a:schemeClr val="tx1"/>
+                </a:solidFill>
+                <a:effectLst/>
+                <a:latin typeface="Arial" pitchFamily="-65" charset="0"/>
+                <a:ea typeface="ＭＳ Ｐゴシック" pitchFamily="-65" charset="-128"/>
+                <a:cs typeface="ＭＳ Ｐゴシック" pitchFamily="-65" charset="-128"/>
+              </a:rPr>
+              <a:t> | more</a:t>
+            </a:r>
+          </a:p>
+          <a:p>
+            <a:pPr marL="0" marR="0" indent="0" algn="l" defTabSz="914400" rtl="0" eaLnBrk="0" fontAlgn="base" latinLnBrk="0" hangingPunct="0">
+              <a:lnSpc>
+                <a:spcPct val="100000"/>
+              </a:lnSpc>
+              <a:spcBef>
+                <a:spcPct val="30000"/>
+              </a:spcBef>
+              <a:spcAft>
+                <a:spcPct val="0"/>
+              </a:spcAft>
+              <a:buClrTx/>
+              <a:buSzTx/>
+              <a:buFontTx/>
+              <a:buNone/>
+              <a:tabLst/>
+              <a:defRPr/>
+            </a:pPr>
+            <a:r>
+              <a:rPr kumimoji="1" lang="hr-HR" sz="1200" kern="1200" dirty="0" err="1" smtClean="0">
+                <a:solidFill>
+                  <a:schemeClr val="tx1"/>
+                </a:solidFill>
+                <a:effectLst/>
+                <a:latin typeface="Arial" pitchFamily="-65" charset="0"/>
+                <a:ea typeface="ＭＳ Ｐゴシック" pitchFamily="-65" charset="-128"/>
+                <a:cs typeface="ＭＳ Ｐゴシック" pitchFamily="-65" charset="-128"/>
+              </a:rPr>
+              <a:t>cut</a:t>
+            </a:r>
+            <a:r>
+              <a:rPr kumimoji="1" lang="hr-HR" sz="1200" kern="1200" dirty="0" smtClean="0">
+                <a:solidFill>
+                  <a:schemeClr val="tx1"/>
+                </a:solidFill>
+                <a:effectLst/>
+                <a:latin typeface="Arial" pitchFamily="-65" charset="0"/>
+                <a:ea typeface="ＭＳ Ｐゴシック" pitchFamily="-65" charset="-128"/>
+                <a:cs typeface="ＭＳ Ｐゴシック" pitchFamily="-65" charset="-128"/>
+              </a:rPr>
+              <a:t> -f6 -d";" </a:t>
+            </a:r>
+            <a:r>
+              <a:rPr kumimoji="1" lang="hr-HR" sz="1200" kern="1200" dirty="0" err="1" smtClean="0">
+                <a:solidFill>
+                  <a:schemeClr val="tx1"/>
+                </a:solidFill>
+                <a:effectLst/>
+                <a:latin typeface="Arial" pitchFamily="-65" charset="0"/>
+                <a:ea typeface="ＭＳ Ｐゴシック" pitchFamily="-65" charset="-128"/>
+                <a:cs typeface="ＭＳ Ｐゴシック" pitchFamily="-65" charset="-128"/>
+              </a:rPr>
+              <a:t>will_play_text.csv</a:t>
+            </a:r>
+            <a:r>
+              <a:rPr kumimoji="1" lang="hr-HR" sz="1200" kern="1200" dirty="0" smtClean="0">
+                <a:solidFill>
+                  <a:schemeClr val="tx1"/>
+                </a:solidFill>
+                <a:effectLst/>
+                <a:latin typeface="Arial" pitchFamily="-65" charset="0"/>
+                <a:ea typeface="ＭＳ Ｐゴシック" pitchFamily="-65" charset="-128"/>
+                <a:cs typeface="ＭＳ Ｐゴシック" pitchFamily="-65" charset="-128"/>
+              </a:rPr>
+              <a:t> | </a:t>
+            </a:r>
+            <a:r>
+              <a:rPr kumimoji="1" lang="hr-HR" sz="1200" kern="1200" dirty="0" err="1" smtClean="0">
+                <a:solidFill>
+                  <a:schemeClr val="tx1"/>
+                </a:solidFill>
+                <a:effectLst/>
+                <a:latin typeface="Arial" pitchFamily="-65" charset="0"/>
+                <a:ea typeface="ＭＳ Ｐゴシック" pitchFamily="-65" charset="-128"/>
+                <a:cs typeface="ＭＳ Ｐゴシック" pitchFamily="-65" charset="-128"/>
+              </a:rPr>
+              <a:t>cut</a:t>
+            </a:r>
+            <a:r>
+              <a:rPr kumimoji="1" lang="hr-HR" sz="1200" kern="1200" dirty="0" smtClean="0">
+                <a:solidFill>
+                  <a:schemeClr val="tx1"/>
+                </a:solidFill>
+                <a:effectLst/>
+                <a:latin typeface="Arial" pitchFamily="-65" charset="0"/>
+                <a:ea typeface="ＭＳ Ｐゴシック" pitchFamily="-65" charset="-128"/>
+                <a:cs typeface="ＭＳ Ｐゴシック" pitchFamily="-65" charset="-128"/>
+              </a:rPr>
+              <a:t> -f2 -d'"' | </a:t>
+            </a:r>
+            <a:r>
+              <a:rPr kumimoji="1" lang="hr-HR" sz="1200" kern="1200" dirty="0" err="1" smtClean="0">
+                <a:solidFill>
+                  <a:schemeClr val="tx1"/>
+                </a:solidFill>
+                <a:effectLst/>
+                <a:latin typeface="Arial" pitchFamily="-65" charset="0"/>
+                <a:ea typeface="ＭＳ Ｐゴシック" pitchFamily="-65" charset="-128"/>
+                <a:cs typeface="ＭＳ Ｐゴシック" pitchFamily="-65" charset="-128"/>
+              </a:rPr>
+              <a:t>tr</a:t>
+            </a:r>
+            <a:r>
+              <a:rPr kumimoji="1" lang="hr-HR" sz="1200" kern="1200" dirty="0" smtClean="0">
+                <a:solidFill>
+                  <a:schemeClr val="tx1"/>
+                </a:solidFill>
+                <a:effectLst/>
+                <a:latin typeface="Arial" pitchFamily="-65" charset="0"/>
+                <a:ea typeface="ＭＳ Ｐゴシック" pitchFamily="-65" charset="-128"/>
+                <a:cs typeface="ＭＳ Ｐゴシック" pitchFamily="-65" charset="-128"/>
+              </a:rPr>
+              <a:t> -</a:t>
+            </a:r>
+            <a:r>
+              <a:rPr kumimoji="1" lang="hr-HR" sz="1200" kern="1200" dirty="0" err="1" smtClean="0">
+                <a:solidFill>
+                  <a:schemeClr val="tx1"/>
+                </a:solidFill>
+                <a:effectLst/>
+                <a:latin typeface="Arial" pitchFamily="-65" charset="0"/>
+                <a:ea typeface="ＭＳ Ｐゴシック" pitchFamily="-65" charset="-128"/>
+                <a:cs typeface="ＭＳ Ｐゴシック" pitchFamily="-65" charset="-128"/>
+              </a:rPr>
+              <a:t>sc</a:t>
+            </a:r>
+            <a:r>
+              <a:rPr kumimoji="1" lang="hr-HR" sz="1200" kern="1200" dirty="0" smtClean="0">
+                <a:solidFill>
+                  <a:schemeClr val="tx1"/>
+                </a:solidFill>
+                <a:effectLst/>
+                <a:latin typeface="Arial" pitchFamily="-65" charset="0"/>
+                <a:ea typeface="ＭＳ Ｐゴシック" pitchFamily="-65" charset="-128"/>
+                <a:cs typeface="ＭＳ Ｐゴシック" pitchFamily="-65" charset="-128"/>
+              </a:rPr>
+              <a:t> "A-Za-z" "\n" | </a:t>
+            </a:r>
+            <a:r>
+              <a:rPr kumimoji="1" lang="hr-HR" sz="1200" kern="1200" dirty="0" err="1" smtClean="0">
+                <a:solidFill>
+                  <a:schemeClr val="tx1"/>
+                </a:solidFill>
+                <a:effectLst/>
+                <a:latin typeface="Arial" pitchFamily="-65" charset="0"/>
+                <a:ea typeface="ＭＳ Ｐゴシック" pitchFamily="-65" charset="-128"/>
+                <a:cs typeface="ＭＳ Ｐゴシック" pitchFamily="-65" charset="-128"/>
+              </a:rPr>
+              <a:t>tr</a:t>
+            </a:r>
+            <a:r>
+              <a:rPr kumimoji="1" lang="hr-HR" sz="1200" kern="1200" dirty="0" smtClean="0">
+                <a:solidFill>
+                  <a:schemeClr val="tx1"/>
+                </a:solidFill>
+                <a:effectLst/>
+                <a:latin typeface="Arial" pitchFamily="-65" charset="0"/>
+                <a:ea typeface="ＭＳ Ｐゴシック" pitchFamily="-65" charset="-128"/>
+                <a:cs typeface="ＭＳ Ｐゴシック" pitchFamily="-65" charset="-128"/>
+              </a:rPr>
+              <a:t>  "A-Z" "a-z" | </a:t>
+            </a:r>
+            <a:r>
+              <a:rPr kumimoji="1" lang="hr-HR" sz="1200" kern="1200" dirty="0" err="1" smtClean="0">
+                <a:solidFill>
+                  <a:schemeClr val="tx1"/>
+                </a:solidFill>
+                <a:effectLst/>
+                <a:latin typeface="Arial" pitchFamily="-65" charset="0"/>
+                <a:ea typeface="ＭＳ Ｐゴシック" pitchFamily="-65" charset="-128"/>
+                <a:cs typeface="ＭＳ Ｐゴシック" pitchFamily="-65" charset="-128"/>
+              </a:rPr>
+              <a:t>sort</a:t>
+            </a:r>
+            <a:r>
+              <a:rPr kumimoji="1" lang="hr-HR" sz="1200" kern="1200" dirty="0" smtClean="0">
+                <a:solidFill>
+                  <a:schemeClr val="tx1"/>
+                </a:solidFill>
+                <a:effectLst/>
+                <a:latin typeface="Arial" pitchFamily="-65" charset="0"/>
+                <a:ea typeface="ＭＳ Ｐゴシック" pitchFamily="-65" charset="-128"/>
+                <a:cs typeface="ＭＳ Ｐゴシック" pitchFamily="-65" charset="-128"/>
+              </a:rPr>
+              <a:t> | </a:t>
+            </a:r>
+            <a:r>
+              <a:rPr kumimoji="1" lang="hr-HR" sz="1200" kern="1200" dirty="0" err="1" smtClean="0">
+                <a:solidFill>
+                  <a:schemeClr val="tx1"/>
+                </a:solidFill>
+                <a:effectLst/>
+                <a:latin typeface="Arial" pitchFamily="-65" charset="0"/>
+                <a:ea typeface="ＭＳ Ｐゴシック" pitchFamily="-65" charset="-128"/>
+                <a:cs typeface="ＭＳ Ｐゴシック" pitchFamily="-65" charset="-128"/>
+              </a:rPr>
+              <a:t>uniq</a:t>
+            </a:r>
+            <a:r>
+              <a:rPr kumimoji="1" lang="hr-HR" sz="1200" kern="1200" dirty="0" smtClean="0">
+                <a:solidFill>
+                  <a:schemeClr val="tx1"/>
+                </a:solidFill>
+                <a:effectLst/>
+                <a:latin typeface="Arial" pitchFamily="-65" charset="0"/>
+                <a:ea typeface="ＭＳ Ｐゴシック" pitchFamily="-65" charset="-128"/>
+                <a:cs typeface="ＭＳ Ｐゴシック" pitchFamily="-65" charset="-128"/>
+              </a:rPr>
+              <a:t> -c | </a:t>
+            </a:r>
+            <a:r>
+              <a:rPr kumimoji="1" lang="hr-HR" sz="1200" kern="1200" dirty="0" err="1" smtClean="0">
+                <a:solidFill>
+                  <a:schemeClr val="tx1"/>
+                </a:solidFill>
+                <a:effectLst/>
+                <a:latin typeface="Arial" pitchFamily="-65" charset="0"/>
+                <a:ea typeface="ＭＳ Ｐゴシック" pitchFamily="-65" charset="-128"/>
+                <a:cs typeface="ＭＳ Ｐゴシック" pitchFamily="-65" charset="-128"/>
+              </a:rPr>
+              <a:t>sort</a:t>
+            </a:r>
+            <a:r>
+              <a:rPr kumimoji="1" lang="hr-HR" sz="1200" kern="1200" dirty="0" smtClean="0">
+                <a:solidFill>
+                  <a:schemeClr val="tx1"/>
+                </a:solidFill>
+                <a:effectLst/>
+                <a:latin typeface="Arial" pitchFamily="-65" charset="0"/>
+                <a:ea typeface="ＭＳ Ｐゴシック" pitchFamily="-65" charset="-128"/>
+                <a:cs typeface="ＭＳ Ｐゴシック" pitchFamily="-65" charset="-128"/>
+              </a:rPr>
+              <a:t> -</a:t>
+            </a:r>
+            <a:r>
+              <a:rPr kumimoji="1" lang="hr-HR" sz="1200" kern="1200" dirty="0" err="1" smtClean="0">
+                <a:solidFill>
+                  <a:schemeClr val="tx1"/>
+                </a:solidFill>
+                <a:effectLst/>
+                <a:latin typeface="Arial" pitchFamily="-65" charset="0"/>
+                <a:ea typeface="ＭＳ Ｐゴシック" pitchFamily="-65" charset="-128"/>
+                <a:cs typeface="ＭＳ Ｐゴシック" pitchFamily="-65" charset="-128"/>
+              </a:rPr>
+              <a:t>nr</a:t>
+            </a:r>
+            <a:r>
+              <a:rPr kumimoji="1" lang="hr-HR" sz="1200" kern="1200" dirty="0" smtClean="0">
+                <a:solidFill>
+                  <a:schemeClr val="tx1"/>
+                </a:solidFill>
+                <a:effectLst/>
+                <a:latin typeface="Arial" pitchFamily="-65" charset="0"/>
+                <a:ea typeface="ＭＳ Ｐゴシック" pitchFamily="-65" charset="-128"/>
+                <a:cs typeface="ＭＳ Ｐゴシック" pitchFamily="-65" charset="-128"/>
+              </a:rPr>
+              <a:t> | more</a:t>
+            </a:r>
+          </a:p>
+          <a:p>
+            <a:pPr marL="0" marR="0" indent="0" algn="l" defTabSz="914400" rtl="0" eaLnBrk="0" fontAlgn="base" latinLnBrk="0" hangingPunct="0">
+              <a:lnSpc>
+                <a:spcPct val="100000"/>
+              </a:lnSpc>
+              <a:spcBef>
+                <a:spcPct val="30000"/>
+              </a:spcBef>
+              <a:spcAft>
+                <a:spcPct val="0"/>
+              </a:spcAft>
+              <a:buClrTx/>
+              <a:buSzTx/>
+              <a:buFontTx/>
+              <a:buNone/>
+              <a:tabLst/>
+              <a:defRPr/>
+            </a:pPr>
+            <a:endParaRPr kumimoji="1" lang="mr-IN" sz="1200" kern="1200" dirty="0" smtClean="0">
+              <a:solidFill>
+                <a:schemeClr val="tx1"/>
+              </a:solidFill>
+              <a:effectLst/>
+              <a:latin typeface="Arial" pitchFamily="-65" charset="0"/>
+              <a:ea typeface="ＭＳ Ｐゴシック" pitchFamily="-65" charset="-128"/>
+              <a:cs typeface="ＭＳ Ｐゴシック" pitchFamily="-65" charset="-128"/>
+            </a:endParaRPr>
+          </a:p>
+          <a:p>
+            <a:endParaRPr lang="en-US" dirty="0" smtClean="0"/>
+          </a:p>
+          <a:p>
+            <a:endParaRPr lang="en-US" dirty="0" smtClean="0"/>
           </a:p>
           <a:p>
             <a:endParaRPr lang="en-US" dirty="0"/>
@@ -5158,14 +6383,1180 @@
           <a:bodyPr/>
           <a:lstStyle/>
           <a:p>
-            <a:r>
-              <a:rPr lang="en-US" dirty="0" err="1" smtClean="0"/>
-              <a:t>call'd</a:t>
-            </a:r>
-            <a:r>
-              <a:rPr lang="en-US" dirty="0" smtClean="0"/>
-              <a:t> me</a:t>
-            </a:r>
+            <a:pPr marL="0" marR="0" indent="0" algn="l" defTabSz="914400" rtl="0" eaLnBrk="0" fontAlgn="base" latinLnBrk="0" hangingPunct="0">
+              <a:lnSpc>
+                <a:spcPct val="100000"/>
+              </a:lnSpc>
+              <a:spcBef>
+                <a:spcPct val="30000"/>
+              </a:spcBef>
+              <a:spcAft>
+                <a:spcPct val="0"/>
+              </a:spcAft>
+              <a:buClrTx/>
+              <a:buSzTx/>
+              <a:buFontTx/>
+              <a:buNone/>
+              <a:tabLst/>
+              <a:defRPr/>
+            </a:pPr>
+            <a:r>
+              <a:rPr kumimoji="1" lang="en-US" sz="1200" kern="1200" dirty="0" err="1" smtClean="0">
+                <a:solidFill>
+                  <a:schemeClr val="tx1"/>
+                </a:solidFill>
+                <a:effectLst/>
+                <a:latin typeface="Arial" pitchFamily="-65" charset="0"/>
+                <a:ea typeface="ＭＳ Ｐゴシック" pitchFamily="-65" charset="-128"/>
+                <a:cs typeface="ＭＳ Ｐゴシック" pitchFamily="-65" charset="-128"/>
+              </a:rPr>
+              <a:t>wget</a:t>
+            </a:r>
+            <a:r>
+              <a:rPr kumimoji="1" lang="en-US" sz="1200" kern="1200" dirty="0" smtClean="0">
+                <a:solidFill>
+                  <a:schemeClr val="tx1"/>
+                </a:solidFill>
+                <a:effectLst/>
+                <a:latin typeface="Arial" pitchFamily="-65" charset="0"/>
+                <a:ea typeface="ＭＳ Ｐゴシック" pitchFamily="-65" charset="-128"/>
+                <a:cs typeface="ＭＳ Ｐゴシック" pitchFamily="-65" charset="-128"/>
+              </a:rPr>
+              <a:t> http://computational-linguistics-</a:t>
+            </a:r>
+            <a:r>
+              <a:rPr kumimoji="1" lang="en-US" sz="1200" kern="1200" dirty="0" err="1" smtClean="0">
+                <a:solidFill>
+                  <a:schemeClr val="tx1"/>
+                </a:solidFill>
+                <a:effectLst/>
+                <a:latin typeface="Arial" pitchFamily="-65" charset="0"/>
+                <a:ea typeface="ＭＳ Ｐゴシック" pitchFamily="-65" charset="-128"/>
+                <a:cs typeface="ＭＳ Ｐゴシック" pitchFamily="-65" charset="-128"/>
+              </a:rPr>
+              <a:t>class.org</a:t>
+            </a:r>
+            <a:r>
+              <a:rPr kumimoji="1" lang="en-US" sz="1200" kern="1200" dirty="0" smtClean="0">
+                <a:solidFill>
+                  <a:schemeClr val="tx1"/>
+                </a:solidFill>
+                <a:effectLst/>
+                <a:latin typeface="Arial" pitchFamily="-65" charset="0"/>
+                <a:ea typeface="ＭＳ Ｐゴシック" pitchFamily="-65" charset="-128"/>
+                <a:cs typeface="ＭＳ Ｐゴシック" pitchFamily="-65" charset="-128"/>
+              </a:rPr>
+              <a:t>/downloads/hw3/</a:t>
+            </a:r>
+            <a:r>
+              <a:rPr kumimoji="1" lang="en-US" sz="1200" kern="1200" dirty="0" err="1" smtClean="0">
+                <a:solidFill>
+                  <a:schemeClr val="tx1"/>
+                </a:solidFill>
+                <a:effectLst/>
+                <a:latin typeface="Arial" pitchFamily="-65" charset="0"/>
+                <a:ea typeface="ＭＳ Ｐゴシック" pitchFamily="-65" charset="-128"/>
+                <a:cs typeface="ＭＳ Ｐゴシック" pitchFamily="-65" charset="-128"/>
+              </a:rPr>
+              <a:t>will_play_text.csv</a:t>
+            </a:r>
+            <a:endParaRPr kumimoji="1" lang="en-US" sz="1200" kern="1200" dirty="0" smtClean="0">
+              <a:solidFill>
+                <a:schemeClr val="tx1"/>
+              </a:solidFill>
+              <a:effectLst/>
+              <a:latin typeface="Arial" pitchFamily="-65" charset="0"/>
+              <a:ea typeface="ＭＳ Ｐゴシック" pitchFamily="-65" charset="-128"/>
+              <a:cs typeface="ＭＳ Ｐゴシック" pitchFamily="-65" charset="-128"/>
+            </a:endParaRPr>
+          </a:p>
+          <a:p>
+            <a:pPr marL="0" marR="0" indent="0" algn="l" defTabSz="914400" rtl="0" eaLnBrk="0" fontAlgn="base" latinLnBrk="0" hangingPunct="0">
+              <a:lnSpc>
+                <a:spcPct val="100000"/>
+              </a:lnSpc>
+              <a:spcBef>
+                <a:spcPct val="30000"/>
+              </a:spcBef>
+              <a:spcAft>
+                <a:spcPct val="0"/>
+              </a:spcAft>
+              <a:buClrTx/>
+              <a:buSzTx/>
+              <a:buFontTx/>
+              <a:buNone/>
+              <a:tabLst/>
+              <a:defRPr/>
+            </a:pPr>
+            <a:r>
+              <a:rPr kumimoji="1" lang="en-US" sz="1200" kern="1200" dirty="0" smtClean="0">
+                <a:solidFill>
+                  <a:schemeClr val="tx1"/>
+                </a:solidFill>
+                <a:effectLst/>
+                <a:latin typeface="Arial" pitchFamily="-65" charset="0"/>
+                <a:ea typeface="ＭＳ Ｐゴシック" pitchFamily="-65" charset="-128"/>
+                <a:cs typeface="ＭＳ Ｐゴシック" pitchFamily="-65" charset="-128"/>
+              </a:rPr>
+              <a:t>head  </a:t>
+            </a:r>
+            <a:r>
+              <a:rPr kumimoji="1" lang="en-US" sz="1200" kern="1200" dirty="0" err="1" smtClean="0">
+                <a:solidFill>
+                  <a:schemeClr val="tx1"/>
+                </a:solidFill>
+                <a:effectLst/>
+                <a:latin typeface="Arial" pitchFamily="-65" charset="0"/>
+                <a:ea typeface="ＭＳ Ｐゴシック" pitchFamily="-65" charset="-128"/>
+                <a:cs typeface="ＭＳ Ｐゴシック" pitchFamily="-65" charset="-128"/>
+              </a:rPr>
+              <a:t>will_play_text.csv</a:t>
+            </a:r>
+            <a:endParaRPr kumimoji="1" lang="en-US" sz="1200" kern="1200" dirty="0" smtClean="0">
+              <a:solidFill>
+                <a:schemeClr val="tx1"/>
+              </a:solidFill>
+              <a:effectLst/>
+              <a:latin typeface="Arial" pitchFamily="-65" charset="0"/>
+              <a:ea typeface="ＭＳ Ｐゴシック" pitchFamily="-65" charset="-128"/>
+              <a:cs typeface="ＭＳ Ｐゴシック" pitchFamily="-65" charset="-128"/>
+            </a:endParaRPr>
+          </a:p>
+          <a:p>
+            <a:pPr marL="0" marR="0" indent="0" algn="l" defTabSz="914400" rtl="0" eaLnBrk="0" fontAlgn="base" latinLnBrk="0" hangingPunct="0">
+              <a:lnSpc>
+                <a:spcPct val="100000"/>
+              </a:lnSpc>
+              <a:spcBef>
+                <a:spcPct val="30000"/>
+              </a:spcBef>
+              <a:spcAft>
+                <a:spcPct val="0"/>
+              </a:spcAft>
+              <a:buClrTx/>
+              <a:buSzTx/>
+              <a:buFontTx/>
+              <a:buNone/>
+              <a:tabLst/>
+              <a:defRPr/>
+            </a:pPr>
+            <a:r>
+              <a:rPr kumimoji="1" lang="en-US" sz="1200" kern="1200" dirty="0" smtClean="0">
+                <a:solidFill>
+                  <a:schemeClr val="tx1"/>
+                </a:solidFill>
+                <a:effectLst/>
+                <a:latin typeface="Arial" pitchFamily="-65" charset="0"/>
+                <a:ea typeface="ＭＳ Ｐゴシック" pitchFamily="-65" charset="-128"/>
+                <a:cs typeface="ＭＳ Ｐゴシック" pitchFamily="-65" charset="-128"/>
+              </a:rPr>
+              <a:t>cut -f6 -d";" </a:t>
+            </a:r>
+            <a:r>
+              <a:rPr kumimoji="1" lang="en-US" sz="1200" kern="1200" dirty="0" err="1" smtClean="0">
+                <a:solidFill>
+                  <a:schemeClr val="tx1"/>
+                </a:solidFill>
+                <a:effectLst/>
+                <a:latin typeface="Arial" pitchFamily="-65" charset="0"/>
+                <a:ea typeface="ＭＳ Ｐゴシック" pitchFamily="-65" charset="-128"/>
+                <a:cs typeface="ＭＳ Ｐゴシック" pitchFamily="-65" charset="-128"/>
+              </a:rPr>
+              <a:t>will_play_text.csv</a:t>
+            </a:r>
+            <a:r>
+              <a:rPr kumimoji="1" lang="en-US" sz="1200" kern="1200" dirty="0" smtClean="0">
+                <a:solidFill>
+                  <a:schemeClr val="tx1"/>
+                </a:solidFill>
+                <a:effectLst/>
+                <a:latin typeface="Arial" pitchFamily="-65" charset="0"/>
+                <a:ea typeface="ＭＳ Ｐゴシック" pitchFamily="-65" charset="-128"/>
+                <a:cs typeface="ＭＳ Ｐゴシック" pitchFamily="-65" charset="-128"/>
+              </a:rPr>
+              <a:t> | more</a:t>
+            </a:r>
+          </a:p>
+          <a:p>
+            <a:pPr marL="0" marR="0" indent="0" algn="l" defTabSz="914400" rtl="0" eaLnBrk="0" fontAlgn="base" latinLnBrk="0" hangingPunct="0">
+              <a:lnSpc>
+                <a:spcPct val="100000"/>
+              </a:lnSpc>
+              <a:spcBef>
+                <a:spcPct val="30000"/>
+              </a:spcBef>
+              <a:spcAft>
+                <a:spcPct val="0"/>
+              </a:spcAft>
+              <a:buClrTx/>
+              <a:buSzTx/>
+              <a:buFontTx/>
+              <a:buNone/>
+              <a:tabLst/>
+              <a:defRPr/>
+            </a:pPr>
+            <a:r>
+              <a:rPr kumimoji="1" lang="en-US" sz="1200" kern="1200" dirty="0" smtClean="0">
+                <a:solidFill>
+                  <a:schemeClr val="tx1"/>
+                </a:solidFill>
+                <a:effectLst/>
+                <a:latin typeface="Arial" pitchFamily="-65" charset="0"/>
+                <a:ea typeface="ＭＳ Ｐゴシック" pitchFamily="-65" charset="-128"/>
+                <a:cs typeface="ＭＳ Ｐゴシック" pitchFamily="-65" charset="-128"/>
+              </a:rPr>
+              <a:t>cut -f6 -d";" </a:t>
+            </a:r>
+            <a:r>
+              <a:rPr kumimoji="1" lang="en-US" sz="1200" kern="1200" dirty="0" err="1" smtClean="0">
+                <a:solidFill>
+                  <a:schemeClr val="tx1"/>
+                </a:solidFill>
+                <a:effectLst/>
+                <a:latin typeface="Arial" pitchFamily="-65" charset="0"/>
+                <a:ea typeface="ＭＳ Ｐゴシック" pitchFamily="-65" charset="-128"/>
+                <a:cs typeface="ＭＳ Ｐゴシック" pitchFamily="-65" charset="-128"/>
+              </a:rPr>
+              <a:t>will_play_text.csv</a:t>
+            </a:r>
+            <a:r>
+              <a:rPr kumimoji="1" lang="en-US" sz="1200" kern="1200" dirty="0" smtClean="0">
+                <a:solidFill>
+                  <a:schemeClr val="tx1"/>
+                </a:solidFill>
+                <a:effectLst/>
+                <a:latin typeface="Arial" pitchFamily="-65" charset="0"/>
+                <a:ea typeface="ＭＳ Ｐゴシック" pitchFamily="-65" charset="-128"/>
+                <a:cs typeface="ＭＳ Ｐゴシック" pitchFamily="-65" charset="-128"/>
+              </a:rPr>
+              <a:t> | cut -f2 -d'"'  | more</a:t>
+            </a:r>
+          </a:p>
+          <a:p>
+            <a:pPr marL="0" marR="0" indent="0" algn="l" defTabSz="914400" rtl="0" eaLnBrk="0" fontAlgn="base" latinLnBrk="0" hangingPunct="0">
+              <a:lnSpc>
+                <a:spcPct val="100000"/>
+              </a:lnSpc>
+              <a:spcBef>
+                <a:spcPct val="30000"/>
+              </a:spcBef>
+              <a:spcAft>
+                <a:spcPct val="0"/>
+              </a:spcAft>
+              <a:buClrTx/>
+              <a:buSzTx/>
+              <a:buFontTx/>
+              <a:buNone/>
+              <a:tabLst/>
+              <a:defRPr/>
+            </a:pPr>
+            <a:r>
+              <a:rPr kumimoji="1" lang="mr-IN" sz="1200" kern="1200" dirty="0" err="1" smtClean="0">
+                <a:solidFill>
+                  <a:schemeClr val="tx1"/>
+                </a:solidFill>
+                <a:effectLst/>
+                <a:latin typeface="Arial" pitchFamily="-65" charset="0"/>
+                <a:ea typeface="ＭＳ Ｐゴシック" pitchFamily="-65" charset="-128"/>
+                <a:cs typeface="ＭＳ Ｐゴシック" pitchFamily="-65" charset="-128"/>
+              </a:rPr>
+              <a:t>cut</a:t>
+            </a:r>
+            <a:r>
+              <a:rPr kumimoji="1" lang="mr-IN" sz="1200" kern="1200" dirty="0" smtClean="0">
+                <a:solidFill>
+                  <a:schemeClr val="tx1"/>
+                </a:solidFill>
+                <a:effectLst/>
+                <a:latin typeface="Arial" pitchFamily="-65" charset="0"/>
+                <a:ea typeface="ＭＳ Ｐゴシック" pitchFamily="-65" charset="-128"/>
+                <a:cs typeface="ＭＳ Ｐゴシック" pitchFamily="-65" charset="-128"/>
+              </a:rPr>
+              <a:t> -f6 -</a:t>
+            </a:r>
+            <a:r>
+              <a:rPr kumimoji="1" lang="mr-IN" sz="1200" kern="1200" dirty="0" err="1" smtClean="0">
+                <a:solidFill>
+                  <a:schemeClr val="tx1"/>
+                </a:solidFill>
+                <a:effectLst/>
+                <a:latin typeface="Arial" pitchFamily="-65" charset="0"/>
+                <a:ea typeface="ＭＳ Ｐゴシック" pitchFamily="-65" charset="-128"/>
+                <a:cs typeface="ＭＳ Ｐゴシック" pitchFamily="-65" charset="-128"/>
+              </a:rPr>
+              <a:t>d</a:t>
+            </a:r>
+            <a:r>
+              <a:rPr kumimoji="1" lang="mr-IN" sz="1200" kern="1200" dirty="0" smtClean="0">
+                <a:solidFill>
+                  <a:schemeClr val="tx1"/>
+                </a:solidFill>
+                <a:effectLst/>
+                <a:latin typeface="Arial" pitchFamily="-65" charset="0"/>
+                <a:ea typeface="ＭＳ Ｐゴシック" pitchFamily="-65" charset="-128"/>
+                <a:cs typeface="ＭＳ Ｐゴシック" pitchFamily="-65" charset="-128"/>
+              </a:rPr>
+              <a:t>";" </a:t>
+            </a:r>
+            <a:r>
+              <a:rPr kumimoji="1" lang="mr-IN" sz="1200" kern="1200" dirty="0" err="1" smtClean="0">
+                <a:solidFill>
+                  <a:schemeClr val="tx1"/>
+                </a:solidFill>
+                <a:effectLst/>
+                <a:latin typeface="Arial" pitchFamily="-65" charset="0"/>
+                <a:ea typeface="ＭＳ Ｐゴシック" pitchFamily="-65" charset="-128"/>
+                <a:cs typeface="ＭＳ Ｐゴシック" pitchFamily="-65" charset="-128"/>
+              </a:rPr>
+              <a:t>will_play_text.csv</a:t>
+            </a:r>
+            <a:r>
+              <a:rPr kumimoji="1" lang="mr-IN" sz="1200" kern="1200" dirty="0" smtClean="0">
+                <a:solidFill>
+                  <a:schemeClr val="tx1"/>
+                </a:solidFill>
+                <a:effectLst/>
+                <a:latin typeface="Arial" pitchFamily="-65" charset="0"/>
+                <a:ea typeface="ＭＳ Ｐゴシック" pitchFamily="-65" charset="-128"/>
+                <a:cs typeface="ＭＳ Ｐゴシック" pitchFamily="-65" charset="-128"/>
+              </a:rPr>
+              <a:t> | </a:t>
+            </a:r>
+            <a:r>
+              <a:rPr kumimoji="1" lang="mr-IN" sz="1200" kern="1200" dirty="0" err="1" smtClean="0">
+                <a:solidFill>
+                  <a:schemeClr val="tx1"/>
+                </a:solidFill>
+                <a:effectLst/>
+                <a:latin typeface="Arial" pitchFamily="-65" charset="0"/>
+                <a:ea typeface="ＭＳ Ｐゴシック" pitchFamily="-65" charset="-128"/>
+                <a:cs typeface="ＭＳ Ｐゴシック" pitchFamily="-65" charset="-128"/>
+              </a:rPr>
+              <a:t>cut</a:t>
+            </a:r>
+            <a:r>
+              <a:rPr kumimoji="1" lang="mr-IN" sz="1200" kern="1200" dirty="0" smtClean="0">
+                <a:solidFill>
+                  <a:schemeClr val="tx1"/>
+                </a:solidFill>
+                <a:effectLst/>
+                <a:latin typeface="Arial" pitchFamily="-65" charset="0"/>
+                <a:ea typeface="ＭＳ Ｐゴシック" pitchFamily="-65" charset="-128"/>
+                <a:cs typeface="ＭＳ Ｐゴシック" pitchFamily="-65" charset="-128"/>
+              </a:rPr>
+              <a:t> -f2 -</a:t>
+            </a:r>
+            <a:r>
+              <a:rPr kumimoji="1" lang="mr-IN" sz="1200" kern="1200" dirty="0" err="1" smtClean="0">
+                <a:solidFill>
+                  <a:schemeClr val="tx1"/>
+                </a:solidFill>
+                <a:effectLst/>
+                <a:latin typeface="Arial" pitchFamily="-65" charset="0"/>
+                <a:ea typeface="ＭＳ Ｐゴシック" pitchFamily="-65" charset="-128"/>
+                <a:cs typeface="ＭＳ Ｐゴシック" pitchFamily="-65" charset="-128"/>
+              </a:rPr>
+              <a:t>d</a:t>
+            </a:r>
+            <a:r>
+              <a:rPr kumimoji="1" lang="mr-IN" sz="1200" kern="1200" dirty="0" smtClean="0">
+                <a:solidFill>
+                  <a:schemeClr val="tx1"/>
+                </a:solidFill>
+                <a:effectLst/>
+                <a:latin typeface="Arial" pitchFamily="-65" charset="0"/>
+                <a:ea typeface="ＭＳ Ｐゴシック" pitchFamily="-65" charset="-128"/>
+                <a:cs typeface="ＭＳ Ｐゴシック" pitchFamily="-65" charset="-128"/>
+              </a:rPr>
+              <a:t>'"'  | </a:t>
+            </a:r>
+            <a:r>
+              <a:rPr kumimoji="1" lang="mr-IN" sz="1200" kern="1200" dirty="0" err="1" smtClean="0">
+                <a:solidFill>
+                  <a:schemeClr val="tx1"/>
+                </a:solidFill>
+                <a:effectLst/>
+                <a:latin typeface="Arial" pitchFamily="-65" charset="0"/>
+                <a:ea typeface="ＭＳ Ｐゴシック" pitchFamily="-65" charset="-128"/>
+                <a:cs typeface="ＭＳ Ｐゴシック" pitchFamily="-65" charset="-128"/>
+              </a:rPr>
+              <a:t>tr</a:t>
+            </a:r>
+            <a:r>
+              <a:rPr kumimoji="1" lang="mr-IN" sz="1200" kern="1200" dirty="0" smtClean="0">
+                <a:solidFill>
+                  <a:schemeClr val="tx1"/>
+                </a:solidFill>
+                <a:effectLst/>
+                <a:latin typeface="Arial" pitchFamily="-65" charset="0"/>
+                <a:ea typeface="ＭＳ Ｐゴシック" pitchFamily="-65" charset="-128"/>
+                <a:cs typeface="ＭＳ Ｐゴシック" pitchFamily="-65" charset="-128"/>
+              </a:rPr>
+              <a:t> -</a:t>
+            </a:r>
+            <a:r>
+              <a:rPr kumimoji="1" lang="mr-IN" sz="1200" kern="1200" dirty="0" err="1" smtClean="0">
+                <a:solidFill>
+                  <a:schemeClr val="tx1"/>
+                </a:solidFill>
+                <a:effectLst/>
+                <a:latin typeface="Arial" pitchFamily="-65" charset="0"/>
+                <a:ea typeface="ＭＳ Ｐゴシック" pitchFamily="-65" charset="-128"/>
+                <a:cs typeface="ＭＳ Ｐゴシック" pitchFamily="-65" charset="-128"/>
+              </a:rPr>
+              <a:t>sc</a:t>
+            </a:r>
+            <a:r>
+              <a:rPr kumimoji="1" lang="mr-IN" sz="1200" kern="1200" dirty="0" smtClean="0">
+                <a:solidFill>
+                  <a:schemeClr val="tx1"/>
+                </a:solidFill>
+                <a:effectLst/>
+                <a:latin typeface="Arial" pitchFamily="-65" charset="0"/>
+                <a:ea typeface="ＭＳ Ｐゴシック" pitchFamily="-65" charset="-128"/>
+                <a:cs typeface="ＭＳ Ｐゴシック" pitchFamily="-65" charset="-128"/>
+              </a:rPr>
+              <a:t> "</a:t>
+            </a:r>
+            <a:r>
+              <a:rPr kumimoji="1" lang="mr-IN" sz="1200" kern="1200" dirty="0" err="1" smtClean="0">
+                <a:solidFill>
+                  <a:schemeClr val="tx1"/>
+                </a:solidFill>
+                <a:effectLst/>
+                <a:latin typeface="Arial" pitchFamily="-65" charset="0"/>
+                <a:ea typeface="ＭＳ Ｐゴシック" pitchFamily="-65" charset="-128"/>
+                <a:cs typeface="ＭＳ Ｐゴシック" pitchFamily="-65" charset="-128"/>
+              </a:rPr>
+              <a:t>A-Za-z</a:t>
+            </a:r>
+            <a:r>
+              <a:rPr kumimoji="1" lang="mr-IN" sz="1200" kern="1200" dirty="0" smtClean="0">
+                <a:solidFill>
+                  <a:schemeClr val="tx1"/>
+                </a:solidFill>
+                <a:effectLst/>
+                <a:latin typeface="Arial" pitchFamily="-65" charset="0"/>
+                <a:ea typeface="ＭＳ Ｐゴシック" pitchFamily="-65" charset="-128"/>
+                <a:cs typeface="ＭＳ Ｐゴシック" pitchFamily="-65" charset="-128"/>
+              </a:rPr>
+              <a:t>" "\</a:t>
+            </a:r>
+            <a:r>
+              <a:rPr kumimoji="1" lang="mr-IN" sz="1200" kern="1200" dirty="0" err="1" smtClean="0">
+                <a:solidFill>
+                  <a:schemeClr val="tx1"/>
+                </a:solidFill>
+                <a:effectLst/>
+                <a:latin typeface="Arial" pitchFamily="-65" charset="0"/>
+                <a:ea typeface="ＭＳ Ｐゴシック" pitchFamily="-65" charset="-128"/>
+                <a:cs typeface="ＭＳ Ｐゴシック" pitchFamily="-65" charset="-128"/>
+              </a:rPr>
+              <a:t>n</a:t>
+            </a:r>
+            <a:r>
+              <a:rPr kumimoji="1" lang="mr-IN" sz="1200" kern="1200" dirty="0" smtClean="0">
+                <a:solidFill>
+                  <a:schemeClr val="tx1"/>
+                </a:solidFill>
+                <a:effectLst/>
+                <a:latin typeface="Arial" pitchFamily="-65" charset="0"/>
+                <a:ea typeface="ＭＳ Ｐゴシック" pitchFamily="-65" charset="-128"/>
+                <a:cs typeface="ＭＳ Ｐゴシック" pitchFamily="-65" charset="-128"/>
+              </a:rPr>
+              <a:t>" </a:t>
+            </a:r>
+            <a:r>
+              <a:rPr kumimoji="1" lang="en-US" sz="1200" kern="1200" dirty="0" smtClean="0">
+                <a:solidFill>
+                  <a:schemeClr val="tx1"/>
+                </a:solidFill>
+                <a:effectLst/>
+                <a:latin typeface="Arial" pitchFamily="-65" charset="0"/>
+                <a:ea typeface="ＭＳ Ｐゴシック" pitchFamily="-65" charset="-128"/>
+                <a:cs typeface="ＭＳ Ｐゴシック" pitchFamily="-65" charset="-128"/>
+              </a:rPr>
+              <a:t>|</a:t>
+            </a:r>
+            <a:r>
+              <a:rPr kumimoji="1" lang="en-US" sz="1200" kern="1200" baseline="0" dirty="0" smtClean="0">
+                <a:solidFill>
+                  <a:schemeClr val="tx1"/>
+                </a:solidFill>
+                <a:effectLst/>
+                <a:latin typeface="Arial" pitchFamily="-65" charset="0"/>
+                <a:ea typeface="ＭＳ Ｐゴシック" pitchFamily="-65" charset="-128"/>
+                <a:cs typeface="ＭＳ Ｐゴシック" pitchFamily="-65" charset="-128"/>
+              </a:rPr>
+              <a:t> more</a:t>
+            </a:r>
+          </a:p>
+          <a:p>
+            <a:r>
+              <a:rPr kumimoji="1" lang="en-US" sz="1200" kern="1200" dirty="0" smtClean="0">
+                <a:solidFill>
+                  <a:schemeClr val="tx1"/>
+                </a:solidFill>
+                <a:effectLst/>
+                <a:latin typeface="Arial" pitchFamily="-65" charset="0"/>
+                <a:ea typeface="ＭＳ Ｐゴシック" pitchFamily="-65" charset="-128"/>
+                <a:cs typeface="ＭＳ Ｐゴシック" pitchFamily="-65" charset="-128"/>
+              </a:rPr>
+              <a:t>cut -f6 -d";" </a:t>
+            </a:r>
+            <a:r>
+              <a:rPr kumimoji="1" lang="en-US" sz="1200" kern="1200" dirty="0" err="1" smtClean="0">
+                <a:solidFill>
+                  <a:schemeClr val="tx1"/>
+                </a:solidFill>
+                <a:effectLst/>
+                <a:latin typeface="Arial" pitchFamily="-65" charset="0"/>
+                <a:ea typeface="ＭＳ Ｐゴシック" pitchFamily="-65" charset="-128"/>
+                <a:cs typeface="ＭＳ Ｐゴシック" pitchFamily="-65" charset="-128"/>
+              </a:rPr>
+              <a:t>will_play_text.csv</a:t>
+            </a:r>
+            <a:r>
+              <a:rPr kumimoji="1" lang="en-US" sz="1200" kern="1200" dirty="0" smtClean="0">
+                <a:solidFill>
+                  <a:schemeClr val="tx1"/>
+                </a:solidFill>
+                <a:effectLst/>
+                <a:latin typeface="Arial" pitchFamily="-65" charset="0"/>
+                <a:ea typeface="ＭＳ Ｐゴシック" pitchFamily="-65" charset="-128"/>
+                <a:cs typeface="ＭＳ Ｐゴシック" pitchFamily="-65" charset="-128"/>
+              </a:rPr>
+              <a:t> | cut -f2 -d' | </a:t>
+            </a:r>
+            <a:r>
+              <a:rPr kumimoji="1" lang="en-US" sz="1200" kern="1200" dirty="0" err="1" smtClean="0">
+                <a:solidFill>
+                  <a:schemeClr val="tx1"/>
+                </a:solidFill>
+                <a:effectLst/>
+                <a:latin typeface="Arial" pitchFamily="-65" charset="0"/>
+                <a:ea typeface="ＭＳ Ｐゴシック" pitchFamily="-65" charset="-128"/>
+                <a:cs typeface="ＭＳ Ｐゴシック" pitchFamily="-65" charset="-128"/>
+              </a:rPr>
+              <a:t>tr</a:t>
+            </a:r>
+            <a:r>
+              <a:rPr kumimoji="1" lang="en-US" sz="1200" kern="1200" dirty="0" smtClean="0">
+                <a:solidFill>
+                  <a:schemeClr val="tx1"/>
+                </a:solidFill>
+                <a:effectLst/>
+                <a:latin typeface="Arial" pitchFamily="-65" charset="0"/>
+                <a:ea typeface="ＭＳ Ｐゴシック" pitchFamily="-65" charset="-128"/>
+                <a:cs typeface="ＭＳ Ｐゴシック" pitchFamily="-65" charset="-128"/>
+              </a:rPr>
+              <a:t> -</a:t>
+            </a:r>
+            <a:r>
+              <a:rPr kumimoji="1" lang="en-US" sz="1200" kern="1200" dirty="0" err="1" smtClean="0">
+                <a:solidFill>
+                  <a:schemeClr val="tx1"/>
+                </a:solidFill>
+                <a:effectLst/>
+                <a:latin typeface="Arial" pitchFamily="-65" charset="0"/>
+                <a:ea typeface="ＭＳ Ｐゴシック" pitchFamily="-65" charset="-128"/>
+                <a:cs typeface="ＭＳ Ｐゴシック" pitchFamily="-65" charset="-128"/>
+              </a:rPr>
+              <a:t>sc</a:t>
+            </a:r>
+            <a:r>
+              <a:rPr kumimoji="1" lang="en-US" sz="1200" kern="1200" dirty="0" smtClean="0">
+                <a:solidFill>
+                  <a:schemeClr val="tx1"/>
+                </a:solidFill>
+                <a:effectLst/>
+                <a:latin typeface="Arial" pitchFamily="-65" charset="0"/>
+                <a:ea typeface="ＭＳ Ｐゴシック" pitchFamily="-65" charset="-128"/>
+                <a:cs typeface="ＭＳ Ｐゴシック" pitchFamily="-65" charset="-128"/>
+              </a:rPr>
+              <a:t> "A-</a:t>
+            </a:r>
+            <a:r>
+              <a:rPr kumimoji="1" lang="en-US" sz="1200" kern="1200" dirty="0" err="1" smtClean="0">
+                <a:solidFill>
+                  <a:schemeClr val="tx1"/>
+                </a:solidFill>
+                <a:effectLst/>
+                <a:latin typeface="Arial" pitchFamily="-65" charset="0"/>
+                <a:ea typeface="ＭＳ Ｐゴシック" pitchFamily="-65" charset="-128"/>
+                <a:cs typeface="ＭＳ Ｐゴシック" pitchFamily="-65" charset="-128"/>
+              </a:rPr>
+              <a:t>Za</a:t>
+            </a:r>
+            <a:r>
+              <a:rPr kumimoji="1" lang="en-US" sz="1200" kern="1200" dirty="0" smtClean="0">
+                <a:solidFill>
+                  <a:schemeClr val="tx1"/>
+                </a:solidFill>
+                <a:effectLst/>
+                <a:latin typeface="Arial" pitchFamily="-65" charset="0"/>
+                <a:ea typeface="ＭＳ Ｐゴシック" pitchFamily="-65" charset="-128"/>
+                <a:cs typeface="ＭＳ Ｐゴシック" pitchFamily="-65" charset="-128"/>
+              </a:rPr>
+              <a:t>-z" "\n" | sort | </a:t>
+            </a:r>
+            <a:r>
+              <a:rPr kumimoji="1" lang="en-US" sz="1200" kern="1200" dirty="0" err="1" smtClean="0">
+                <a:solidFill>
+                  <a:schemeClr val="tx1"/>
+                </a:solidFill>
+                <a:effectLst/>
+                <a:latin typeface="Arial" pitchFamily="-65" charset="0"/>
+                <a:ea typeface="ＭＳ Ｐゴシック" pitchFamily="-65" charset="-128"/>
+                <a:cs typeface="ＭＳ Ｐゴシック" pitchFamily="-65" charset="-128"/>
+              </a:rPr>
+              <a:t>uniq</a:t>
+            </a:r>
+            <a:r>
+              <a:rPr kumimoji="1" lang="en-US" sz="1200" kern="1200" dirty="0" smtClean="0">
+                <a:solidFill>
+                  <a:schemeClr val="tx1"/>
+                </a:solidFill>
+                <a:effectLst/>
+                <a:latin typeface="Arial" pitchFamily="-65" charset="0"/>
+                <a:ea typeface="ＭＳ Ｐゴシック" pitchFamily="-65" charset="-128"/>
+                <a:cs typeface="ＭＳ Ｐゴシック" pitchFamily="-65" charset="-128"/>
+              </a:rPr>
+              <a:t> | more</a:t>
+            </a:r>
+          </a:p>
+          <a:p>
+            <a:pPr marL="0" marR="0" indent="0" algn="l" defTabSz="914400" rtl="0" eaLnBrk="0" fontAlgn="base" latinLnBrk="0" hangingPunct="0">
+              <a:lnSpc>
+                <a:spcPct val="100000"/>
+              </a:lnSpc>
+              <a:spcBef>
+                <a:spcPct val="30000"/>
+              </a:spcBef>
+              <a:spcAft>
+                <a:spcPct val="0"/>
+              </a:spcAft>
+              <a:buClrTx/>
+              <a:buSzTx/>
+              <a:buFontTx/>
+              <a:buNone/>
+              <a:tabLst/>
+              <a:defRPr/>
+            </a:pPr>
+            <a:r>
+              <a:rPr kumimoji="1" lang="hr-HR" sz="1200" kern="1200" dirty="0" err="1" smtClean="0">
+                <a:solidFill>
+                  <a:schemeClr val="tx1"/>
+                </a:solidFill>
+                <a:effectLst/>
+                <a:latin typeface="Arial" pitchFamily="-65" charset="0"/>
+                <a:ea typeface="ＭＳ Ｐゴシック" pitchFamily="-65" charset="-128"/>
+                <a:cs typeface="ＭＳ Ｐゴシック" pitchFamily="-65" charset="-128"/>
+              </a:rPr>
+              <a:t>cut</a:t>
+            </a:r>
+            <a:r>
+              <a:rPr kumimoji="1" lang="hr-HR" sz="1200" kern="1200" dirty="0" smtClean="0">
+                <a:solidFill>
+                  <a:schemeClr val="tx1"/>
+                </a:solidFill>
+                <a:effectLst/>
+                <a:latin typeface="Arial" pitchFamily="-65" charset="0"/>
+                <a:ea typeface="ＭＳ Ｐゴシック" pitchFamily="-65" charset="-128"/>
+                <a:cs typeface="ＭＳ Ｐゴシック" pitchFamily="-65" charset="-128"/>
+              </a:rPr>
+              <a:t> -f6 -d";" </a:t>
+            </a:r>
+            <a:r>
+              <a:rPr kumimoji="1" lang="hr-HR" sz="1200" kern="1200" dirty="0" err="1" smtClean="0">
+                <a:solidFill>
+                  <a:schemeClr val="tx1"/>
+                </a:solidFill>
+                <a:effectLst/>
+                <a:latin typeface="Arial" pitchFamily="-65" charset="0"/>
+                <a:ea typeface="ＭＳ Ｐゴシック" pitchFamily="-65" charset="-128"/>
+                <a:cs typeface="ＭＳ Ｐゴシック" pitchFamily="-65" charset="-128"/>
+              </a:rPr>
+              <a:t>will_play_text.csv</a:t>
+            </a:r>
+            <a:r>
+              <a:rPr kumimoji="1" lang="hr-HR" sz="1200" kern="1200" dirty="0" smtClean="0">
+                <a:solidFill>
+                  <a:schemeClr val="tx1"/>
+                </a:solidFill>
+                <a:effectLst/>
+                <a:latin typeface="Arial" pitchFamily="-65" charset="0"/>
+                <a:ea typeface="ＭＳ Ｐゴシック" pitchFamily="-65" charset="-128"/>
+                <a:cs typeface="ＭＳ Ｐゴシック" pitchFamily="-65" charset="-128"/>
+              </a:rPr>
+              <a:t> | </a:t>
+            </a:r>
+            <a:r>
+              <a:rPr kumimoji="1" lang="hr-HR" sz="1200" kern="1200" dirty="0" err="1" smtClean="0">
+                <a:solidFill>
+                  <a:schemeClr val="tx1"/>
+                </a:solidFill>
+                <a:effectLst/>
+                <a:latin typeface="Arial" pitchFamily="-65" charset="0"/>
+                <a:ea typeface="ＭＳ Ｐゴシック" pitchFamily="-65" charset="-128"/>
+                <a:cs typeface="ＭＳ Ｐゴシック" pitchFamily="-65" charset="-128"/>
+              </a:rPr>
+              <a:t>cut</a:t>
+            </a:r>
+            <a:r>
+              <a:rPr kumimoji="1" lang="hr-HR" sz="1200" kern="1200" dirty="0" smtClean="0">
+                <a:solidFill>
+                  <a:schemeClr val="tx1"/>
+                </a:solidFill>
+                <a:effectLst/>
+                <a:latin typeface="Arial" pitchFamily="-65" charset="0"/>
+                <a:ea typeface="ＭＳ Ｐゴシック" pitchFamily="-65" charset="-128"/>
+                <a:cs typeface="ＭＳ Ｐゴシック" pitchFamily="-65" charset="-128"/>
+              </a:rPr>
+              <a:t> -f2 -d'"' | </a:t>
+            </a:r>
+            <a:r>
+              <a:rPr kumimoji="1" lang="hr-HR" sz="1200" kern="1200" dirty="0" err="1" smtClean="0">
+                <a:solidFill>
+                  <a:schemeClr val="tx1"/>
+                </a:solidFill>
+                <a:effectLst/>
+                <a:latin typeface="Arial" pitchFamily="-65" charset="0"/>
+                <a:ea typeface="ＭＳ Ｐゴシック" pitchFamily="-65" charset="-128"/>
+                <a:cs typeface="ＭＳ Ｐゴシック" pitchFamily="-65" charset="-128"/>
+              </a:rPr>
+              <a:t>tr</a:t>
+            </a:r>
+            <a:r>
+              <a:rPr kumimoji="1" lang="hr-HR" sz="1200" kern="1200" dirty="0" smtClean="0">
+                <a:solidFill>
+                  <a:schemeClr val="tx1"/>
+                </a:solidFill>
+                <a:effectLst/>
+                <a:latin typeface="Arial" pitchFamily="-65" charset="0"/>
+                <a:ea typeface="ＭＳ Ｐゴシック" pitchFamily="-65" charset="-128"/>
+                <a:cs typeface="ＭＳ Ｐゴシック" pitchFamily="-65" charset="-128"/>
+              </a:rPr>
+              <a:t> -</a:t>
+            </a:r>
+            <a:r>
+              <a:rPr kumimoji="1" lang="hr-HR" sz="1200" kern="1200" dirty="0" err="1" smtClean="0">
+                <a:solidFill>
+                  <a:schemeClr val="tx1"/>
+                </a:solidFill>
+                <a:effectLst/>
+                <a:latin typeface="Arial" pitchFamily="-65" charset="0"/>
+                <a:ea typeface="ＭＳ Ｐゴシック" pitchFamily="-65" charset="-128"/>
+                <a:cs typeface="ＭＳ Ｐゴシック" pitchFamily="-65" charset="-128"/>
+              </a:rPr>
+              <a:t>sc</a:t>
+            </a:r>
+            <a:r>
+              <a:rPr kumimoji="1" lang="hr-HR" sz="1200" kern="1200" dirty="0" smtClean="0">
+                <a:solidFill>
+                  <a:schemeClr val="tx1"/>
+                </a:solidFill>
+                <a:effectLst/>
+                <a:latin typeface="Arial" pitchFamily="-65" charset="0"/>
+                <a:ea typeface="ＭＳ Ｐゴシック" pitchFamily="-65" charset="-128"/>
+                <a:cs typeface="ＭＳ Ｐゴシック" pitchFamily="-65" charset="-128"/>
+              </a:rPr>
+              <a:t> "A-Za-z" "\n" | </a:t>
+            </a:r>
+            <a:r>
+              <a:rPr kumimoji="1" lang="hr-HR" sz="1200" kern="1200" dirty="0" err="1" smtClean="0">
+                <a:solidFill>
+                  <a:schemeClr val="tx1"/>
+                </a:solidFill>
+                <a:effectLst/>
+                <a:latin typeface="Arial" pitchFamily="-65" charset="0"/>
+                <a:ea typeface="ＭＳ Ｐゴシック" pitchFamily="-65" charset="-128"/>
+                <a:cs typeface="ＭＳ Ｐゴシック" pitchFamily="-65" charset="-128"/>
+              </a:rPr>
+              <a:t>sort</a:t>
+            </a:r>
+            <a:r>
+              <a:rPr kumimoji="1" lang="hr-HR" sz="1200" kern="1200" dirty="0" smtClean="0">
+                <a:solidFill>
+                  <a:schemeClr val="tx1"/>
+                </a:solidFill>
+                <a:effectLst/>
+                <a:latin typeface="Arial" pitchFamily="-65" charset="0"/>
+                <a:ea typeface="ＭＳ Ｐゴシック" pitchFamily="-65" charset="-128"/>
+                <a:cs typeface="ＭＳ Ｐゴシック" pitchFamily="-65" charset="-128"/>
+              </a:rPr>
+              <a:t> | </a:t>
+            </a:r>
+            <a:r>
+              <a:rPr kumimoji="1" lang="hr-HR" sz="1200" kern="1200" dirty="0" err="1" smtClean="0">
+                <a:solidFill>
+                  <a:schemeClr val="tx1"/>
+                </a:solidFill>
+                <a:effectLst/>
+                <a:latin typeface="Arial" pitchFamily="-65" charset="0"/>
+                <a:ea typeface="ＭＳ Ｐゴシック" pitchFamily="-65" charset="-128"/>
+                <a:cs typeface="ＭＳ Ｐゴシック" pitchFamily="-65" charset="-128"/>
+              </a:rPr>
+              <a:t>uniq</a:t>
+            </a:r>
+            <a:r>
+              <a:rPr kumimoji="1" lang="hr-HR" sz="1200" kern="1200" dirty="0" smtClean="0">
+                <a:solidFill>
+                  <a:schemeClr val="tx1"/>
+                </a:solidFill>
+                <a:effectLst/>
+                <a:latin typeface="Arial" pitchFamily="-65" charset="0"/>
+                <a:ea typeface="ＭＳ Ｐゴシック" pitchFamily="-65" charset="-128"/>
+                <a:cs typeface="ＭＳ Ｐゴシック" pitchFamily="-65" charset="-128"/>
+              </a:rPr>
+              <a:t> -c | </a:t>
+            </a:r>
+            <a:r>
+              <a:rPr kumimoji="1" lang="hr-HR" sz="1200" kern="1200" dirty="0" err="1" smtClean="0">
+                <a:solidFill>
+                  <a:schemeClr val="tx1"/>
+                </a:solidFill>
+                <a:effectLst/>
+                <a:latin typeface="Arial" pitchFamily="-65" charset="0"/>
+                <a:ea typeface="ＭＳ Ｐゴシック" pitchFamily="-65" charset="-128"/>
+                <a:cs typeface="ＭＳ Ｐゴシック" pitchFamily="-65" charset="-128"/>
+              </a:rPr>
+              <a:t>sort</a:t>
+            </a:r>
+            <a:r>
+              <a:rPr kumimoji="1" lang="hr-HR" sz="1200" kern="1200" dirty="0" smtClean="0">
+                <a:solidFill>
+                  <a:schemeClr val="tx1"/>
+                </a:solidFill>
+                <a:effectLst/>
+                <a:latin typeface="Arial" pitchFamily="-65" charset="0"/>
+                <a:ea typeface="ＭＳ Ｐゴシック" pitchFamily="-65" charset="-128"/>
+                <a:cs typeface="ＭＳ Ｐゴシック" pitchFamily="-65" charset="-128"/>
+              </a:rPr>
+              <a:t> -</a:t>
+            </a:r>
+            <a:r>
+              <a:rPr kumimoji="1" lang="hr-HR" sz="1200" kern="1200" dirty="0" err="1" smtClean="0">
+                <a:solidFill>
+                  <a:schemeClr val="tx1"/>
+                </a:solidFill>
+                <a:effectLst/>
+                <a:latin typeface="Arial" pitchFamily="-65" charset="0"/>
+                <a:ea typeface="ＭＳ Ｐゴシック" pitchFamily="-65" charset="-128"/>
+                <a:cs typeface="ＭＳ Ｐゴシック" pitchFamily="-65" charset="-128"/>
+              </a:rPr>
+              <a:t>nr</a:t>
+            </a:r>
+            <a:r>
+              <a:rPr kumimoji="1" lang="hr-HR" sz="1200" kern="1200" dirty="0" smtClean="0">
+                <a:solidFill>
+                  <a:schemeClr val="tx1"/>
+                </a:solidFill>
+                <a:effectLst/>
+                <a:latin typeface="Arial" pitchFamily="-65" charset="0"/>
+                <a:ea typeface="ＭＳ Ｐゴシック" pitchFamily="-65" charset="-128"/>
+                <a:cs typeface="ＭＳ Ｐゴシック" pitchFamily="-65" charset="-128"/>
+              </a:rPr>
+              <a:t> | more</a:t>
+            </a:r>
+          </a:p>
+          <a:p>
+            <a:pPr marL="0" marR="0" indent="0" algn="l" defTabSz="914400" rtl="0" eaLnBrk="0" fontAlgn="base" latinLnBrk="0" hangingPunct="0">
+              <a:lnSpc>
+                <a:spcPct val="100000"/>
+              </a:lnSpc>
+              <a:spcBef>
+                <a:spcPct val="30000"/>
+              </a:spcBef>
+              <a:spcAft>
+                <a:spcPct val="0"/>
+              </a:spcAft>
+              <a:buClrTx/>
+              <a:buSzTx/>
+              <a:buFontTx/>
+              <a:buNone/>
+              <a:tabLst/>
+              <a:defRPr/>
+            </a:pPr>
+            <a:r>
+              <a:rPr kumimoji="1" lang="hr-HR" sz="1200" kern="1200" dirty="0" err="1" smtClean="0">
+                <a:solidFill>
+                  <a:schemeClr val="tx1"/>
+                </a:solidFill>
+                <a:effectLst/>
+                <a:latin typeface="Arial" pitchFamily="-65" charset="0"/>
+                <a:ea typeface="ＭＳ Ｐゴシック" pitchFamily="-65" charset="-128"/>
+                <a:cs typeface="ＭＳ Ｐゴシック" pitchFamily="-65" charset="-128"/>
+              </a:rPr>
+              <a:t>cut</a:t>
+            </a:r>
+            <a:r>
+              <a:rPr kumimoji="1" lang="hr-HR" sz="1200" kern="1200" dirty="0" smtClean="0">
+                <a:solidFill>
+                  <a:schemeClr val="tx1"/>
+                </a:solidFill>
+                <a:effectLst/>
+                <a:latin typeface="Arial" pitchFamily="-65" charset="0"/>
+                <a:ea typeface="ＭＳ Ｐゴシック" pitchFamily="-65" charset="-128"/>
+                <a:cs typeface="ＭＳ Ｐゴシック" pitchFamily="-65" charset="-128"/>
+              </a:rPr>
+              <a:t> -f6 -d";" </a:t>
+            </a:r>
+            <a:r>
+              <a:rPr kumimoji="1" lang="hr-HR" sz="1200" kern="1200" dirty="0" err="1" smtClean="0">
+                <a:solidFill>
+                  <a:schemeClr val="tx1"/>
+                </a:solidFill>
+                <a:effectLst/>
+                <a:latin typeface="Arial" pitchFamily="-65" charset="0"/>
+                <a:ea typeface="ＭＳ Ｐゴシック" pitchFamily="-65" charset="-128"/>
+                <a:cs typeface="ＭＳ Ｐゴシック" pitchFamily="-65" charset="-128"/>
+              </a:rPr>
+              <a:t>will_play_text.csv</a:t>
+            </a:r>
+            <a:r>
+              <a:rPr kumimoji="1" lang="hr-HR" sz="1200" kern="1200" dirty="0" smtClean="0">
+                <a:solidFill>
+                  <a:schemeClr val="tx1"/>
+                </a:solidFill>
+                <a:effectLst/>
+                <a:latin typeface="Arial" pitchFamily="-65" charset="0"/>
+                <a:ea typeface="ＭＳ Ｐゴシック" pitchFamily="-65" charset="-128"/>
+                <a:cs typeface="ＭＳ Ｐゴシック" pitchFamily="-65" charset="-128"/>
+              </a:rPr>
+              <a:t> | </a:t>
+            </a:r>
+            <a:r>
+              <a:rPr kumimoji="1" lang="hr-HR" sz="1200" kern="1200" dirty="0" err="1" smtClean="0">
+                <a:solidFill>
+                  <a:schemeClr val="tx1"/>
+                </a:solidFill>
+                <a:effectLst/>
+                <a:latin typeface="Arial" pitchFamily="-65" charset="0"/>
+                <a:ea typeface="ＭＳ Ｐゴシック" pitchFamily="-65" charset="-128"/>
+                <a:cs typeface="ＭＳ Ｐゴシック" pitchFamily="-65" charset="-128"/>
+              </a:rPr>
+              <a:t>cut</a:t>
+            </a:r>
+            <a:r>
+              <a:rPr kumimoji="1" lang="hr-HR" sz="1200" kern="1200" dirty="0" smtClean="0">
+                <a:solidFill>
+                  <a:schemeClr val="tx1"/>
+                </a:solidFill>
+                <a:effectLst/>
+                <a:latin typeface="Arial" pitchFamily="-65" charset="0"/>
+                <a:ea typeface="ＭＳ Ｐゴシック" pitchFamily="-65" charset="-128"/>
+                <a:cs typeface="ＭＳ Ｐゴシック" pitchFamily="-65" charset="-128"/>
+              </a:rPr>
+              <a:t> -f2 -d'"' | </a:t>
+            </a:r>
+            <a:r>
+              <a:rPr kumimoji="1" lang="hr-HR" sz="1200" kern="1200" dirty="0" err="1" smtClean="0">
+                <a:solidFill>
+                  <a:schemeClr val="tx1"/>
+                </a:solidFill>
+                <a:effectLst/>
+                <a:latin typeface="Arial" pitchFamily="-65" charset="0"/>
+                <a:ea typeface="ＭＳ Ｐゴシック" pitchFamily="-65" charset="-128"/>
+                <a:cs typeface="ＭＳ Ｐゴシック" pitchFamily="-65" charset="-128"/>
+              </a:rPr>
+              <a:t>tr</a:t>
+            </a:r>
+            <a:r>
+              <a:rPr kumimoji="1" lang="hr-HR" sz="1200" kern="1200" dirty="0" smtClean="0">
+                <a:solidFill>
+                  <a:schemeClr val="tx1"/>
+                </a:solidFill>
+                <a:effectLst/>
+                <a:latin typeface="Arial" pitchFamily="-65" charset="0"/>
+                <a:ea typeface="ＭＳ Ｐゴシック" pitchFamily="-65" charset="-128"/>
+                <a:cs typeface="ＭＳ Ｐゴシック" pitchFamily="-65" charset="-128"/>
+              </a:rPr>
+              <a:t> -</a:t>
+            </a:r>
+            <a:r>
+              <a:rPr kumimoji="1" lang="hr-HR" sz="1200" kern="1200" dirty="0" err="1" smtClean="0">
+                <a:solidFill>
+                  <a:schemeClr val="tx1"/>
+                </a:solidFill>
+                <a:effectLst/>
+                <a:latin typeface="Arial" pitchFamily="-65" charset="0"/>
+                <a:ea typeface="ＭＳ Ｐゴシック" pitchFamily="-65" charset="-128"/>
+                <a:cs typeface="ＭＳ Ｐゴシック" pitchFamily="-65" charset="-128"/>
+              </a:rPr>
+              <a:t>sc</a:t>
+            </a:r>
+            <a:r>
+              <a:rPr kumimoji="1" lang="hr-HR" sz="1200" kern="1200" dirty="0" smtClean="0">
+                <a:solidFill>
+                  <a:schemeClr val="tx1"/>
+                </a:solidFill>
+                <a:effectLst/>
+                <a:latin typeface="Arial" pitchFamily="-65" charset="0"/>
+                <a:ea typeface="ＭＳ Ｐゴシック" pitchFamily="-65" charset="-128"/>
+                <a:cs typeface="ＭＳ Ｐゴシック" pitchFamily="-65" charset="-128"/>
+              </a:rPr>
+              <a:t> "A-Za-z" "\n" | </a:t>
+            </a:r>
+            <a:r>
+              <a:rPr kumimoji="1" lang="hr-HR" sz="1200" kern="1200" dirty="0" err="1" smtClean="0">
+                <a:solidFill>
+                  <a:schemeClr val="tx1"/>
+                </a:solidFill>
+                <a:effectLst/>
+                <a:latin typeface="Arial" pitchFamily="-65" charset="0"/>
+                <a:ea typeface="ＭＳ Ｐゴシック" pitchFamily="-65" charset="-128"/>
+                <a:cs typeface="ＭＳ Ｐゴシック" pitchFamily="-65" charset="-128"/>
+              </a:rPr>
+              <a:t>tr</a:t>
+            </a:r>
+            <a:r>
+              <a:rPr kumimoji="1" lang="hr-HR" sz="1200" kern="1200" dirty="0" smtClean="0">
+                <a:solidFill>
+                  <a:schemeClr val="tx1"/>
+                </a:solidFill>
+                <a:effectLst/>
+                <a:latin typeface="Arial" pitchFamily="-65" charset="0"/>
+                <a:ea typeface="ＭＳ Ｐゴシック" pitchFamily="-65" charset="-128"/>
+                <a:cs typeface="ＭＳ Ｐゴシック" pitchFamily="-65" charset="-128"/>
+              </a:rPr>
+              <a:t>  "A-Z" "a-z" | </a:t>
+            </a:r>
+            <a:r>
+              <a:rPr kumimoji="1" lang="hr-HR" sz="1200" kern="1200" dirty="0" err="1" smtClean="0">
+                <a:solidFill>
+                  <a:schemeClr val="tx1"/>
+                </a:solidFill>
+                <a:effectLst/>
+                <a:latin typeface="Arial" pitchFamily="-65" charset="0"/>
+                <a:ea typeface="ＭＳ Ｐゴシック" pitchFamily="-65" charset="-128"/>
+                <a:cs typeface="ＭＳ Ｐゴシック" pitchFamily="-65" charset="-128"/>
+              </a:rPr>
+              <a:t>sort</a:t>
+            </a:r>
+            <a:r>
+              <a:rPr kumimoji="1" lang="hr-HR" sz="1200" kern="1200" dirty="0" smtClean="0">
+                <a:solidFill>
+                  <a:schemeClr val="tx1"/>
+                </a:solidFill>
+                <a:effectLst/>
+                <a:latin typeface="Arial" pitchFamily="-65" charset="0"/>
+                <a:ea typeface="ＭＳ Ｐゴシック" pitchFamily="-65" charset="-128"/>
+                <a:cs typeface="ＭＳ Ｐゴシック" pitchFamily="-65" charset="-128"/>
+              </a:rPr>
+              <a:t> | </a:t>
+            </a:r>
+            <a:r>
+              <a:rPr kumimoji="1" lang="hr-HR" sz="1200" kern="1200" dirty="0" err="1" smtClean="0">
+                <a:solidFill>
+                  <a:schemeClr val="tx1"/>
+                </a:solidFill>
+                <a:effectLst/>
+                <a:latin typeface="Arial" pitchFamily="-65" charset="0"/>
+                <a:ea typeface="ＭＳ Ｐゴシック" pitchFamily="-65" charset="-128"/>
+                <a:cs typeface="ＭＳ Ｐゴシック" pitchFamily="-65" charset="-128"/>
+              </a:rPr>
+              <a:t>uniq</a:t>
+            </a:r>
+            <a:r>
+              <a:rPr kumimoji="1" lang="hr-HR" sz="1200" kern="1200" dirty="0" smtClean="0">
+                <a:solidFill>
+                  <a:schemeClr val="tx1"/>
+                </a:solidFill>
+                <a:effectLst/>
+                <a:latin typeface="Arial" pitchFamily="-65" charset="0"/>
+                <a:ea typeface="ＭＳ Ｐゴシック" pitchFamily="-65" charset="-128"/>
+                <a:cs typeface="ＭＳ Ｐゴシック" pitchFamily="-65" charset="-128"/>
+              </a:rPr>
+              <a:t> -c | </a:t>
+            </a:r>
+            <a:r>
+              <a:rPr kumimoji="1" lang="hr-HR" sz="1200" kern="1200" dirty="0" err="1" smtClean="0">
+                <a:solidFill>
+                  <a:schemeClr val="tx1"/>
+                </a:solidFill>
+                <a:effectLst/>
+                <a:latin typeface="Arial" pitchFamily="-65" charset="0"/>
+                <a:ea typeface="ＭＳ Ｐゴシック" pitchFamily="-65" charset="-128"/>
+                <a:cs typeface="ＭＳ Ｐゴシック" pitchFamily="-65" charset="-128"/>
+              </a:rPr>
+              <a:t>sort</a:t>
+            </a:r>
+            <a:r>
+              <a:rPr kumimoji="1" lang="hr-HR" sz="1200" kern="1200" dirty="0" smtClean="0">
+                <a:solidFill>
+                  <a:schemeClr val="tx1"/>
+                </a:solidFill>
+                <a:effectLst/>
+                <a:latin typeface="Arial" pitchFamily="-65" charset="0"/>
+                <a:ea typeface="ＭＳ Ｐゴシック" pitchFamily="-65" charset="-128"/>
+                <a:cs typeface="ＭＳ Ｐゴシック" pitchFamily="-65" charset="-128"/>
+              </a:rPr>
+              <a:t> -</a:t>
+            </a:r>
+            <a:r>
+              <a:rPr kumimoji="1" lang="hr-HR" sz="1200" kern="1200" dirty="0" err="1" smtClean="0">
+                <a:solidFill>
+                  <a:schemeClr val="tx1"/>
+                </a:solidFill>
+                <a:effectLst/>
+                <a:latin typeface="Arial" pitchFamily="-65" charset="0"/>
+                <a:ea typeface="ＭＳ Ｐゴシック" pitchFamily="-65" charset="-128"/>
+                <a:cs typeface="ＭＳ Ｐゴシック" pitchFamily="-65" charset="-128"/>
+              </a:rPr>
+              <a:t>nr</a:t>
+            </a:r>
+            <a:r>
+              <a:rPr kumimoji="1" lang="hr-HR" sz="1200" kern="1200" dirty="0" smtClean="0">
+                <a:solidFill>
+                  <a:schemeClr val="tx1"/>
+                </a:solidFill>
+                <a:effectLst/>
+                <a:latin typeface="Arial" pitchFamily="-65" charset="0"/>
+                <a:ea typeface="ＭＳ Ｐゴシック" pitchFamily="-65" charset="-128"/>
+                <a:cs typeface="ＭＳ Ｐゴシック" pitchFamily="-65" charset="-128"/>
+              </a:rPr>
+              <a:t> | more</a:t>
+            </a:r>
+          </a:p>
+          <a:p>
+            <a:pPr marL="0" marR="0" indent="0" algn="l" defTabSz="914400" rtl="0" eaLnBrk="0" fontAlgn="base" latinLnBrk="0" hangingPunct="0">
+              <a:lnSpc>
+                <a:spcPct val="100000"/>
+              </a:lnSpc>
+              <a:spcBef>
+                <a:spcPct val="30000"/>
+              </a:spcBef>
+              <a:spcAft>
+                <a:spcPct val="0"/>
+              </a:spcAft>
+              <a:buClrTx/>
+              <a:buSzTx/>
+              <a:buFontTx/>
+              <a:buNone/>
+              <a:tabLst/>
+              <a:defRPr/>
+            </a:pPr>
+            <a:endParaRPr kumimoji="1" lang="mr-IN" sz="1200" kern="1200" dirty="0" smtClean="0">
+              <a:solidFill>
+                <a:schemeClr val="tx1"/>
+              </a:solidFill>
+              <a:effectLst/>
+              <a:latin typeface="Arial" pitchFamily="-65" charset="0"/>
+              <a:ea typeface="ＭＳ Ｐゴシック" pitchFamily="-65" charset="-128"/>
+              <a:cs typeface="ＭＳ Ｐゴシック" pitchFamily="-65" charset="-128"/>
+            </a:endParaRPr>
+          </a:p>
+          <a:p>
+            <a:endParaRPr lang="en-US" dirty="0" smtClean="0"/>
+          </a:p>
+          <a:p>
+            <a:endParaRPr lang="en-US" dirty="0" smtClean="0"/>
+          </a:p>
+          <a:p>
+            <a:endParaRPr lang="en-US" dirty="0" smtClean="0"/>
+          </a:p>
+          <a:p>
             <a:endParaRPr lang="en-US" dirty="0"/>
           </a:p>
         </p:txBody>
@@ -5188,6 +7579,2541 @@
             <a:fld id="{3EB9031F-EB71-7642-8F3C-6FDC1408CB92}" type="slidenum">
               <a:rPr lang="en-US" smtClean="0"/>
               <a:pPr/>
+              <a:t>44</a:t>
+            </a:fld>
+            <a:endParaRPr lang="en-US"/>
+          </a:p>
+        </p:txBody>
+      </p:sp>
+    </p:spTree>
+    <p:extLst>
+      <p:ext uri="{BB962C8B-B14F-4D97-AF65-F5344CB8AC3E}">
+        <p14:creationId xmlns:p14="http://schemas.microsoft.com/office/powerpoint/2010/main" val="1860603913"/>
+      </p:ext>
+    </p:extLst>
+  </p:cSld>
+  <p:clrMapOvr>
+    <a:masterClrMapping/>
+  </p:clrMapOvr>
+</p:notes>
+</file>
+
+<file path=ppt/notesSlides/notesSlide31.xml><?xml version="1.0" encoding="utf-8"?>
+<p:notes xmlns:a="http://schemas.openxmlformats.org/drawingml/2006/main" xmlns:r="http://schemas.openxmlformats.org/officeDocument/2006/relationships" xmlns:p="http://schemas.openxmlformats.org/presentationml/2006/main">
+  <p:cSld>
+    <p:spTree>
+      <p:nvGrpSpPr>
+        <p:cNvPr id="1" name=""/>
+        <p:cNvGrpSpPr/>
+        <p:nvPr/>
+      </p:nvGrpSpPr>
+      <p:grpSpPr>
+        <a:xfrm>
+          <a:off x="0" y="0"/>
+          <a:ext cx="0" cy="0"/>
+          <a:chOff x="0" y="0"/>
+          <a:chExt cx="0" cy="0"/>
+        </a:xfrm>
+      </p:grpSpPr>
+      <p:sp>
+        <p:nvSpPr>
+          <p:cNvPr id="2" name="Slide Image Placeholder 1"/>
+          <p:cNvSpPr>
+            <a:spLocks noGrp="1" noRot="1" noChangeAspect="1"/>
+          </p:cNvSpPr>
+          <p:nvPr>
+            <p:ph type="sldImg"/>
+          </p:nvPr>
+        </p:nvSpPr>
+        <p:spPr/>
+      </p:sp>
+      <p:sp>
+        <p:nvSpPr>
+          <p:cNvPr id="3" name="Notes Placeholder 2"/>
+          <p:cNvSpPr>
+            <a:spLocks noGrp="1"/>
+          </p:cNvSpPr>
+          <p:nvPr>
+            <p:ph type="body" idx="1"/>
+          </p:nvPr>
+        </p:nvSpPr>
+        <p:spPr/>
+        <p:txBody>
+          <a:bodyPr/>
+          <a:lstStyle/>
+          <a:p>
+            <a:pPr marL="0" marR="0" indent="0" algn="l" defTabSz="914400" rtl="0" eaLnBrk="0" fontAlgn="base" latinLnBrk="0" hangingPunct="0">
+              <a:lnSpc>
+                <a:spcPct val="100000"/>
+              </a:lnSpc>
+              <a:spcBef>
+                <a:spcPct val="30000"/>
+              </a:spcBef>
+              <a:spcAft>
+                <a:spcPct val="0"/>
+              </a:spcAft>
+              <a:buClrTx/>
+              <a:buSzTx/>
+              <a:buFontTx/>
+              <a:buNone/>
+              <a:tabLst/>
+              <a:defRPr/>
+            </a:pPr>
+            <a:r>
+              <a:rPr kumimoji="1" lang="en-US" sz="1200" kern="1200" dirty="0" err="1" smtClean="0">
+                <a:solidFill>
+                  <a:schemeClr val="tx1"/>
+                </a:solidFill>
+                <a:effectLst/>
+                <a:latin typeface="Arial" pitchFamily="-65" charset="0"/>
+                <a:ea typeface="ＭＳ Ｐゴシック" pitchFamily="-65" charset="-128"/>
+                <a:cs typeface="ＭＳ Ｐゴシック" pitchFamily="-65" charset="-128"/>
+              </a:rPr>
+              <a:t>wget</a:t>
+            </a:r>
+            <a:r>
+              <a:rPr kumimoji="1" lang="en-US" sz="1200" kern="1200" dirty="0" smtClean="0">
+                <a:solidFill>
+                  <a:schemeClr val="tx1"/>
+                </a:solidFill>
+                <a:effectLst/>
+                <a:latin typeface="Arial" pitchFamily="-65" charset="0"/>
+                <a:ea typeface="ＭＳ Ｐゴシック" pitchFamily="-65" charset="-128"/>
+                <a:cs typeface="ＭＳ Ｐゴシック" pitchFamily="-65" charset="-128"/>
+              </a:rPr>
+              <a:t> http://computational-linguistics-</a:t>
+            </a:r>
+            <a:r>
+              <a:rPr kumimoji="1" lang="en-US" sz="1200" kern="1200" dirty="0" err="1" smtClean="0">
+                <a:solidFill>
+                  <a:schemeClr val="tx1"/>
+                </a:solidFill>
+                <a:effectLst/>
+                <a:latin typeface="Arial" pitchFamily="-65" charset="0"/>
+                <a:ea typeface="ＭＳ Ｐゴシック" pitchFamily="-65" charset="-128"/>
+                <a:cs typeface="ＭＳ Ｐゴシック" pitchFamily="-65" charset="-128"/>
+              </a:rPr>
+              <a:t>class.org</a:t>
+            </a:r>
+            <a:r>
+              <a:rPr kumimoji="1" lang="en-US" sz="1200" kern="1200" dirty="0" smtClean="0">
+                <a:solidFill>
+                  <a:schemeClr val="tx1"/>
+                </a:solidFill>
+                <a:effectLst/>
+                <a:latin typeface="Arial" pitchFamily="-65" charset="0"/>
+                <a:ea typeface="ＭＳ Ｐゴシック" pitchFamily="-65" charset="-128"/>
+                <a:cs typeface="ＭＳ Ｐゴシック" pitchFamily="-65" charset="-128"/>
+              </a:rPr>
+              <a:t>/downloads/hw3/</a:t>
+            </a:r>
+            <a:r>
+              <a:rPr kumimoji="1" lang="en-US" sz="1200" kern="1200" dirty="0" err="1" smtClean="0">
+                <a:solidFill>
+                  <a:schemeClr val="tx1"/>
+                </a:solidFill>
+                <a:effectLst/>
+                <a:latin typeface="Arial" pitchFamily="-65" charset="0"/>
+                <a:ea typeface="ＭＳ Ｐゴシック" pitchFamily="-65" charset="-128"/>
+                <a:cs typeface="ＭＳ Ｐゴシック" pitchFamily="-65" charset="-128"/>
+              </a:rPr>
+              <a:t>will_play_text.csv</a:t>
+            </a:r>
+            <a:endParaRPr kumimoji="1" lang="en-US" sz="1200" kern="1200" dirty="0" smtClean="0">
+              <a:solidFill>
+                <a:schemeClr val="tx1"/>
+              </a:solidFill>
+              <a:effectLst/>
+              <a:latin typeface="Arial" pitchFamily="-65" charset="0"/>
+              <a:ea typeface="ＭＳ Ｐゴシック" pitchFamily="-65" charset="-128"/>
+              <a:cs typeface="ＭＳ Ｐゴシック" pitchFamily="-65" charset="-128"/>
+            </a:endParaRPr>
+          </a:p>
+          <a:p>
+            <a:pPr marL="0" marR="0" indent="0" algn="l" defTabSz="914400" rtl="0" eaLnBrk="0" fontAlgn="base" latinLnBrk="0" hangingPunct="0">
+              <a:lnSpc>
+                <a:spcPct val="100000"/>
+              </a:lnSpc>
+              <a:spcBef>
+                <a:spcPct val="30000"/>
+              </a:spcBef>
+              <a:spcAft>
+                <a:spcPct val="0"/>
+              </a:spcAft>
+              <a:buClrTx/>
+              <a:buSzTx/>
+              <a:buFontTx/>
+              <a:buNone/>
+              <a:tabLst/>
+              <a:defRPr/>
+            </a:pPr>
+            <a:r>
+              <a:rPr kumimoji="1" lang="en-US" sz="1200" kern="1200" dirty="0" smtClean="0">
+                <a:solidFill>
+                  <a:schemeClr val="tx1"/>
+                </a:solidFill>
+                <a:effectLst/>
+                <a:latin typeface="Arial" pitchFamily="-65" charset="0"/>
+                <a:ea typeface="ＭＳ Ｐゴシック" pitchFamily="-65" charset="-128"/>
+                <a:cs typeface="ＭＳ Ｐゴシック" pitchFamily="-65" charset="-128"/>
+              </a:rPr>
+              <a:t>head  </a:t>
+            </a:r>
+            <a:r>
+              <a:rPr kumimoji="1" lang="en-US" sz="1200" kern="1200" dirty="0" err="1" smtClean="0">
+                <a:solidFill>
+                  <a:schemeClr val="tx1"/>
+                </a:solidFill>
+                <a:effectLst/>
+                <a:latin typeface="Arial" pitchFamily="-65" charset="0"/>
+                <a:ea typeface="ＭＳ Ｐゴシック" pitchFamily="-65" charset="-128"/>
+                <a:cs typeface="ＭＳ Ｐゴシック" pitchFamily="-65" charset="-128"/>
+              </a:rPr>
+              <a:t>will_play_text.csv</a:t>
+            </a:r>
+            <a:endParaRPr kumimoji="1" lang="en-US" sz="1200" kern="1200" dirty="0" smtClean="0">
+              <a:solidFill>
+                <a:schemeClr val="tx1"/>
+              </a:solidFill>
+              <a:effectLst/>
+              <a:latin typeface="Arial" pitchFamily="-65" charset="0"/>
+              <a:ea typeface="ＭＳ Ｐゴシック" pitchFamily="-65" charset="-128"/>
+              <a:cs typeface="ＭＳ Ｐゴシック" pitchFamily="-65" charset="-128"/>
+            </a:endParaRPr>
+          </a:p>
+          <a:p>
+            <a:pPr marL="0" marR="0" indent="0" algn="l" defTabSz="914400" rtl="0" eaLnBrk="0" fontAlgn="base" latinLnBrk="0" hangingPunct="0">
+              <a:lnSpc>
+                <a:spcPct val="100000"/>
+              </a:lnSpc>
+              <a:spcBef>
+                <a:spcPct val="30000"/>
+              </a:spcBef>
+              <a:spcAft>
+                <a:spcPct val="0"/>
+              </a:spcAft>
+              <a:buClrTx/>
+              <a:buSzTx/>
+              <a:buFontTx/>
+              <a:buNone/>
+              <a:tabLst/>
+              <a:defRPr/>
+            </a:pPr>
+            <a:r>
+              <a:rPr kumimoji="1" lang="en-US" sz="1200" kern="1200" dirty="0" smtClean="0">
+                <a:solidFill>
+                  <a:schemeClr val="tx1"/>
+                </a:solidFill>
+                <a:effectLst/>
+                <a:latin typeface="Arial" pitchFamily="-65" charset="0"/>
+                <a:ea typeface="ＭＳ Ｐゴシック" pitchFamily="-65" charset="-128"/>
+                <a:cs typeface="ＭＳ Ｐゴシック" pitchFamily="-65" charset="-128"/>
+              </a:rPr>
+              <a:t>cut -f6 -d";" </a:t>
+            </a:r>
+            <a:r>
+              <a:rPr kumimoji="1" lang="en-US" sz="1200" kern="1200" dirty="0" err="1" smtClean="0">
+                <a:solidFill>
+                  <a:schemeClr val="tx1"/>
+                </a:solidFill>
+                <a:effectLst/>
+                <a:latin typeface="Arial" pitchFamily="-65" charset="0"/>
+                <a:ea typeface="ＭＳ Ｐゴシック" pitchFamily="-65" charset="-128"/>
+                <a:cs typeface="ＭＳ Ｐゴシック" pitchFamily="-65" charset="-128"/>
+              </a:rPr>
+              <a:t>will_play_text.csv</a:t>
+            </a:r>
+            <a:r>
+              <a:rPr kumimoji="1" lang="en-US" sz="1200" kern="1200" dirty="0" smtClean="0">
+                <a:solidFill>
+                  <a:schemeClr val="tx1"/>
+                </a:solidFill>
+                <a:effectLst/>
+                <a:latin typeface="Arial" pitchFamily="-65" charset="0"/>
+                <a:ea typeface="ＭＳ Ｐゴシック" pitchFamily="-65" charset="-128"/>
+                <a:cs typeface="ＭＳ Ｐゴシック" pitchFamily="-65" charset="-128"/>
+              </a:rPr>
+              <a:t> | more</a:t>
+            </a:r>
+          </a:p>
+          <a:p>
+            <a:pPr marL="0" marR="0" indent="0" algn="l" defTabSz="914400" rtl="0" eaLnBrk="0" fontAlgn="base" latinLnBrk="0" hangingPunct="0">
+              <a:lnSpc>
+                <a:spcPct val="100000"/>
+              </a:lnSpc>
+              <a:spcBef>
+                <a:spcPct val="30000"/>
+              </a:spcBef>
+              <a:spcAft>
+                <a:spcPct val="0"/>
+              </a:spcAft>
+              <a:buClrTx/>
+              <a:buSzTx/>
+              <a:buFontTx/>
+              <a:buNone/>
+              <a:tabLst/>
+              <a:defRPr/>
+            </a:pPr>
+            <a:r>
+              <a:rPr kumimoji="1" lang="en-US" sz="1200" kern="1200" dirty="0" smtClean="0">
+                <a:solidFill>
+                  <a:schemeClr val="tx1"/>
+                </a:solidFill>
+                <a:effectLst/>
+                <a:latin typeface="Arial" pitchFamily="-65" charset="0"/>
+                <a:ea typeface="ＭＳ Ｐゴシック" pitchFamily="-65" charset="-128"/>
+                <a:cs typeface="ＭＳ Ｐゴシック" pitchFamily="-65" charset="-128"/>
+              </a:rPr>
+              <a:t>cut -f6 -d";" </a:t>
+            </a:r>
+            <a:r>
+              <a:rPr kumimoji="1" lang="en-US" sz="1200" kern="1200" dirty="0" err="1" smtClean="0">
+                <a:solidFill>
+                  <a:schemeClr val="tx1"/>
+                </a:solidFill>
+                <a:effectLst/>
+                <a:latin typeface="Arial" pitchFamily="-65" charset="0"/>
+                <a:ea typeface="ＭＳ Ｐゴシック" pitchFamily="-65" charset="-128"/>
+                <a:cs typeface="ＭＳ Ｐゴシック" pitchFamily="-65" charset="-128"/>
+              </a:rPr>
+              <a:t>will_play_text.csv</a:t>
+            </a:r>
+            <a:r>
+              <a:rPr kumimoji="1" lang="en-US" sz="1200" kern="1200" dirty="0" smtClean="0">
+                <a:solidFill>
+                  <a:schemeClr val="tx1"/>
+                </a:solidFill>
+                <a:effectLst/>
+                <a:latin typeface="Arial" pitchFamily="-65" charset="0"/>
+                <a:ea typeface="ＭＳ Ｐゴシック" pitchFamily="-65" charset="-128"/>
+                <a:cs typeface="ＭＳ Ｐゴシック" pitchFamily="-65" charset="-128"/>
+              </a:rPr>
+              <a:t> | cut -f2 -d'"'  | more</a:t>
+            </a:r>
+          </a:p>
+          <a:p>
+            <a:pPr marL="0" marR="0" indent="0" algn="l" defTabSz="914400" rtl="0" eaLnBrk="0" fontAlgn="base" latinLnBrk="0" hangingPunct="0">
+              <a:lnSpc>
+                <a:spcPct val="100000"/>
+              </a:lnSpc>
+              <a:spcBef>
+                <a:spcPct val="30000"/>
+              </a:spcBef>
+              <a:spcAft>
+                <a:spcPct val="0"/>
+              </a:spcAft>
+              <a:buClrTx/>
+              <a:buSzTx/>
+              <a:buFontTx/>
+              <a:buNone/>
+              <a:tabLst/>
+              <a:defRPr/>
+            </a:pPr>
+            <a:r>
+              <a:rPr kumimoji="1" lang="mr-IN" sz="1200" kern="1200" dirty="0" err="1" smtClean="0">
+                <a:solidFill>
+                  <a:schemeClr val="tx1"/>
+                </a:solidFill>
+                <a:effectLst/>
+                <a:latin typeface="Arial" pitchFamily="-65" charset="0"/>
+                <a:ea typeface="ＭＳ Ｐゴシック" pitchFamily="-65" charset="-128"/>
+                <a:cs typeface="ＭＳ Ｐゴシック" pitchFamily="-65" charset="-128"/>
+              </a:rPr>
+              <a:t>cut</a:t>
+            </a:r>
+            <a:r>
+              <a:rPr kumimoji="1" lang="mr-IN" sz="1200" kern="1200" dirty="0" smtClean="0">
+                <a:solidFill>
+                  <a:schemeClr val="tx1"/>
+                </a:solidFill>
+                <a:effectLst/>
+                <a:latin typeface="Arial" pitchFamily="-65" charset="0"/>
+                <a:ea typeface="ＭＳ Ｐゴシック" pitchFamily="-65" charset="-128"/>
+                <a:cs typeface="ＭＳ Ｐゴシック" pitchFamily="-65" charset="-128"/>
+              </a:rPr>
+              <a:t> -f6 -</a:t>
+            </a:r>
+            <a:r>
+              <a:rPr kumimoji="1" lang="mr-IN" sz="1200" kern="1200" dirty="0" err="1" smtClean="0">
+                <a:solidFill>
+                  <a:schemeClr val="tx1"/>
+                </a:solidFill>
+                <a:effectLst/>
+                <a:latin typeface="Arial" pitchFamily="-65" charset="0"/>
+                <a:ea typeface="ＭＳ Ｐゴシック" pitchFamily="-65" charset="-128"/>
+                <a:cs typeface="ＭＳ Ｐゴシック" pitchFamily="-65" charset="-128"/>
+              </a:rPr>
+              <a:t>d</a:t>
+            </a:r>
+            <a:r>
+              <a:rPr kumimoji="1" lang="mr-IN" sz="1200" kern="1200" dirty="0" smtClean="0">
+                <a:solidFill>
+                  <a:schemeClr val="tx1"/>
+                </a:solidFill>
+                <a:effectLst/>
+                <a:latin typeface="Arial" pitchFamily="-65" charset="0"/>
+                <a:ea typeface="ＭＳ Ｐゴシック" pitchFamily="-65" charset="-128"/>
+                <a:cs typeface="ＭＳ Ｐゴシック" pitchFamily="-65" charset="-128"/>
+              </a:rPr>
+              <a:t>";" </a:t>
+            </a:r>
+            <a:r>
+              <a:rPr kumimoji="1" lang="mr-IN" sz="1200" kern="1200" dirty="0" err="1" smtClean="0">
+                <a:solidFill>
+                  <a:schemeClr val="tx1"/>
+                </a:solidFill>
+                <a:effectLst/>
+                <a:latin typeface="Arial" pitchFamily="-65" charset="0"/>
+                <a:ea typeface="ＭＳ Ｐゴシック" pitchFamily="-65" charset="-128"/>
+                <a:cs typeface="ＭＳ Ｐゴシック" pitchFamily="-65" charset="-128"/>
+              </a:rPr>
+              <a:t>will_play_text.csv</a:t>
+            </a:r>
+            <a:r>
+              <a:rPr kumimoji="1" lang="mr-IN" sz="1200" kern="1200" dirty="0" smtClean="0">
+                <a:solidFill>
+                  <a:schemeClr val="tx1"/>
+                </a:solidFill>
+                <a:effectLst/>
+                <a:latin typeface="Arial" pitchFamily="-65" charset="0"/>
+                <a:ea typeface="ＭＳ Ｐゴシック" pitchFamily="-65" charset="-128"/>
+                <a:cs typeface="ＭＳ Ｐゴシック" pitchFamily="-65" charset="-128"/>
+              </a:rPr>
+              <a:t> | </a:t>
+            </a:r>
+            <a:r>
+              <a:rPr kumimoji="1" lang="mr-IN" sz="1200" kern="1200" dirty="0" err="1" smtClean="0">
+                <a:solidFill>
+                  <a:schemeClr val="tx1"/>
+                </a:solidFill>
+                <a:effectLst/>
+                <a:latin typeface="Arial" pitchFamily="-65" charset="0"/>
+                <a:ea typeface="ＭＳ Ｐゴシック" pitchFamily="-65" charset="-128"/>
+                <a:cs typeface="ＭＳ Ｐゴシック" pitchFamily="-65" charset="-128"/>
+              </a:rPr>
+              <a:t>cut</a:t>
+            </a:r>
+            <a:r>
+              <a:rPr kumimoji="1" lang="mr-IN" sz="1200" kern="1200" dirty="0" smtClean="0">
+                <a:solidFill>
+                  <a:schemeClr val="tx1"/>
+                </a:solidFill>
+                <a:effectLst/>
+                <a:latin typeface="Arial" pitchFamily="-65" charset="0"/>
+                <a:ea typeface="ＭＳ Ｐゴシック" pitchFamily="-65" charset="-128"/>
+                <a:cs typeface="ＭＳ Ｐゴシック" pitchFamily="-65" charset="-128"/>
+              </a:rPr>
+              <a:t> -f2 -</a:t>
+            </a:r>
+            <a:r>
+              <a:rPr kumimoji="1" lang="mr-IN" sz="1200" kern="1200" dirty="0" err="1" smtClean="0">
+                <a:solidFill>
+                  <a:schemeClr val="tx1"/>
+                </a:solidFill>
+                <a:effectLst/>
+                <a:latin typeface="Arial" pitchFamily="-65" charset="0"/>
+                <a:ea typeface="ＭＳ Ｐゴシック" pitchFamily="-65" charset="-128"/>
+                <a:cs typeface="ＭＳ Ｐゴシック" pitchFamily="-65" charset="-128"/>
+              </a:rPr>
+              <a:t>d</a:t>
+            </a:r>
+            <a:r>
+              <a:rPr kumimoji="1" lang="mr-IN" sz="1200" kern="1200" dirty="0" smtClean="0">
+                <a:solidFill>
+                  <a:schemeClr val="tx1"/>
+                </a:solidFill>
+                <a:effectLst/>
+                <a:latin typeface="Arial" pitchFamily="-65" charset="0"/>
+                <a:ea typeface="ＭＳ Ｐゴシック" pitchFamily="-65" charset="-128"/>
+                <a:cs typeface="ＭＳ Ｐゴシック" pitchFamily="-65" charset="-128"/>
+              </a:rPr>
+              <a:t>'"'  | </a:t>
+            </a:r>
+            <a:r>
+              <a:rPr kumimoji="1" lang="mr-IN" sz="1200" kern="1200" dirty="0" err="1" smtClean="0">
+                <a:solidFill>
+                  <a:schemeClr val="tx1"/>
+                </a:solidFill>
+                <a:effectLst/>
+                <a:latin typeface="Arial" pitchFamily="-65" charset="0"/>
+                <a:ea typeface="ＭＳ Ｐゴシック" pitchFamily="-65" charset="-128"/>
+                <a:cs typeface="ＭＳ Ｐゴシック" pitchFamily="-65" charset="-128"/>
+              </a:rPr>
+              <a:t>tr</a:t>
+            </a:r>
+            <a:r>
+              <a:rPr kumimoji="1" lang="mr-IN" sz="1200" kern="1200" dirty="0" smtClean="0">
+                <a:solidFill>
+                  <a:schemeClr val="tx1"/>
+                </a:solidFill>
+                <a:effectLst/>
+                <a:latin typeface="Arial" pitchFamily="-65" charset="0"/>
+                <a:ea typeface="ＭＳ Ｐゴシック" pitchFamily="-65" charset="-128"/>
+                <a:cs typeface="ＭＳ Ｐゴシック" pitchFamily="-65" charset="-128"/>
+              </a:rPr>
+              <a:t> -</a:t>
+            </a:r>
+            <a:r>
+              <a:rPr kumimoji="1" lang="mr-IN" sz="1200" kern="1200" dirty="0" err="1" smtClean="0">
+                <a:solidFill>
+                  <a:schemeClr val="tx1"/>
+                </a:solidFill>
+                <a:effectLst/>
+                <a:latin typeface="Arial" pitchFamily="-65" charset="0"/>
+                <a:ea typeface="ＭＳ Ｐゴシック" pitchFamily="-65" charset="-128"/>
+                <a:cs typeface="ＭＳ Ｐゴシック" pitchFamily="-65" charset="-128"/>
+              </a:rPr>
+              <a:t>sc</a:t>
+            </a:r>
+            <a:r>
+              <a:rPr kumimoji="1" lang="mr-IN" sz="1200" kern="1200" dirty="0" smtClean="0">
+                <a:solidFill>
+                  <a:schemeClr val="tx1"/>
+                </a:solidFill>
+                <a:effectLst/>
+                <a:latin typeface="Arial" pitchFamily="-65" charset="0"/>
+                <a:ea typeface="ＭＳ Ｐゴシック" pitchFamily="-65" charset="-128"/>
+                <a:cs typeface="ＭＳ Ｐゴシック" pitchFamily="-65" charset="-128"/>
+              </a:rPr>
+              <a:t> "</a:t>
+            </a:r>
+            <a:r>
+              <a:rPr kumimoji="1" lang="mr-IN" sz="1200" kern="1200" dirty="0" err="1" smtClean="0">
+                <a:solidFill>
+                  <a:schemeClr val="tx1"/>
+                </a:solidFill>
+                <a:effectLst/>
+                <a:latin typeface="Arial" pitchFamily="-65" charset="0"/>
+                <a:ea typeface="ＭＳ Ｐゴシック" pitchFamily="-65" charset="-128"/>
+                <a:cs typeface="ＭＳ Ｐゴシック" pitchFamily="-65" charset="-128"/>
+              </a:rPr>
+              <a:t>A-Za-z</a:t>
+            </a:r>
+            <a:r>
+              <a:rPr kumimoji="1" lang="mr-IN" sz="1200" kern="1200" dirty="0" smtClean="0">
+                <a:solidFill>
+                  <a:schemeClr val="tx1"/>
+                </a:solidFill>
+                <a:effectLst/>
+                <a:latin typeface="Arial" pitchFamily="-65" charset="0"/>
+                <a:ea typeface="ＭＳ Ｐゴシック" pitchFamily="-65" charset="-128"/>
+                <a:cs typeface="ＭＳ Ｐゴシック" pitchFamily="-65" charset="-128"/>
+              </a:rPr>
+              <a:t>" "\</a:t>
+            </a:r>
+            <a:r>
+              <a:rPr kumimoji="1" lang="mr-IN" sz="1200" kern="1200" dirty="0" err="1" smtClean="0">
+                <a:solidFill>
+                  <a:schemeClr val="tx1"/>
+                </a:solidFill>
+                <a:effectLst/>
+                <a:latin typeface="Arial" pitchFamily="-65" charset="0"/>
+                <a:ea typeface="ＭＳ Ｐゴシック" pitchFamily="-65" charset="-128"/>
+                <a:cs typeface="ＭＳ Ｐゴシック" pitchFamily="-65" charset="-128"/>
+              </a:rPr>
+              <a:t>n</a:t>
+            </a:r>
+            <a:r>
+              <a:rPr kumimoji="1" lang="mr-IN" sz="1200" kern="1200" dirty="0" smtClean="0">
+                <a:solidFill>
+                  <a:schemeClr val="tx1"/>
+                </a:solidFill>
+                <a:effectLst/>
+                <a:latin typeface="Arial" pitchFamily="-65" charset="0"/>
+                <a:ea typeface="ＭＳ Ｐゴシック" pitchFamily="-65" charset="-128"/>
+                <a:cs typeface="ＭＳ Ｐゴシック" pitchFamily="-65" charset="-128"/>
+              </a:rPr>
+              <a:t>" </a:t>
+            </a:r>
+            <a:r>
+              <a:rPr kumimoji="1" lang="en-US" sz="1200" kern="1200" dirty="0" smtClean="0">
+                <a:solidFill>
+                  <a:schemeClr val="tx1"/>
+                </a:solidFill>
+                <a:effectLst/>
+                <a:latin typeface="Arial" pitchFamily="-65" charset="0"/>
+                <a:ea typeface="ＭＳ Ｐゴシック" pitchFamily="-65" charset="-128"/>
+                <a:cs typeface="ＭＳ Ｐゴシック" pitchFamily="-65" charset="-128"/>
+              </a:rPr>
+              <a:t>|</a:t>
+            </a:r>
+            <a:r>
+              <a:rPr kumimoji="1" lang="en-US" sz="1200" kern="1200" baseline="0" dirty="0" smtClean="0">
+                <a:solidFill>
+                  <a:schemeClr val="tx1"/>
+                </a:solidFill>
+                <a:effectLst/>
+                <a:latin typeface="Arial" pitchFamily="-65" charset="0"/>
+                <a:ea typeface="ＭＳ Ｐゴシック" pitchFamily="-65" charset="-128"/>
+                <a:cs typeface="ＭＳ Ｐゴシック" pitchFamily="-65" charset="-128"/>
+              </a:rPr>
+              <a:t> more</a:t>
+            </a:r>
+          </a:p>
+          <a:p>
+            <a:r>
+              <a:rPr kumimoji="1" lang="en-US" sz="1200" kern="1200" dirty="0" smtClean="0">
+                <a:solidFill>
+                  <a:schemeClr val="tx1"/>
+                </a:solidFill>
+                <a:effectLst/>
+                <a:latin typeface="Arial" pitchFamily="-65" charset="0"/>
+                <a:ea typeface="ＭＳ Ｐゴシック" pitchFamily="-65" charset="-128"/>
+                <a:cs typeface="ＭＳ Ｐゴシック" pitchFamily="-65" charset="-128"/>
+              </a:rPr>
+              <a:t>cut -f6 -d";" </a:t>
+            </a:r>
+            <a:r>
+              <a:rPr kumimoji="1" lang="en-US" sz="1200" kern="1200" dirty="0" err="1" smtClean="0">
+                <a:solidFill>
+                  <a:schemeClr val="tx1"/>
+                </a:solidFill>
+                <a:effectLst/>
+                <a:latin typeface="Arial" pitchFamily="-65" charset="0"/>
+                <a:ea typeface="ＭＳ Ｐゴシック" pitchFamily="-65" charset="-128"/>
+                <a:cs typeface="ＭＳ Ｐゴシック" pitchFamily="-65" charset="-128"/>
+              </a:rPr>
+              <a:t>will_play_text.csv</a:t>
+            </a:r>
+            <a:r>
+              <a:rPr kumimoji="1" lang="en-US" sz="1200" kern="1200" dirty="0" smtClean="0">
+                <a:solidFill>
+                  <a:schemeClr val="tx1"/>
+                </a:solidFill>
+                <a:effectLst/>
+                <a:latin typeface="Arial" pitchFamily="-65" charset="0"/>
+                <a:ea typeface="ＭＳ Ｐゴシック" pitchFamily="-65" charset="-128"/>
+                <a:cs typeface="ＭＳ Ｐゴシック" pitchFamily="-65" charset="-128"/>
+              </a:rPr>
+              <a:t> | cut -f2 -d' | </a:t>
+            </a:r>
+            <a:r>
+              <a:rPr kumimoji="1" lang="en-US" sz="1200" kern="1200" dirty="0" err="1" smtClean="0">
+                <a:solidFill>
+                  <a:schemeClr val="tx1"/>
+                </a:solidFill>
+                <a:effectLst/>
+                <a:latin typeface="Arial" pitchFamily="-65" charset="0"/>
+                <a:ea typeface="ＭＳ Ｐゴシック" pitchFamily="-65" charset="-128"/>
+                <a:cs typeface="ＭＳ Ｐゴシック" pitchFamily="-65" charset="-128"/>
+              </a:rPr>
+              <a:t>tr</a:t>
+            </a:r>
+            <a:r>
+              <a:rPr kumimoji="1" lang="en-US" sz="1200" kern="1200" dirty="0" smtClean="0">
+                <a:solidFill>
+                  <a:schemeClr val="tx1"/>
+                </a:solidFill>
+                <a:effectLst/>
+                <a:latin typeface="Arial" pitchFamily="-65" charset="0"/>
+                <a:ea typeface="ＭＳ Ｐゴシック" pitchFamily="-65" charset="-128"/>
+                <a:cs typeface="ＭＳ Ｐゴシック" pitchFamily="-65" charset="-128"/>
+              </a:rPr>
+              <a:t> -</a:t>
+            </a:r>
+            <a:r>
+              <a:rPr kumimoji="1" lang="en-US" sz="1200" kern="1200" dirty="0" err="1" smtClean="0">
+                <a:solidFill>
+                  <a:schemeClr val="tx1"/>
+                </a:solidFill>
+                <a:effectLst/>
+                <a:latin typeface="Arial" pitchFamily="-65" charset="0"/>
+                <a:ea typeface="ＭＳ Ｐゴシック" pitchFamily="-65" charset="-128"/>
+                <a:cs typeface="ＭＳ Ｐゴシック" pitchFamily="-65" charset="-128"/>
+              </a:rPr>
+              <a:t>sc</a:t>
+            </a:r>
+            <a:r>
+              <a:rPr kumimoji="1" lang="en-US" sz="1200" kern="1200" dirty="0" smtClean="0">
+                <a:solidFill>
+                  <a:schemeClr val="tx1"/>
+                </a:solidFill>
+                <a:effectLst/>
+                <a:latin typeface="Arial" pitchFamily="-65" charset="0"/>
+                <a:ea typeface="ＭＳ Ｐゴシック" pitchFamily="-65" charset="-128"/>
+                <a:cs typeface="ＭＳ Ｐゴシック" pitchFamily="-65" charset="-128"/>
+              </a:rPr>
+              <a:t> "A-</a:t>
+            </a:r>
+            <a:r>
+              <a:rPr kumimoji="1" lang="en-US" sz="1200" kern="1200" dirty="0" err="1" smtClean="0">
+                <a:solidFill>
+                  <a:schemeClr val="tx1"/>
+                </a:solidFill>
+                <a:effectLst/>
+                <a:latin typeface="Arial" pitchFamily="-65" charset="0"/>
+                <a:ea typeface="ＭＳ Ｐゴシック" pitchFamily="-65" charset="-128"/>
+                <a:cs typeface="ＭＳ Ｐゴシック" pitchFamily="-65" charset="-128"/>
+              </a:rPr>
+              <a:t>Za</a:t>
+            </a:r>
+            <a:r>
+              <a:rPr kumimoji="1" lang="en-US" sz="1200" kern="1200" dirty="0" smtClean="0">
+                <a:solidFill>
+                  <a:schemeClr val="tx1"/>
+                </a:solidFill>
+                <a:effectLst/>
+                <a:latin typeface="Arial" pitchFamily="-65" charset="0"/>
+                <a:ea typeface="ＭＳ Ｐゴシック" pitchFamily="-65" charset="-128"/>
+                <a:cs typeface="ＭＳ Ｐゴシック" pitchFamily="-65" charset="-128"/>
+              </a:rPr>
+              <a:t>-z" "\n" | sort | </a:t>
+            </a:r>
+            <a:r>
+              <a:rPr kumimoji="1" lang="en-US" sz="1200" kern="1200" dirty="0" err="1" smtClean="0">
+                <a:solidFill>
+                  <a:schemeClr val="tx1"/>
+                </a:solidFill>
+                <a:effectLst/>
+                <a:latin typeface="Arial" pitchFamily="-65" charset="0"/>
+                <a:ea typeface="ＭＳ Ｐゴシック" pitchFamily="-65" charset="-128"/>
+                <a:cs typeface="ＭＳ Ｐゴシック" pitchFamily="-65" charset="-128"/>
+              </a:rPr>
+              <a:t>uniq</a:t>
+            </a:r>
+            <a:r>
+              <a:rPr kumimoji="1" lang="en-US" sz="1200" kern="1200" dirty="0" smtClean="0">
+                <a:solidFill>
+                  <a:schemeClr val="tx1"/>
+                </a:solidFill>
+                <a:effectLst/>
+                <a:latin typeface="Arial" pitchFamily="-65" charset="0"/>
+                <a:ea typeface="ＭＳ Ｐゴシック" pitchFamily="-65" charset="-128"/>
+                <a:cs typeface="ＭＳ Ｐゴシック" pitchFamily="-65" charset="-128"/>
+              </a:rPr>
+              <a:t> | more</a:t>
+            </a:r>
+          </a:p>
+          <a:p>
+            <a:pPr marL="0" marR="0" indent="0" algn="l" defTabSz="914400" rtl="0" eaLnBrk="0" fontAlgn="base" latinLnBrk="0" hangingPunct="0">
+              <a:lnSpc>
+                <a:spcPct val="100000"/>
+              </a:lnSpc>
+              <a:spcBef>
+                <a:spcPct val="30000"/>
+              </a:spcBef>
+              <a:spcAft>
+                <a:spcPct val="0"/>
+              </a:spcAft>
+              <a:buClrTx/>
+              <a:buSzTx/>
+              <a:buFontTx/>
+              <a:buNone/>
+              <a:tabLst/>
+              <a:defRPr/>
+            </a:pPr>
+            <a:r>
+              <a:rPr kumimoji="1" lang="hr-HR" sz="1200" kern="1200" dirty="0" err="1" smtClean="0">
+                <a:solidFill>
+                  <a:schemeClr val="tx1"/>
+                </a:solidFill>
+                <a:effectLst/>
+                <a:latin typeface="Arial" pitchFamily="-65" charset="0"/>
+                <a:ea typeface="ＭＳ Ｐゴシック" pitchFamily="-65" charset="-128"/>
+                <a:cs typeface="ＭＳ Ｐゴシック" pitchFamily="-65" charset="-128"/>
+              </a:rPr>
+              <a:t>cut</a:t>
+            </a:r>
+            <a:r>
+              <a:rPr kumimoji="1" lang="hr-HR" sz="1200" kern="1200" dirty="0" smtClean="0">
+                <a:solidFill>
+                  <a:schemeClr val="tx1"/>
+                </a:solidFill>
+                <a:effectLst/>
+                <a:latin typeface="Arial" pitchFamily="-65" charset="0"/>
+                <a:ea typeface="ＭＳ Ｐゴシック" pitchFamily="-65" charset="-128"/>
+                <a:cs typeface="ＭＳ Ｐゴシック" pitchFamily="-65" charset="-128"/>
+              </a:rPr>
+              <a:t> -f6 -d";" </a:t>
+            </a:r>
+            <a:r>
+              <a:rPr kumimoji="1" lang="hr-HR" sz="1200" kern="1200" dirty="0" err="1" smtClean="0">
+                <a:solidFill>
+                  <a:schemeClr val="tx1"/>
+                </a:solidFill>
+                <a:effectLst/>
+                <a:latin typeface="Arial" pitchFamily="-65" charset="0"/>
+                <a:ea typeface="ＭＳ Ｐゴシック" pitchFamily="-65" charset="-128"/>
+                <a:cs typeface="ＭＳ Ｐゴシック" pitchFamily="-65" charset="-128"/>
+              </a:rPr>
+              <a:t>will_play_text.csv</a:t>
+            </a:r>
+            <a:r>
+              <a:rPr kumimoji="1" lang="hr-HR" sz="1200" kern="1200" dirty="0" smtClean="0">
+                <a:solidFill>
+                  <a:schemeClr val="tx1"/>
+                </a:solidFill>
+                <a:effectLst/>
+                <a:latin typeface="Arial" pitchFamily="-65" charset="0"/>
+                <a:ea typeface="ＭＳ Ｐゴシック" pitchFamily="-65" charset="-128"/>
+                <a:cs typeface="ＭＳ Ｐゴシック" pitchFamily="-65" charset="-128"/>
+              </a:rPr>
+              <a:t> | </a:t>
+            </a:r>
+            <a:r>
+              <a:rPr kumimoji="1" lang="hr-HR" sz="1200" kern="1200" dirty="0" err="1" smtClean="0">
+                <a:solidFill>
+                  <a:schemeClr val="tx1"/>
+                </a:solidFill>
+                <a:effectLst/>
+                <a:latin typeface="Arial" pitchFamily="-65" charset="0"/>
+                <a:ea typeface="ＭＳ Ｐゴシック" pitchFamily="-65" charset="-128"/>
+                <a:cs typeface="ＭＳ Ｐゴシック" pitchFamily="-65" charset="-128"/>
+              </a:rPr>
+              <a:t>cut</a:t>
+            </a:r>
+            <a:r>
+              <a:rPr kumimoji="1" lang="hr-HR" sz="1200" kern="1200" dirty="0" smtClean="0">
+                <a:solidFill>
+                  <a:schemeClr val="tx1"/>
+                </a:solidFill>
+                <a:effectLst/>
+                <a:latin typeface="Arial" pitchFamily="-65" charset="0"/>
+                <a:ea typeface="ＭＳ Ｐゴシック" pitchFamily="-65" charset="-128"/>
+                <a:cs typeface="ＭＳ Ｐゴシック" pitchFamily="-65" charset="-128"/>
+              </a:rPr>
+              <a:t> -f2 -d'"' | </a:t>
+            </a:r>
+            <a:r>
+              <a:rPr kumimoji="1" lang="hr-HR" sz="1200" kern="1200" dirty="0" err="1" smtClean="0">
+                <a:solidFill>
+                  <a:schemeClr val="tx1"/>
+                </a:solidFill>
+                <a:effectLst/>
+                <a:latin typeface="Arial" pitchFamily="-65" charset="0"/>
+                <a:ea typeface="ＭＳ Ｐゴシック" pitchFamily="-65" charset="-128"/>
+                <a:cs typeface="ＭＳ Ｐゴシック" pitchFamily="-65" charset="-128"/>
+              </a:rPr>
+              <a:t>tr</a:t>
+            </a:r>
+            <a:r>
+              <a:rPr kumimoji="1" lang="hr-HR" sz="1200" kern="1200" dirty="0" smtClean="0">
+                <a:solidFill>
+                  <a:schemeClr val="tx1"/>
+                </a:solidFill>
+                <a:effectLst/>
+                <a:latin typeface="Arial" pitchFamily="-65" charset="0"/>
+                <a:ea typeface="ＭＳ Ｐゴシック" pitchFamily="-65" charset="-128"/>
+                <a:cs typeface="ＭＳ Ｐゴシック" pitchFamily="-65" charset="-128"/>
+              </a:rPr>
+              <a:t> -</a:t>
+            </a:r>
+            <a:r>
+              <a:rPr kumimoji="1" lang="hr-HR" sz="1200" kern="1200" dirty="0" err="1" smtClean="0">
+                <a:solidFill>
+                  <a:schemeClr val="tx1"/>
+                </a:solidFill>
+                <a:effectLst/>
+                <a:latin typeface="Arial" pitchFamily="-65" charset="0"/>
+                <a:ea typeface="ＭＳ Ｐゴシック" pitchFamily="-65" charset="-128"/>
+                <a:cs typeface="ＭＳ Ｐゴシック" pitchFamily="-65" charset="-128"/>
+              </a:rPr>
+              <a:t>sc</a:t>
+            </a:r>
+            <a:r>
+              <a:rPr kumimoji="1" lang="hr-HR" sz="1200" kern="1200" dirty="0" smtClean="0">
+                <a:solidFill>
+                  <a:schemeClr val="tx1"/>
+                </a:solidFill>
+                <a:effectLst/>
+                <a:latin typeface="Arial" pitchFamily="-65" charset="0"/>
+                <a:ea typeface="ＭＳ Ｐゴシック" pitchFamily="-65" charset="-128"/>
+                <a:cs typeface="ＭＳ Ｐゴシック" pitchFamily="-65" charset="-128"/>
+              </a:rPr>
+              <a:t> "A-Za-z" "\n" | </a:t>
+            </a:r>
+            <a:r>
+              <a:rPr kumimoji="1" lang="hr-HR" sz="1200" kern="1200" dirty="0" err="1" smtClean="0">
+                <a:solidFill>
+                  <a:schemeClr val="tx1"/>
+                </a:solidFill>
+                <a:effectLst/>
+                <a:latin typeface="Arial" pitchFamily="-65" charset="0"/>
+                <a:ea typeface="ＭＳ Ｐゴシック" pitchFamily="-65" charset="-128"/>
+                <a:cs typeface="ＭＳ Ｐゴシック" pitchFamily="-65" charset="-128"/>
+              </a:rPr>
+              <a:t>sort</a:t>
+            </a:r>
+            <a:r>
+              <a:rPr kumimoji="1" lang="hr-HR" sz="1200" kern="1200" dirty="0" smtClean="0">
+                <a:solidFill>
+                  <a:schemeClr val="tx1"/>
+                </a:solidFill>
+                <a:effectLst/>
+                <a:latin typeface="Arial" pitchFamily="-65" charset="0"/>
+                <a:ea typeface="ＭＳ Ｐゴシック" pitchFamily="-65" charset="-128"/>
+                <a:cs typeface="ＭＳ Ｐゴシック" pitchFamily="-65" charset="-128"/>
+              </a:rPr>
+              <a:t> | </a:t>
+            </a:r>
+            <a:r>
+              <a:rPr kumimoji="1" lang="hr-HR" sz="1200" kern="1200" dirty="0" err="1" smtClean="0">
+                <a:solidFill>
+                  <a:schemeClr val="tx1"/>
+                </a:solidFill>
+                <a:effectLst/>
+                <a:latin typeface="Arial" pitchFamily="-65" charset="0"/>
+                <a:ea typeface="ＭＳ Ｐゴシック" pitchFamily="-65" charset="-128"/>
+                <a:cs typeface="ＭＳ Ｐゴシック" pitchFamily="-65" charset="-128"/>
+              </a:rPr>
+              <a:t>uniq</a:t>
+            </a:r>
+            <a:r>
+              <a:rPr kumimoji="1" lang="hr-HR" sz="1200" kern="1200" dirty="0" smtClean="0">
+                <a:solidFill>
+                  <a:schemeClr val="tx1"/>
+                </a:solidFill>
+                <a:effectLst/>
+                <a:latin typeface="Arial" pitchFamily="-65" charset="0"/>
+                <a:ea typeface="ＭＳ Ｐゴシック" pitchFamily="-65" charset="-128"/>
+                <a:cs typeface="ＭＳ Ｐゴシック" pitchFamily="-65" charset="-128"/>
+              </a:rPr>
+              <a:t> -c | </a:t>
+            </a:r>
+            <a:r>
+              <a:rPr kumimoji="1" lang="hr-HR" sz="1200" kern="1200" dirty="0" err="1" smtClean="0">
+                <a:solidFill>
+                  <a:schemeClr val="tx1"/>
+                </a:solidFill>
+                <a:effectLst/>
+                <a:latin typeface="Arial" pitchFamily="-65" charset="0"/>
+                <a:ea typeface="ＭＳ Ｐゴシック" pitchFamily="-65" charset="-128"/>
+                <a:cs typeface="ＭＳ Ｐゴシック" pitchFamily="-65" charset="-128"/>
+              </a:rPr>
+              <a:t>sort</a:t>
+            </a:r>
+            <a:r>
+              <a:rPr kumimoji="1" lang="hr-HR" sz="1200" kern="1200" dirty="0" smtClean="0">
+                <a:solidFill>
+                  <a:schemeClr val="tx1"/>
+                </a:solidFill>
+                <a:effectLst/>
+                <a:latin typeface="Arial" pitchFamily="-65" charset="0"/>
+                <a:ea typeface="ＭＳ Ｐゴシック" pitchFamily="-65" charset="-128"/>
+                <a:cs typeface="ＭＳ Ｐゴシック" pitchFamily="-65" charset="-128"/>
+              </a:rPr>
+              <a:t> -</a:t>
+            </a:r>
+            <a:r>
+              <a:rPr kumimoji="1" lang="hr-HR" sz="1200" kern="1200" dirty="0" err="1" smtClean="0">
+                <a:solidFill>
+                  <a:schemeClr val="tx1"/>
+                </a:solidFill>
+                <a:effectLst/>
+                <a:latin typeface="Arial" pitchFamily="-65" charset="0"/>
+                <a:ea typeface="ＭＳ Ｐゴシック" pitchFamily="-65" charset="-128"/>
+                <a:cs typeface="ＭＳ Ｐゴシック" pitchFamily="-65" charset="-128"/>
+              </a:rPr>
+              <a:t>nr</a:t>
+            </a:r>
+            <a:r>
+              <a:rPr kumimoji="1" lang="hr-HR" sz="1200" kern="1200" dirty="0" smtClean="0">
+                <a:solidFill>
+                  <a:schemeClr val="tx1"/>
+                </a:solidFill>
+                <a:effectLst/>
+                <a:latin typeface="Arial" pitchFamily="-65" charset="0"/>
+                <a:ea typeface="ＭＳ Ｐゴシック" pitchFamily="-65" charset="-128"/>
+                <a:cs typeface="ＭＳ Ｐゴシック" pitchFamily="-65" charset="-128"/>
+              </a:rPr>
+              <a:t> | more</a:t>
+            </a:r>
+          </a:p>
+          <a:p>
+            <a:pPr marL="0" marR="0" indent="0" algn="l" defTabSz="914400" rtl="0" eaLnBrk="0" fontAlgn="base" latinLnBrk="0" hangingPunct="0">
+              <a:lnSpc>
+                <a:spcPct val="100000"/>
+              </a:lnSpc>
+              <a:spcBef>
+                <a:spcPct val="30000"/>
+              </a:spcBef>
+              <a:spcAft>
+                <a:spcPct val="0"/>
+              </a:spcAft>
+              <a:buClrTx/>
+              <a:buSzTx/>
+              <a:buFontTx/>
+              <a:buNone/>
+              <a:tabLst/>
+              <a:defRPr/>
+            </a:pPr>
+            <a:r>
+              <a:rPr kumimoji="1" lang="hr-HR" sz="1200" kern="1200" dirty="0" err="1" smtClean="0">
+                <a:solidFill>
+                  <a:schemeClr val="tx1"/>
+                </a:solidFill>
+                <a:effectLst/>
+                <a:latin typeface="Arial" pitchFamily="-65" charset="0"/>
+                <a:ea typeface="ＭＳ Ｐゴシック" pitchFamily="-65" charset="-128"/>
+                <a:cs typeface="ＭＳ Ｐゴシック" pitchFamily="-65" charset="-128"/>
+              </a:rPr>
+              <a:t>cut</a:t>
+            </a:r>
+            <a:r>
+              <a:rPr kumimoji="1" lang="hr-HR" sz="1200" kern="1200" dirty="0" smtClean="0">
+                <a:solidFill>
+                  <a:schemeClr val="tx1"/>
+                </a:solidFill>
+                <a:effectLst/>
+                <a:latin typeface="Arial" pitchFamily="-65" charset="0"/>
+                <a:ea typeface="ＭＳ Ｐゴシック" pitchFamily="-65" charset="-128"/>
+                <a:cs typeface="ＭＳ Ｐゴシック" pitchFamily="-65" charset="-128"/>
+              </a:rPr>
+              <a:t> -f6 -d";" </a:t>
+            </a:r>
+            <a:r>
+              <a:rPr kumimoji="1" lang="hr-HR" sz="1200" kern="1200" dirty="0" err="1" smtClean="0">
+                <a:solidFill>
+                  <a:schemeClr val="tx1"/>
+                </a:solidFill>
+                <a:effectLst/>
+                <a:latin typeface="Arial" pitchFamily="-65" charset="0"/>
+                <a:ea typeface="ＭＳ Ｐゴシック" pitchFamily="-65" charset="-128"/>
+                <a:cs typeface="ＭＳ Ｐゴシック" pitchFamily="-65" charset="-128"/>
+              </a:rPr>
+              <a:t>will_play_text.csv</a:t>
+            </a:r>
+            <a:r>
+              <a:rPr kumimoji="1" lang="hr-HR" sz="1200" kern="1200" dirty="0" smtClean="0">
+                <a:solidFill>
+                  <a:schemeClr val="tx1"/>
+                </a:solidFill>
+                <a:effectLst/>
+                <a:latin typeface="Arial" pitchFamily="-65" charset="0"/>
+                <a:ea typeface="ＭＳ Ｐゴシック" pitchFamily="-65" charset="-128"/>
+                <a:cs typeface="ＭＳ Ｐゴシック" pitchFamily="-65" charset="-128"/>
+              </a:rPr>
+              <a:t> | </a:t>
+            </a:r>
+            <a:r>
+              <a:rPr kumimoji="1" lang="hr-HR" sz="1200" kern="1200" dirty="0" err="1" smtClean="0">
+                <a:solidFill>
+                  <a:schemeClr val="tx1"/>
+                </a:solidFill>
+                <a:effectLst/>
+                <a:latin typeface="Arial" pitchFamily="-65" charset="0"/>
+                <a:ea typeface="ＭＳ Ｐゴシック" pitchFamily="-65" charset="-128"/>
+                <a:cs typeface="ＭＳ Ｐゴシック" pitchFamily="-65" charset="-128"/>
+              </a:rPr>
+              <a:t>cut</a:t>
+            </a:r>
+            <a:r>
+              <a:rPr kumimoji="1" lang="hr-HR" sz="1200" kern="1200" dirty="0" smtClean="0">
+                <a:solidFill>
+                  <a:schemeClr val="tx1"/>
+                </a:solidFill>
+                <a:effectLst/>
+                <a:latin typeface="Arial" pitchFamily="-65" charset="0"/>
+                <a:ea typeface="ＭＳ Ｐゴシック" pitchFamily="-65" charset="-128"/>
+                <a:cs typeface="ＭＳ Ｐゴシック" pitchFamily="-65" charset="-128"/>
+              </a:rPr>
+              <a:t> -f2 -d'"' | </a:t>
+            </a:r>
+            <a:r>
+              <a:rPr kumimoji="1" lang="hr-HR" sz="1200" kern="1200" dirty="0" err="1" smtClean="0">
+                <a:solidFill>
+                  <a:schemeClr val="tx1"/>
+                </a:solidFill>
+                <a:effectLst/>
+                <a:latin typeface="Arial" pitchFamily="-65" charset="0"/>
+                <a:ea typeface="ＭＳ Ｐゴシック" pitchFamily="-65" charset="-128"/>
+                <a:cs typeface="ＭＳ Ｐゴシック" pitchFamily="-65" charset="-128"/>
+              </a:rPr>
+              <a:t>tr</a:t>
+            </a:r>
+            <a:r>
+              <a:rPr kumimoji="1" lang="hr-HR" sz="1200" kern="1200" dirty="0" smtClean="0">
+                <a:solidFill>
+                  <a:schemeClr val="tx1"/>
+                </a:solidFill>
+                <a:effectLst/>
+                <a:latin typeface="Arial" pitchFamily="-65" charset="0"/>
+                <a:ea typeface="ＭＳ Ｐゴシック" pitchFamily="-65" charset="-128"/>
+                <a:cs typeface="ＭＳ Ｐゴシック" pitchFamily="-65" charset="-128"/>
+              </a:rPr>
+              <a:t> -</a:t>
+            </a:r>
+            <a:r>
+              <a:rPr kumimoji="1" lang="hr-HR" sz="1200" kern="1200" dirty="0" err="1" smtClean="0">
+                <a:solidFill>
+                  <a:schemeClr val="tx1"/>
+                </a:solidFill>
+                <a:effectLst/>
+                <a:latin typeface="Arial" pitchFamily="-65" charset="0"/>
+                <a:ea typeface="ＭＳ Ｐゴシック" pitchFamily="-65" charset="-128"/>
+                <a:cs typeface="ＭＳ Ｐゴシック" pitchFamily="-65" charset="-128"/>
+              </a:rPr>
+              <a:t>sc</a:t>
+            </a:r>
+            <a:r>
+              <a:rPr kumimoji="1" lang="hr-HR" sz="1200" kern="1200" dirty="0" smtClean="0">
+                <a:solidFill>
+                  <a:schemeClr val="tx1"/>
+                </a:solidFill>
+                <a:effectLst/>
+                <a:latin typeface="Arial" pitchFamily="-65" charset="0"/>
+                <a:ea typeface="ＭＳ Ｐゴシック" pitchFamily="-65" charset="-128"/>
+                <a:cs typeface="ＭＳ Ｐゴシック" pitchFamily="-65" charset="-128"/>
+              </a:rPr>
+              <a:t> "A-Za-z" "\n" | </a:t>
+            </a:r>
+            <a:r>
+              <a:rPr kumimoji="1" lang="hr-HR" sz="1200" kern="1200" dirty="0" err="1" smtClean="0">
+                <a:solidFill>
+                  <a:schemeClr val="tx1"/>
+                </a:solidFill>
+                <a:effectLst/>
+                <a:latin typeface="Arial" pitchFamily="-65" charset="0"/>
+                <a:ea typeface="ＭＳ Ｐゴシック" pitchFamily="-65" charset="-128"/>
+                <a:cs typeface="ＭＳ Ｐゴシック" pitchFamily="-65" charset="-128"/>
+              </a:rPr>
+              <a:t>tr</a:t>
+            </a:r>
+            <a:r>
+              <a:rPr kumimoji="1" lang="hr-HR" sz="1200" kern="1200" dirty="0" smtClean="0">
+                <a:solidFill>
+                  <a:schemeClr val="tx1"/>
+                </a:solidFill>
+                <a:effectLst/>
+                <a:latin typeface="Arial" pitchFamily="-65" charset="0"/>
+                <a:ea typeface="ＭＳ Ｐゴシック" pitchFamily="-65" charset="-128"/>
+                <a:cs typeface="ＭＳ Ｐゴシック" pitchFamily="-65" charset="-128"/>
+              </a:rPr>
+              <a:t>  "A-Z" "a-z" | </a:t>
+            </a:r>
+            <a:r>
+              <a:rPr kumimoji="1" lang="hr-HR" sz="1200" kern="1200" dirty="0" err="1" smtClean="0">
+                <a:solidFill>
+                  <a:schemeClr val="tx1"/>
+                </a:solidFill>
+                <a:effectLst/>
+                <a:latin typeface="Arial" pitchFamily="-65" charset="0"/>
+                <a:ea typeface="ＭＳ Ｐゴシック" pitchFamily="-65" charset="-128"/>
+                <a:cs typeface="ＭＳ Ｐゴシック" pitchFamily="-65" charset="-128"/>
+              </a:rPr>
+              <a:t>sort</a:t>
+            </a:r>
+            <a:r>
+              <a:rPr kumimoji="1" lang="hr-HR" sz="1200" kern="1200" dirty="0" smtClean="0">
+                <a:solidFill>
+                  <a:schemeClr val="tx1"/>
+                </a:solidFill>
+                <a:effectLst/>
+                <a:latin typeface="Arial" pitchFamily="-65" charset="0"/>
+                <a:ea typeface="ＭＳ Ｐゴシック" pitchFamily="-65" charset="-128"/>
+                <a:cs typeface="ＭＳ Ｐゴシック" pitchFamily="-65" charset="-128"/>
+              </a:rPr>
+              <a:t> | </a:t>
+            </a:r>
+            <a:r>
+              <a:rPr kumimoji="1" lang="hr-HR" sz="1200" kern="1200" dirty="0" err="1" smtClean="0">
+                <a:solidFill>
+                  <a:schemeClr val="tx1"/>
+                </a:solidFill>
+                <a:effectLst/>
+                <a:latin typeface="Arial" pitchFamily="-65" charset="0"/>
+                <a:ea typeface="ＭＳ Ｐゴシック" pitchFamily="-65" charset="-128"/>
+                <a:cs typeface="ＭＳ Ｐゴシック" pitchFamily="-65" charset="-128"/>
+              </a:rPr>
+              <a:t>uniq</a:t>
+            </a:r>
+            <a:r>
+              <a:rPr kumimoji="1" lang="hr-HR" sz="1200" kern="1200" dirty="0" smtClean="0">
+                <a:solidFill>
+                  <a:schemeClr val="tx1"/>
+                </a:solidFill>
+                <a:effectLst/>
+                <a:latin typeface="Arial" pitchFamily="-65" charset="0"/>
+                <a:ea typeface="ＭＳ Ｐゴシック" pitchFamily="-65" charset="-128"/>
+                <a:cs typeface="ＭＳ Ｐゴシック" pitchFamily="-65" charset="-128"/>
+              </a:rPr>
+              <a:t> -c | </a:t>
+            </a:r>
+            <a:r>
+              <a:rPr kumimoji="1" lang="hr-HR" sz="1200" kern="1200" dirty="0" err="1" smtClean="0">
+                <a:solidFill>
+                  <a:schemeClr val="tx1"/>
+                </a:solidFill>
+                <a:effectLst/>
+                <a:latin typeface="Arial" pitchFamily="-65" charset="0"/>
+                <a:ea typeface="ＭＳ Ｐゴシック" pitchFamily="-65" charset="-128"/>
+                <a:cs typeface="ＭＳ Ｐゴシック" pitchFamily="-65" charset="-128"/>
+              </a:rPr>
+              <a:t>sort</a:t>
+            </a:r>
+            <a:r>
+              <a:rPr kumimoji="1" lang="hr-HR" sz="1200" kern="1200" dirty="0" smtClean="0">
+                <a:solidFill>
+                  <a:schemeClr val="tx1"/>
+                </a:solidFill>
+                <a:effectLst/>
+                <a:latin typeface="Arial" pitchFamily="-65" charset="0"/>
+                <a:ea typeface="ＭＳ Ｐゴシック" pitchFamily="-65" charset="-128"/>
+                <a:cs typeface="ＭＳ Ｐゴシック" pitchFamily="-65" charset="-128"/>
+              </a:rPr>
+              <a:t> -</a:t>
+            </a:r>
+            <a:r>
+              <a:rPr kumimoji="1" lang="hr-HR" sz="1200" kern="1200" dirty="0" err="1" smtClean="0">
+                <a:solidFill>
+                  <a:schemeClr val="tx1"/>
+                </a:solidFill>
+                <a:effectLst/>
+                <a:latin typeface="Arial" pitchFamily="-65" charset="0"/>
+                <a:ea typeface="ＭＳ Ｐゴシック" pitchFamily="-65" charset="-128"/>
+                <a:cs typeface="ＭＳ Ｐゴシック" pitchFamily="-65" charset="-128"/>
+              </a:rPr>
+              <a:t>nr</a:t>
+            </a:r>
+            <a:r>
+              <a:rPr kumimoji="1" lang="hr-HR" sz="1200" kern="1200" dirty="0" smtClean="0">
+                <a:solidFill>
+                  <a:schemeClr val="tx1"/>
+                </a:solidFill>
+                <a:effectLst/>
+                <a:latin typeface="Arial" pitchFamily="-65" charset="0"/>
+                <a:ea typeface="ＭＳ Ｐゴシック" pitchFamily="-65" charset="-128"/>
+                <a:cs typeface="ＭＳ Ｐゴシック" pitchFamily="-65" charset="-128"/>
+              </a:rPr>
+              <a:t> | more</a:t>
+            </a:r>
+          </a:p>
+          <a:p>
+            <a:pPr marL="0" marR="0" indent="0" algn="l" defTabSz="914400" rtl="0" eaLnBrk="0" fontAlgn="base" latinLnBrk="0" hangingPunct="0">
+              <a:lnSpc>
+                <a:spcPct val="100000"/>
+              </a:lnSpc>
+              <a:spcBef>
+                <a:spcPct val="30000"/>
+              </a:spcBef>
+              <a:spcAft>
+                <a:spcPct val="0"/>
+              </a:spcAft>
+              <a:buClrTx/>
+              <a:buSzTx/>
+              <a:buFontTx/>
+              <a:buNone/>
+              <a:tabLst/>
+              <a:defRPr/>
+            </a:pPr>
+            <a:endParaRPr kumimoji="1" lang="mr-IN" sz="1200" kern="1200" dirty="0" smtClean="0">
+              <a:solidFill>
+                <a:schemeClr val="tx1"/>
+              </a:solidFill>
+              <a:effectLst/>
+              <a:latin typeface="Arial" pitchFamily="-65" charset="0"/>
+              <a:ea typeface="ＭＳ Ｐゴシック" pitchFamily="-65" charset="-128"/>
+              <a:cs typeface="ＭＳ Ｐゴシック" pitchFamily="-65" charset="-128"/>
+            </a:endParaRPr>
+          </a:p>
+          <a:p>
+            <a:endParaRPr lang="en-US" dirty="0" smtClean="0"/>
+          </a:p>
+          <a:p>
+            <a:endParaRPr lang="en-US" dirty="0" smtClean="0"/>
+          </a:p>
+          <a:p>
+            <a:endParaRPr lang="en-US" dirty="0" smtClean="0"/>
+          </a:p>
+          <a:p>
+            <a:endParaRPr lang="en-US" dirty="0"/>
+          </a:p>
+        </p:txBody>
+      </p:sp>
+      <p:sp>
+        <p:nvSpPr>
+          <p:cNvPr id="4" name="Slide Number Placeholder 3"/>
+          <p:cNvSpPr>
+            <a:spLocks noGrp="1"/>
+          </p:cNvSpPr>
+          <p:nvPr>
+            <p:ph type="sldNum" sz="quarter" idx="10"/>
+          </p:nvPr>
+        </p:nvSpPr>
+        <p:spPr/>
+        <p:txBody>
+          <a:bodyPr/>
+          <a:lstStyle/>
+          <a:p>
+            <a:fld id="{3EB9031F-EB71-7642-8F3C-6FDC1408CB92}" type="slidenum">
+              <a:rPr lang="en-US" smtClean="0"/>
+              <a:pPr/>
+              <a:t>45</a:t>
+            </a:fld>
+            <a:endParaRPr lang="en-US"/>
+          </a:p>
+        </p:txBody>
+      </p:sp>
+    </p:spTree>
+    <p:extLst>
+      <p:ext uri="{BB962C8B-B14F-4D97-AF65-F5344CB8AC3E}">
+        <p14:creationId xmlns:p14="http://schemas.microsoft.com/office/powerpoint/2010/main" val="1660581824"/>
+      </p:ext>
+    </p:extLst>
+  </p:cSld>
+  <p:clrMapOvr>
+    <a:masterClrMapping/>
+  </p:clrMapOvr>
+</p:notes>
+</file>
+
+<file path=ppt/notesSlides/notesSlide32.xml><?xml version="1.0" encoding="utf-8"?>
+<p:notes xmlns:a="http://schemas.openxmlformats.org/drawingml/2006/main" xmlns:r="http://schemas.openxmlformats.org/officeDocument/2006/relationships" xmlns:p="http://schemas.openxmlformats.org/presentationml/2006/main">
+  <p:cSld>
+    <p:spTree>
+      <p:nvGrpSpPr>
+        <p:cNvPr id="1" name=""/>
+        <p:cNvGrpSpPr/>
+        <p:nvPr/>
+      </p:nvGrpSpPr>
+      <p:grpSpPr>
+        <a:xfrm>
+          <a:off x="0" y="0"/>
+          <a:ext cx="0" cy="0"/>
+          <a:chOff x="0" y="0"/>
+          <a:chExt cx="0" cy="0"/>
+        </a:xfrm>
+      </p:grpSpPr>
+      <p:sp>
+        <p:nvSpPr>
+          <p:cNvPr id="2" name="Slide Image Placeholder 1"/>
+          <p:cNvSpPr>
+            <a:spLocks noGrp="1" noRot="1" noChangeAspect="1"/>
+          </p:cNvSpPr>
+          <p:nvPr>
+            <p:ph type="sldImg"/>
+          </p:nvPr>
+        </p:nvSpPr>
+        <p:spPr/>
+      </p:sp>
+      <p:sp>
+        <p:nvSpPr>
+          <p:cNvPr id="3" name="Notes Placeholder 2"/>
+          <p:cNvSpPr>
+            <a:spLocks noGrp="1"/>
+          </p:cNvSpPr>
+          <p:nvPr>
+            <p:ph type="body" idx="1"/>
+          </p:nvPr>
+        </p:nvSpPr>
+        <p:spPr/>
+        <p:txBody>
+          <a:bodyPr/>
+          <a:lstStyle/>
+          <a:p>
+            <a:r>
+              <a:rPr lang="en-US" b="1" dirty="0" err="1" smtClean="0"/>
+              <a:t>call'd</a:t>
+            </a:r>
+            <a:r>
+              <a:rPr lang="en-US" b="1" dirty="0" smtClean="0"/>
+              <a:t> </a:t>
+            </a:r>
+            <a:r>
+              <a:rPr lang="en-US" b="1" dirty="0" smtClean="0"/>
+              <a:t>me</a:t>
+            </a:r>
+          </a:p>
+          <a:p>
+            <a:endParaRPr lang="en-US" dirty="0" smtClean="0"/>
+          </a:p>
+          <a:p>
+            <a:pPr marL="0" marR="0" indent="0" algn="l" defTabSz="914400" rtl="0" eaLnBrk="0" fontAlgn="base" latinLnBrk="0" hangingPunct="0">
+              <a:lnSpc>
+                <a:spcPct val="100000"/>
+              </a:lnSpc>
+              <a:spcBef>
+                <a:spcPct val="30000"/>
+              </a:spcBef>
+              <a:spcAft>
+                <a:spcPct val="0"/>
+              </a:spcAft>
+              <a:buClrTx/>
+              <a:buSzTx/>
+              <a:buFontTx/>
+              <a:buNone/>
+              <a:tabLst/>
+              <a:defRPr/>
+            </a:pPr>
+            <a:r>
+              <a:rPr kumimoji="1" lang="en-US" sz="1200" kern="1200" dirty="0" err="1" smtClean="0">
+                <a:solidFill>
+                  <a:schemeClr val="tx1"/>
+                </a:solidFill>
+                <a:effectLst/>
+                <a:latin typeface="Arial" pitchFamily="-65" charset="0"/>
+                <a:ea typeface="ＭＳ Ｐゴシック" pitchFamily="-65" charset="-128"/>
+                <a:cs typeface="ＭＳ Ｐゴシック" pitchFamily="-65" charset="-128"/>
+              </a:rPr>
+              <a:t>wget</a:t>
+            </a:r>
+            <a:r>
+              <a:rPr kumimoji="1" lang="en-US" sz="1200" kern="1200" dirty="0" smtClean="0">
+                <a:solidFill>
+                  <a:schemeClr val="tx1"/>
+                </a:solidFill>
+                <a:effectLst/>
+                <a:latin typeface="Arial" pitchFamily="-65" charset="0"/>
+                <a:ea typeface="ＭＳ Ｐゴシック" pitchFamily="-65" charset="-128"/>
+                <a:cs typeface="ＭＳ Ｐゴシック" pitchFamily="-65" charset="-128"/>
+              </a:rPr>
+              <a:t> http://computational-linguistics-</a:t>
+            </a:r>
+            <a:r>
+              <a:rPr kumimoji="1" lang="en-US" sz="1200" kern="1200" dirty="0" err="1" smtClean="0">
+                <a:solidFill>
+                  <a:schemeClr val="tx1"/>
+                </a:solidFill>
+                <a:effectLst/>
+                <a:latin typeface="Arial" pitchFamily="-65" charset="0"/>
+                <a:ea typeface="ＭＳ Ｐゴシック" pitchFamily="-65" charset="-128"/>
+                <a:cs typeface="ＭＳ Ｐゴシック" pitchFamily="-65" charset="-128"/>
+              </a:rPr>
+              <a:t>class.org</a:t>
+            </a:r>
+            <a:r>
+              <a:rPr kumimoji="1" lang="en-US" sz="1200" kern="1200" dirty="0" smtClean="0">
+                <a:solidFill>
+                  <a:schemeClr val="tx1"/>
+                </a:solidFill>
+                <a:effectLst/>
+                <a:latin typeface="Arial" pitchFamily="-65" charset="0"/>
+                <a:ea typeface="ＭＳ Ｐゴシック" pitchFamily="-65" charset="-128"/>
+                <a:cs typeface="ＭＳ Ｐゴシック" pitchFamily="-65" charset="-128"/>
+              </a:rPr>
+              <a:t>/downloads/hw3/</a:t>
+            </a:r>
+            <a:r>
+              <a:rPr kumimoji="1" lang="en-US" sz="1200" kern="1200" dirty="0" err="1" smtClean="0">
+                <a:solidFill>
+                  <a:schemeClr val="tx1"/>
+                </a:solidFill>
+                <a:effectLst/>
+                <a:latin typeface="Arial" pitchFamily="-65" charset="0"/>
+                <a:ea typeface="ＭＳ Ｐゴシック" pitchFamily="-65" charset="-128"/>
+                <a:cs typeface="ＭＳ Ｐゴシック" pitchFamily="-65" charset="-128"/>
+              </a:rPr>
+              <a:t>will_play_text.csv</a:t>
+            </a:r>
+            <a:endParaRPr kumimoji="1" lang="en-US" sz="1200" kern="1200" dirty="0" smtClean="0">
+              <a:solidFill>
+                <a:schemeClr val="tx1"/>
+              </a:solidFill>
+              <a:effectLst/>
+              <a:latin typeface="Arial" pitchFamily="-65" charset="0"/>
+              <a:ea typeface="ＭＳ Ｐゴシック" pitchFamily="-65" charset="-128"/>
+              <a:cs typeface="ＭＳ Ｐゴシック" pitchFamily="-65" charset="-128"/>
+            </a:endParaRPr>
+          </a:p>
+          <a:p>
+            <a:pPr marL="0" marR="0" indent="0" algn="l" defTabSz="914400" rtl="0" eaLnBrk="0" fontAlgn="base" latinLnBrk="0" hangingPunct="0">
+              <a:lnSpc>
+                <a:spcPct val="100000"/>
+              </a:lnSpc>
+              <a:spcBef>
+                <a:spcPct val="30000"/>
+              </a:spcBef>
+              <a:spcAft>
+                <a:spcPct val="0"/>
+              </a:spcAft>
+              <a:buClrTx/>
+              <a:buSzTx/>
+              <a:buFontTx/>
+              <a:buNone/>
+              <a:tabLst/>
+              <a:defRPr/>
+            </a:pPr>
+            <a:r>
+              <a:rPr kumimoji="1" lang="en-US" sz="1200" kern="1200" dirty="0" smtClean="0">
+                <a:solidFill>
+                  <a:schemeClr val="tx1"/>
+                </a:solidFill>
+                <a:effectLst/>
+                <a:latin typeface="Arial" pitchFamily="-65" charset="0"/>
+                <a:ea typeface="ＭＳ Ｐゴシック" pitchFamily="-65" charset="-128"/>
+                <a:cs typeface="ＭＳ Ｐゴシック" pitchFamily="-65" charset="-128"/>
+              </a:rPr>
+              <a:t>head  </a:t>
+            </a:r>
+            <a:r>
+              <a:rPr kumimoji="1" lang="en-US" sz="1200" kern="1200" dirty="0" err="1" smtClean="0">
+                <a:solidFill>
+                  <a:schemeClr val="tx1"/>
+                </a:solidFill>
+                <a:effectLst/>
+                <a:latin typeface="Arial" pitchFamily="-65" charset="0"/>
+                <a:ea typeface="ＭＳ Ｐゴシック" pitchFamily="-65" charset="-128"/>
+                <a:cs typeface="ＭＳ Ｐゴシック" pitchFamily="-65" charset="-128"/>
+              </a:rPr>
+              <a:t>will_play_text.csv</a:t>
+            </a:r>
+            <a:endParaRPr kumimoji="1" lang="en-US" sz="1200" kern="1200" dirty="0" smtClean="0">
+              <a:solidFill>
+                <a:schemeClr val="tx1"/>
+              </a:solidFill>
+              <a:effectLst/>
+              <a:latin typeface="Arial" pitchFamily="-65" charset="0"/>
+              <a:ea typeface="ＭＳ Ｐゴシック" pitchFamily="-65" charset="-128"/>
+              <a:cs typeface="ＭＳ Ｐゴシック" pitchFamily="-65" charset="-128"/>
+            </a:endParaRPr>
+          </a:p>
+          <a:p>
+            <a:pPr marL="0" marR="0" indent="0" algn="l" defTabSz="914400" rtl="0" eaLnBrk="0" fontAlgn="base" latinLnBrk="0" hangingPunct="0">
+              <a:lnSpc>
+                <a:spcPct val="100000"/>
+              </a:lnSpc>
+              <a:spcBef>
+                <a:spcPct val="30000"/>
+              </a:spcBef>
+              <a:spcAft>
+                <a:spcPct val="0"/>
+              </a:spcAft>
+              <a:buClrTx/>
+              <a:buSzTx/>
+              <a:buFontTx/>
+              <a:buNone/>
+              <a:tabLst/>
+              <a:defRPr/>
+            </a:pPr>
+            <a:r>
+              <a:rPr kumimoji="1" lang="en-US" sz="1200" kern="1200" dirty="0" smtClean="0">
+                <a:solidFill>
+                  <a:schemeClr val="tx1"/>
+                </a:solidFill>
+                <a:effectLst/>
+                <a:latin typeface="Arial" pitchFamily="-65" charset="0"/>
+                <a:ea typeface="ＭＳ Ｐゴシック" pitchFamily="-65" charset="-128"/>
+                <a:cs typeface="ＭＳ Ｐゴシック" pitchFamily="-65" charset="-128"/>
+              </a:rPr>
+              <a:t>cut -f6 -d";" </a:t>
+            </a:r>
+            <a:r>
+              <a:rPr kumimoji="1" lang="en-US" sz="1200" kern="1200" dirty="0" err="1" smtClean="0">
+                <a:solidFill>
+                  <a:schemeClr val="tx1"/>
+                </a:solidFill>
+                <a:effectLst/>
+                <a:latin typeface="Arial" pitchFamily="-65" charset="0"/>
+                <a:ea typeface="ＭＳ Ｐゴシック" pitchFamily="-65" charset="-128"/>
+                <a:cs typeface="ＭＳ Ｐゴシック" pitchFamily="-65" charset="-128"/>
+              </a:rPr>
+              <a:t>will_play_text.csv</a:t>
+            </a:r>
+            <a:r>
+              <a:rPr kumimoji="1" lang="en-US" sz="1200" kern="1200" dirty="0" smtClean="0">
+                <a:solidFill>
+                  <a:schemeClr val="tx1"/>
+                </a:solidFill>
+                <a:effectLst/>
+                <a:latin typeface="Arial" pitchFamily="-65" charset="0"/>
+                <a:ea typeface="ＭＳ Ｐゴシック" pitchFamily="-65" charset="-128"/>
+                <a:cs typeface="ＭＳ Ｐゴシック" pitchFamily="-65" charset="-128"/>
+              </a:rPr>
+              <a:t> | more</a:t>
+            </a:r>
+          </a:p>
+          <a:p>
+            <a:pPr marL="0" marR="0" indent="0" algn="l" defTabSz="914400" rtl="0" eaLnBrk="0" fontAlgn="base" latinLnBrk="0" hangingPunct="0">
+              <a:lnSpc>
+                <a:spcPct val="100000"/>
+              </a:lnSpc>
+              <a:spcBef>
+                <a:spcPct val="30000"/>
+              </a:spcBef>
+              <a:spcAft>
+                <a:spcPct val="0"/>
+              </a:spcAft>
+              <a:buClrTx/>
+              <a:buSzTx/>
+              <a:buFontTx/>
+              <a:buNone/>
+              <a:tabLst/>
+              <a:defRPr/>
+            </a:pPr>
+            <a:r>
+              <a:rPr kumimoji="1" lang="en-US" sz="1200" kern="1200" dirty="0" smtClean="0">
+                <a:solidFill>
+                  <a:schemeClr val="tx1"/>
+                </a:solidFill>
+                <a:effectLst/>
+                <a:latin typeface="Arial" pitchFamily="-65" charset="0"/>
+                <a:ea typeface="ＭＳ Ｐゴシック" pitchFamily="-65" charset="-128"/>
+                <a:cs typeface="ＭＳ Ｐゴシック" pitchFamily="-65" charset="-128"/>
+              </a:rPr>
+              <a:t>cut -f6 -d";" </a:t>
+            </a:r>
+            <a:r>
+              <a:rPr kumimoji="1" lang="en-US" sz="1200" kern="1200" dirty="0" err="1" smtClean="0">
+                <a:solidFill>
+                  <a:schemeClr val="tx1"/>
+                </a:solidFill>
+                <a:effectLst/>
+                <a:latin typeface="Arial" pitchFamily="-65" charset="0"/>
+                <a:ea typeface="ＭＳ Ｐゴシック" pitchFamily="-65" charset="-128"/>
+                <a:cs typeface="ＭＳ Ｐゴシック" pitchFamily="-65" charset="-128"/>
+              </a:rPr>
+              <a:t>will_play_text.csv</a:t>
+            </a:r>
+            <a:r>
+              <a:rPr kumimoji="1" lang="en-US" sz="1200" kern="1200" dirty="0" smtClean="0">
+                <a:solidFill>
+                  <a:schemeClr val="tx1"/>
+                </a:solidFill>
+                <a:effectLst/>
+                <a:latin typeface="Arial" pitchFamily="-65" charset="0"/>
+                <a:ea typeface="ＭＳ Ｐゴシック" pitchFamily="-65" charset="-128"/>
+                <a:cs typeface="ＭＳ Ｐゴシック" pitchFamily="-65" charset="-128"/>
+              </a:rPr>
+              <a:t> | cut -f2 -d'"'  | more</a:t>
+            </a:r>
+          </a:p>
+          <a:p>
+            <a:pPr marL="0" marR="0" indent="0" algn="l" defTabSz="914400" rtl="0" eaLnBrk="0" fontAlgn="base" latinLnBrk="0" hangingPunct="0">
+              <a:lnSpc>
+                <a:spcPct val="100000"/>
+              </a:lnSpc>
+              <a:spcBef>
+                <a:spcPct val="30000"/>
+              </a:spcBef>
+              <a:spcAft>
+                <a:spcPct val="0"/>
+              </a:spcAft>
+              <a:buClrTx/>
+              <a:buSzTx/>
+              <a:buFontTx/>
+              <a:buNone/>
+              <a:tabLst/>
+              <a:defRPr/>
+            </a:pPr>
+            <a:r>
+              <a:rPr kumimoji="1" lang="mr-IN" sz="1200" kern="1200" dirty="0" err="1" smtClean="0">
+                <a:solidFill>
+                  <a:schemeClr val="tx1"/>
+                </a:solidFill>
+                <a:effectLst/>
+                <a:latin typeface="Arial" pitchFamily="-65" charset="0"/>
+                <a:ea typeface="ＭＳ Ｐゴシック" pitchFamily="-65" charset="-128"/>
+                <a:cs typeface="ＭＳ Ｐゴシック" pitchFamily="-65" charset="-128"/>
+              </a:rPr>
+              <a:t>cut</a:t>
+            </a:r>
+            <a:r>
+              <a:rPr kumimoji="1" lang="mr-IN" sz="1200" kern="1200" dirty="0" smtClean="0">
+                <a:solidFill>
+                  <a:schemeClr val="tx1"/>
+                </a:solidFill>
+                <a:effectLst/>
+                <a:latin typeface="Arial" pitchFamily="-65" charset="0"/>
+                <a:ea typeface="ＭＳ Ｐゴシック" pitchFamily="-65" charset="-128"/>
+                <a:cs typeface="ＭＳ Ｐゴシック" pitchFamily="-65" charset="-128"/>
+              </a:rPr>
+              <a:t> -f6 -</a:t>
+            </a:r>
+            <a:r>
+              <a:rPr kumimoji="1" lang="mr-IN" sz="1200" kern="1200" dirty="0" err="1" smtClean="0">
+                <a:solidFill>
+                  <a:schemeClr val="tx1"/>
+                </a:solidFill>
+                <a:effectLst/>
+                <a:latin typeface="Arial" pitchFamily="-65" charset="0"/>
+                <a:ea typeface="ＭＳ Ｐゴシック" pitchFamily="-65" charset="-128"/>
+                <a:cs typeface="ＭＳ Ｐゴシック" pitchFamily="-65" charset="-128"/>
+              </a:rPr>
+              <a:t>d</a:t>
+            </a:r>
+            <a:r>
+              <a:rPr kumimoji="1" lang="mr-IN" sz="1200" kern="1200" dirty="0" smtClean="0">
+                <a:solidFill>
+                  <a:schemeClr val="tx1"/>
+                </a:solidFill>
+                <a:effectLst/>
+                <a:latin typeface="Arial" pitchFamily="-65" charset="0"/>
+                <a:ea typeface="ＭＳ Ｐゴシック" pitchFamily="-65" charset="-128"/>
+                <a:cs typeface="ＭＳ Ｐゴシック" pitchFamily="-65" charset="-128"/>
+              </a:rPr>
+              <a:t>";" </a:t>
+            </a:r>
+            <a:r>
+              <a:rPr kumimoji="1" lang="mr-IN" sz="1200" kern="1200" dirty="0" err="1" smtClean="0">
+                <a:solidFill>
+                  <a:schemeClr val="tx1"/>
+                </a:solidFill>
+                <a:effectLst/>
+                <a:latin typeface="Arial" pitchFamily="-65" charset="0"/>
+                <a:ea typeface="ＭＳ Ｐゴシック" pitchFamily="-65" charset="-128"/>
+                <a:cs typeface="ＭＳ Ｐゴシック" pitchFamily="-65" charset="-128"/>
+              </a:rPr>
+              <a:t>will_play_text.csv</a:t>
+            </a:r>
+            <a:r>
+              <a:rPr kumimoji="1" lang="mr-IN" sz="1200" kern="1200" dirty="0" smtClean="0">
+                <a:solidFill>
+                  <a:schemeClr val="tx1"/>
+                </a:solidFill>
+                <a:effectLst/>
+                <a:latin typeface="Arial" pitchFamily="-65" charset="0"/>
+                <a:ea typeface="ＭＳ Ｐゴシック" pitchFamily="-65" charset="-128"/>
+                <a:cs typeface="ＭＳ Ｐゴシック" pitchFamily="-65" charset="-128"/>
+              </a:rPr>
+              <a:t> | </a:t>
+            </a:r>
+            <a:r>
+              <a:rPr kumimoji="1" lang="mr-IN" sz="1200" kern="1200" dirty="0" err="1" smtClean="0">
+                <a:solidFill>
+                  <a:schemeClr val="tx1"/>
+                </a:solidFill>
+                <a:effectLst/>
+                <a:latin typeface="Arial" pitchFamily="-65" charset="0"/>
+                <a:ea typeface="ＭＳ Ｐゴシック" pitchFamily="-65" charset="-128"/>
+                <a:cs typeface="ＭＳ Ｐゴシック" pitchFamily="-65" charset="-128"/>
+              </a:rPr>
+              <a:t>cut</a:t>
+            </a:r>
+            <a:r>
+              <a:rPr kumimoji="1" lang="mr-IN" sz="1200" kern="1200" dirty="0" smtClean="0">
+                <a:solidFill>
+                  <a:schemeClr val="tx1"/>
+                </a:solidFill>
+                <a:effectLst/>
+                <a:latin typeface="Arial" pitchFamily="-65" charset="0"/>
+                <a:ea typeface="ＭＳ Ｐゴシック" pitchFamily="-65" charset="-128"/>
+                <a:cs typeface="ＭＳ Ｐゴシック" pitchFamily="-65" charset="-128"/>
+              </a:rPr>
+              <a:t> -f2 -</a:t>
+            </a:r>
+            <a:r>
+              <a:rPr kumimoji="1" lang="mr-IN" sz="1200" kern="1200" dirty="0" err="1" smtClean="0">
+                <a:solidFill>
+                  <a:schemeClr val="tx1"/>
+                </a:solidFill>
+                <a:effectLst/>
+                <a:latin typeface="Arial" pitchFamily="-65" charset="0"/>
+                <a:ea typeface="ＭＳ Ｐゴシック" pitchFamily="-65" charset="-128"/>
+                <a:cs typeface="ＭＳ Ｐゴシック" pitchFamily="-65" charset="-128"/>
+              </a:rPr>
+              <a:t>d</a:t>
+            </a:r>
+            <a:r>
+              <a:rPr kumimoji="1" lang="mr-IN" sz="1200" kern="1200" dirty="0" smtClean="0">
+                <a:solidFill>
+                  <a:schemeClr val="tx1"/>
+                </a:solidFill>
+                <a:effectLst/>
+                <a:latin typeface="Arial" pitchFamily="-65" charset="0"/>
+                <a:ea typeface="ＭＳ Ｐゴシック" pitchFamily="-65" charset="-128"/>
+                <a:cs typeface="ＭＳ Ｐゴシック" pitchFamily="-65" charset="-128"/>
+              </a:rPr>
+              <a:t>'"'  | </a:t>
+            </a:r>
+            <a:r>
+              <a:rPr kumimoji="1" lang="mr-IN" sz="1200" kern="1200" dirty="0" err="1" smtClean="0">
+                <a:solidFill>
+                  <a:schemeClr val="tx1"/>
+                </a:solidFill>
+                <a:effectLst/>
+                <a:latin typeface="Arial" pitchFamily="-65" charset="0"/>
+                <a:ea typeface="ＭＳ Ｐゴシック" pitchFamily="-65" charset="-128"/>
+                <a:cs typeface="ＭＳ Ｐゴシック" pitchFamily="-65" charset="-128"/>
+              </a:rPr>
+              <a:t>tr</a:t>
+            </a:r>
+            <a:r>
+              <a:rPr kumimoji="1" lang="mr-IN" sz="1200" kern="1200" dirty="0" smtClean="0">
+                <a:solidFill>
+                  <a:schemeClr val="tx1"/>
+                </a:solidFill>
+                <a:effectLst/>
+                <a:latin typeface="Arial" pitchFamily="-65" charset="0"/>
+                <a:ea typeface="ＭＳ Ｐゴシック" pitchFamily="-65" charset="-128"/>
+                <a:cs typeface="ＭＳ Ｐゴシック" pitchFamily="-65" charset="-128"/>
+              </a:rPr>
+              <a:t> -</a:t>
+            </a:r>
+            <a:r>
+              <a:rPr kumimoji="1" lang="mr-IN" sz="1200" kern="1200" dirty="0" err="1" smtClean="0">
+                <a:solidFill>
+                  <a:schemeClr val="tx1"/>
+                </a:solidFill>
+                <a:effectLst/>
+                <a:latin typeface="Arial" pitchFamily="-65" charset="0"/>
+                <a:ea typeface="ＭＳ Ｐゴシック" pitchFamily="-65" charset="-128"/>
+                <a:cs typeface="ＭＳ Ｐゴシック" pitchFamily="-65" charset="-128"/>
+              </a:rPr>
+              <a:t>sc</a:t>
+            </a:r>
+            <a:r>
+              <a:rPr kumimoji="1" lang="mr-IN" sz="1200" kern="1200" dirty="0" smtClean="0">
+                <a:solidFill>
+                  <a:schemeClr val="tx1"/>
+                </a:solidFill>
+                <a:effectLst/>
+                <a:latin typeface="Arial" pitchFamily="-65" charset="0"/>
+                <a:ea typeface="ＭＳ Ｐゴシック" pitchFamily="-65" charset="-128"/>
+                <a:cs typeface="ＭＳ Ｐゴシック" pitchFamily="-65" charset="-128"/>
+              </a:rPr>
+              <a:t> "</a:t>
+            </a:r>
+            <a:r>
+              <a:rPr kumimoji="1" lang="mr-IN" sz="1200" kern="1200" dirty="0" err="1" smtClean="0">
+                <a:solidFill>
+                  <a:schemeClr val="tx1"/>
+                </a:solidFill>
+                <a:effectLst/>
+                <a:latin typeface="Arial" pitchFamily="-65" charset="0"/>
+                <a:ea typeface="ＭＳ Ｐゴシック" pitchFamily="-65" charset="-128"/>
+                <a:cs typeface="ＭＳ Ｐゴシック" pitchFamily="-65" charset="-128"/>
+              </a:rPr>
+              <a:t>A-Za-z</a:t>
+            </a:r>
+            <a:r>
+              <a:rPr kumimoji="1" lang="mr-IN" sz="1200" kern="1200" dirty="0" smtClean="0">
+                <a:solidFill>
+                  <a:schemeClr val="tx1"/>
+                </a:solidFill>
+                <a:effectLst/>
+                <a:latin typeface="Arial" pitchFamily="-65" charset="0"/>
+                <a:ea typeface="ＭＳ Ｐゴシック" pitchFamily="-65" charset="-128"/>
+                <a:cs typeface="ＭＳ Ｐゴシック" pitchFamily="-65" charset="-128"/>
+              </a:rPr>
+              <a:t>" "\</a:t>
+            </a:r>
+            <a:r>
+              <a:rPr kumimoji="1" lang="mr-IN" sz="1200" kern="1200" dirty="0" err="1" smtClean="0">
+                <a:solidFill>
+                  <a:schemeClr val="tx1"/>
+                </a:solidFill>
+                <a:effectLst/>
+                <a:latin typeface="Arial" pitchFamily="-65" charset="0"/>
+                <a:ea typeface="ＭＳ Ｐゴシック" pitchFamily="-65" charset="-128"/>
+                <a:cs typeface="ＭＳ Ｐゴシック" pitchFamily="-65" charset="-128"/>
+              </a:rPr>
+              <a:t>n</a:t>
+            </a:r>
+            <a:r>
+              <a:rPr kumimoji="1" lang="mr-IN" sz="1200" kern="1200" dirty="0" smtClean="0">
+                <a:solidFill>
+                  <a:schemeClr val="tx1"/>
+                </a:solidFill>
+                <a:effectLst/>
+                <a:latin typeface="Arial" pitchFamily="-65" charset="0"/>
+                <a:ea typeface="ＭＳ Ｐゴシック" pitchFamily="-65" charset="-128"/>
+                <a:cs typeface="ＭＳ Ｐゴシック" pitchFamily="-65" charset="-128"/>
+              </a:rPr>
+              <a:t>" </a:t>
+            </a:r>
+            <a:r>
+              <a:rPr kumimoji="1" lang="en-US" sz="1200" kern="1200" dirty="0" smtClean="0">
+                <a:solidFill>
+                  <a:schemeClr val="tx1"/>
+                </a:solidFill>
+                <a:effectLst/>
+                <a:latin typeface="Arial" pitchFamily="-65" charset="0"/>
+                <a:ea typeface="ＭＳ Ｐゴシック" pitchFamily="-65" charset="-128"/>
+                <a:cs typeface="ＭＳ Ｐゴシック" pitchFamily="-65" charset="-128"/>
+              </a:rPr>
+              <a:t>|</a:t>
+            </a:r>
+            <a:r>
+              <a:rPr kumimoji="1" lang="en-US" sz="1200" kern="1200" baseline="0" dirty="0" smtClean="0">
+                <a:solidFill>
+                  <a:schemeClr val="tx1"/>
+                </a:solidFill>
+                <a:effectLst/>
+                <a:latin typeface="Arial" pitchFamily="-65" charset="0"/>
+                <a:ea typeface="ＭＳ Ｐゴシック" pitchFamily="-65" charset="-128"/>
+                <a:cs typeface="ＭＳ Ｐゴシック" pitchFamily="-65" charset="-128"/>
+              </a:rPr>
+              <a:t> more</a:t>
+            </a:r>
+          </a:p>
+          <a:p>
+            <a:r>
+              <a:rPr kumimoji="1" lang="en-US" sz="1200" kern="1200" dirty="0" smtClean="0">
+                <a:solidFill>
+                  <a:schemeClr val="tx1"/>
+                </a:solidFill>
+                <a:effectLst/>
+                <a:latin typeface="Arial" pitchFamily="-65" charset="0"/>
+                <a:ea typeface="ＭＳ Ｐゴシック" pitchFamily="-65" charset="-128"/>
+                <a:cs typeface="ＭＳ Ｐゴシック" pitchFamily="-65" charset="-128"/>
+              </a:rPr>
+              <a:t>cut -f6 -d";" </a:t>
+            </a:r>
+            <a:r>
+              <a:rPr kumimoji="1" lang="en-US" sz="1200" kern="1200" dirty="0" err="1" smtClean="0">
+                <a:solidFill>
+                  <a:schemeClr val="tx1"/>
+                </a:solidFill>
+                <a:effectLst/>
+                <a:latin typeface="Arial" pitchFamily="-65" charset="0"/>
+                <a:ea typeface="ＭＳ Ｐゴシック" pitchFamily="-65" charset="-128"/>
+                <a:cs typeface="ＭＳ Ｐゴシック" pitchFamily="-65" charset="-128"/>
+              </a:rPr>
+              <a:t>will_play_text.csv</a:t>
+            </a:r>
+            <a:r>
+              <a:rPr kumimoji="1" lang="en-US" sz="1200" kern="1200" dirty="0" smtClean="0">
+                <a:solidFill>
+                  <a:schemeClr val="tx1"/>
+                </a:solidFill>
+                <a:effectLst/>
+                <a:latin typeface="Arial" pitchFamily="-65" charset="0"/>
+                <a:ea typeface="ＭＳ Ｐゴシック" pitchFamily="-65" charset="-128"/>
+                <a:cs typeface="ＭＳ Ｐゴシック" pitchFamily="-65" charset="-128"/>
+              </a:rPr>
+              <a:t> | cut -f2 -d' | </a:t>
+            </a:r>
+            <a:r>
+              <a:rPr kumimoji="1" lang="en-US" sz="1200" kern="1200" dirty="0" err="1" smtClean="0">
+                <a:solidFill>
+                  <a:schemeClr val="tx1"/>
+                </a:solidFill>
+                <a:effectLst/>
+                <a:latin typeface="Arial" pitchFamily="-65" charset="0"/>
+                <a:ea typeface="ＭＳ Ｐゴシック" pitchFamily="-65" charset="-128"/>
+                <a:cs typeface="ＭＳ Ｐゴシック" pitchFamily="-65" charset="-128"/>
+              </a:rPr>
+              <a:t>tr</a:t>
+            </a:r>
+            <a:r>
+              <a:rPr kumimoji="1" lang="en-US" sz="1200" kern="1200" dirty="0" smtClean="0">
+                <a:solidFill>
+                  <a:schemeClr val="tx1"/>
+                </a:solidFill>
+                <a:effectLst/>
+                <a:latin typeface="Arial" pitchFamily="-65" charset="0"/>
+                <a:ea typeface="ＭＳ Ｐゴシック" pitchFamily="-65" charset="-128"/>
+                <a:cs typeface="ＭＳ Ｐゴシック" pitchFamily="-65" charset="-128"/>
+              </a:rPr>
+              <a:t> -</a:t>
+            </a:r>
+            <a:r>
+              <a:rPr kumimoji="1" lang="en-US" sz="1200" kern="1200" dirty="0" err="1" smtClean="0">
+                <a:solidFill>
+                  <a:schemeClr val="tx1"/>
+                </a:solidFill>
+                <a:effectLst/>
+                <a:latin typeface="Arial" pitchFamily="-65" charset="0"/>
+                <a:ea typeface="ＭＳ Ｐゴシック" pitchFamily="-65" charset="-128"/>
+                <a:cs typeface="ＭＳ Ｐゴシック" pitchFamily="-65" charset="-128"/>
+              </a:rPr>
+              <a:t>sc</a:t>
+            </a:r>
+            <a:r>
+              <a:rPr kumimoji="1" lang="en-US" sz="1200" kern="1200" dirty="0" smtClean="0">
+                <a:solidFill>
+                  <a:schemeClr val="tx1"/>
+                </a:solidFill>
+                <a:effectLst/>
+                <a:latin typeface="Arial" pitchFamily="-65" charset="0"/>
+                <a:ea typeface="ＭＳ Ｐゴシック" pitchFamily="-65" charset="-128"/>
+                <a:cs typeface="ＭＳ Ｐゴシック" pitchFamily="-65" charset="-128"/>
+              </a:rPr>
+              <a:t> "A-</a:t>
+            </a:r>
+            <a:r>
+              <a:rPr kumimoji="1" lang="en-US" sz="1200" kern="1200" dirty="0" err="1" smtClean="0">
+                <a:solidFill>
+                  <a:schemeClr val="tx1"/>
+                </a:solidFill>
+                <a:effectLst/>
+                <a:latin typeface="Arial" pitchFamily="-65" charset="0"/>
+                <a:ea typeface="ＭＳ Ｐゴシック" pitchFamily="-65" charset="-128"/>
+                <a:cs typeface="ＭＳ Ｐゴシック" pitchFamily="-65" charset="-128"/>
+              </a:rPr>
+              <a:t>Za</a:t>
+            </a:r>
+            <a:r>
+              <a:rPr kumimoji="1" lang="en-US" sz="1200" kern="1200" dirty="0" smtClean="0">
+                <a:solidFill>
+                  <a:schemeClr val="tx1"/>
+                </a:solidFill>
+                <a:effectLst/>
+                <a:latin typeface="Arial" pitchFamily="-65" charset="0"/>
+                <a:ea typeface="ＭＳ Ｐゴシック" pitchFamily="-65" charset="-128"/>
+                <a:cs typeface="ＭＳ Ｐゴシック" pitchFamily="-65" charset="-128"/>
+              </a:rPr>
+              <a:t>-z" "\n" | sort | </a:t>
+            </a:r>
+            <a:r>
+              <a:rPr kumimoji="1" lang="en-US" sz="1200" kern="1200" dirty="0" err="1" smtClean="0">
+                <a:solidFill>
+                  <a:schemeClr val="tx1"/>
+                </a:solidFill>
+                <a:effectLst/>
+                <a:latin typeface="Arial" pitchFamily="-65" charset="0"/>
+                <a:ea typeface="ＭＳ Ｐゴシック" pitchFamily="-65" charset="-128"/>
+                <a:cs typeface="ＭＳ Ｐゴシック" pitchFamily="-65" charset="-128"/>
+              </a:rPr>
+              <a:t>uniq</a:t>
+            </a:r>
+            <a:r>
+              <a:rPr kumimoji="1" lang="en-US" sz="1200" kern="1200" dirty="0" smtClean="0">
+                <a:solidFill>
+                  <a:schemeClr val="tx1"/>
+                </a:solidFill>
+                <a:effectLst/>
+                <a:latin typeface="Arial" pitchFamily="-65" charset="0"/>
+                <a:ea typeface="ＭＳ Ｐゴシック" pitchFamily="-65" charset="-128"/>
+                <a:cs typeface="ＭＳ Ｐゴシック" pitchFamily="-65" charset="-128"/>
+              </a:rPr>
+              <a:t> | more</a:t>
+            </a:r>
+          </a:p>
+          <a:p>
+            <a:pPr marL="0" marR="0" indent="0" algn="l" defTabSz="914400" rtl="0" eaLnBrk="0" fontAlgn="base" latinLnBrk="0" hangingPunct="0">
+              <a:lnSpc>
+                <a:spcPct val="100000"/>
+              </a:lnSpc>
+              <a:spcBef>
+                <a:spcPct val="30000"/>
+              </a:spcBef>
+              <a:spcAft>
+                <a:spcPct val="0"/>
+              </a:spcAft>
+              <a:buClrTx/>
+              <a:buSzTx/>
+              <a:buFontTx/>
+              <a:buNone/>
+              <a:tabLst/>
+              <a:defRPr/>
+            </a:pPr>
+            <a:r>
+              <a:rPr kumimoji="1" lang="hr-HR" sz="1200" kern="1200" dirty="0" err="1" smtClean="0">
+                <a:solidFill>
+                  <a:schemeClr val="tx1"/>
+                </a:solidFill>
+                <a:effectLst/>
+                <a:latin typeface="Arial" pitchFamily="-65" charset="0"/>
+                <a:ea typeface="ＭＳ Ｐゴシック" pitchFamily="-65" charset="-128"/>
+                <a:cs typeface="ＭＳ Ｐゴシック" pitchFamily="-65" charset="-128"/>
+              </a:rPr>
+              <a:t>cut</a:t>
+            </a:r>
+            <a:r>
+              <a:rPr kumimoji="1" lang="hr-HR" sz="1200" kern="1200" dirty="0" smtClean="0">
+                <a:solidFill>
+                  <a:schemeClr val="tx1"/>
+                </a:solidFill>
+                <a:effectLst/>
+                <a:latin typeface="Arial" pitchFamily="-65" charset="0"/>
+                <a:ea typeface="ＭＳ Ｐゴシック" pitchFamily="-65" charset="-128"/>
+                <a:cs typeface="ＭＳ Ｐゴシック" pitchFamily="-65" charset="-128"/>
+              </a:rPr>
+              <a:t> -f6 -d";" </a:t>
+            </a:r>
+            <a:r>
+              <a:rPr kumimoji="1" lang="hr-HR" sz="1200" kern="1200" dirty="0" err="1" smtClean="0">
+                <a:solidFill>
+                  <a:schemeClr val="tx1"/>
+                </a:solidFill>
+                <a:effectLst/>
+                <a:latin typeface="Arial" pitchFamily="-65" charset="0"/>
+                <a:ea typeface="ＭＳ Ｐゴシック" pitchFamily="-65" charset="-128"/>
+                <a:cs typeface="ＭＳ Ｐゴシック" pitchFamily="-65" charset="-128"/>
+              </a:rPr>
+              <a:t>will_play_text.csv</a:t>
+            </a:r>
+            <a:r>
+              <a:rPr kumimoji="1" lang="hr-HR" sz="1200" kern="1200" dirty="0" smtClean="0">
+                <a:solidFill>
+                  <a:schemeClr val="tx1"/>
+                </a:solidFill>
+                <a:effectLst/>
+                <a:latin typeface="Arial" pitchFamily="-65" charset="0"/>
+                <a:ea typeface="ＭＳ Ｐゴシック" pitchFamily="-65" charset="-128"/>
+                <a:cs typeface="ＭＳ Ｐゴシック" pitchFamily="-65" charset="-128"/>
+              </a:rPr>
+              <a:t> | </a:t>
+            </a:r>
+            <a:r>
+              <a:rPr kumimoji="1" lang="hr-HR" sz="1200" kern="1200" dirty="0" err="1" smtClean="0">
+                <a:solidFill>
+                  <a:schemeClr val="tx1"/>
+                </a:solidFill>
+                <a:effectLst/>
+                <a:latin typeface="Arial" pitchFamily="-65" charset="0"/>
+                <a:ea typeface="ＭＳ Ｐゴシック" pitchFamily="-65" charset="-128"/>
+                <a:cs typeface="ＭＳ Ｐゴシック" pitchFamily="-65" charset="-128"/>
+              </a:rPr>
+              <a:t>cut</a:t>
+            </a:r>
+            <a:r>
+              <a:rPr kumimoji="1" lang="hr-HR" sz="1200" kern="1200" dirty="0" smtClean="0">
+                <a:solidFill>
+                  <a:schemeClr val="tx1"/>
+                </a:solidFill>
+                <a:effectLst/>
+                <a:latin typeface="Arial" pitchFamily="-65" charset="0"/>
+                <a:ea typeface="ＭＳ Ｐゴシック" pitchFamily="-65" charset="-128"/>
+                <a:cs typeface="ＭＳ Ｐゴシック" pitchFamily="-65" charset="-128"/>
+              </a:rPr>
+              <a:t> -f2 -d'"' | </a:t>
+            </a:r>
+            <a:r>
+              <a:rPr kumimoji="1" lang="hr-HR" sz="1200" kern="1200" dirty="0" err="1" smtClean="0">
+                <a:solidFill>
+                  <a:schemeClr val="tx1"/>
+                </a:solidFill>
+                <a:effectLst/>
+                <a:latin typeface="Arial" pitchFamily="-65" charset="0"/>
+                <a:ea typeface="ＭＳ Ｐゴシック" pitchFamily="-65" charset="-128"/>
+                <a:cs typeface="ＭＳ Ｐゴシック" pitchFamily="-65" charset="-128"/>
+              </a:rPr>
+              <a:t>tr</a:t>
+            </a:r>
+            <a:r>
+              <a:rPr kumimoji="1" lang="hr-HR" sz="1200" kern="1200" dirty="0" smtClean="0">
+                <a:solidFill>
+                  <a:schemeClr val="tx1"/>
+                </a:solidFill>
+                <a:effectLst/>
+                <a:latin typeface="Arial" pitchFamily="-65" charset="0"/>
+                <a:ea typeface="ＭＳ Ｐゴシック" pitchFamily="-65" charset="-128"/>
+                <a:cs typeface="ＭＳ Ｐゴシック" pitchFamily="-65" charset="-128"/>
+              </a:rPr>
+              <a:t> -</a:t>
+            </a:r>
+            <a:r>
+              <a:rPr kumimoji="1" lang="hr-HR" sz="1200" kern="1200" dirty="0" err="1" smtClean="0">
+                <a:solidFill>
+                  <a:schemeClr val="tx1"/>
+                </a:solidFill>
+                <a:effectLst/>
+                <a:latin typeface="Arial" pitchFamily="-65" charset="0"/>
+                <a:ea typeface="ＭＳ Ｐゴシック" pitchFamily="-65" charset="-128"/>
+                <a:cs typeface="ＭＳ Ｐゴシック" pitchFamily="-65" charset="-128"/>
+              </a:rPr>
+              <a:t>sc</a:t>
+            </a:r>
+            <a:r>
+              <a:rPr kumimoji="1" lang="hr-HR" sz="1200" kern="1200" dirty="0" smtClean="0">
+                <a:solidFill>
+                  <a:schemeClr val="tx1"/>
+                </a:solidFill>
+                <a:effectLst/>
+                <a:latin typeface="Arial" pitchFamily="-65" charset="0"/>
+                <a:ea typeface="ＭＳ Ｐゴシック" pitchFamily="-65" charset="-128"/>
+                <a:cs typeface="ＭＳ Ｐゴシック" pitchFamily="-65" charset="-128"/>
+              </a:rPr>
+              <a:t> "A-Za-z" "\n" | </a:t>
+            </a:r>
+            <a:r>
+              <a:rPr kumimoji="1" lang="hr-HR" sz="1200" kern="1200" dirty="0" err="1" smtClean="0">
+                <a:solidFill>
+                  <a:schemeClr val="tx1"/>
+                </a:solidFill>
+                <a:effectLst/>
+                <a:latin typeface="Arial" pitchFamily="-65" charset="0"/>
+                <a:ea typeface="ＭＳ Ｐゴシック" pitchFamily="-65" charset="-128"/>
+                <a:cs typeface="ＭＳ Ｐゴシック" pitchFamily="-65" charset="-128"/>
+              </a:rPr>
+              <a:t>sort</a:t>
+            </a:r>
+            <a:r>
+              <a:rPr kumimoji="1" lang="hr-HR" sz="1200" kern="1200" dirty="0" smtClean="0">
+                <a:solidFill>
+                  <a:schemeClr val="tx1"/>
+                </a:solidFill>
+                <a:effectLst/>
+                <a:latin typeface="Arial" pitchFamily="-65" charset="0"/>
+                <a:ea typeface="ＭＳ Ｐゴシック" pitchFamily="-65" charset="-128"/>
+                <a:cs typeface="ＭＳ Ｐゴシック" pitchFamily="-65" charset="-128"/>
+              </a:rPr>
+              <a:t> | </a:t>
+            </a:r>
+            <a:r>
+              <a:rPr kumimoji="1" lang="hr-HR" sz="1200" kern="1200" dirty="0" err="1" smtClean="0">
+                <a:solidFill>
+                  <a:schemeClr val="tx1"/>
+                </a:solidFill>
+                <a:effectLst/>
+                <a:latin typeface="Arial" pitchFamily="-65" charset="0"/>
+                <a:ea typeface="ＭＳ Ｐゴシック" pitchFamily="-65" charset="-128"/>
+                <a:cs typeface="ＭＳ Ｐゴシック" pitchFamily="-65" charset="-128"/>
+              </a:rPr>
+              <a:t>uniq</a:t>
+            </a:r>
+            <a:r>
+              <a:rPr kumimoji="1" lang="hr-HR" sz="1200" kern="1200" dirty="0" smtClean="0">
+                <a:solidFill>
+                  <a:schemeClr val="tx1"/>
+                </a:solidFill>
+                <a:effectLst/>
+                <a:latin typeface="Arial" pitchFamily="-65" charset="0"/>
+                <a:ea typeface="ＭＳ Ｐゴシック" pitchFamily="-65" charset="-128"/>
+                <a:cs typeface="ＭＳ Ｐゴシック" pitchFamily="-65" charset="-128"/>
+              </a:rPr>
+              <a:t> -c | </a:t>
+            </a:r>
+            <a:r>
+              <a:rPr kumimoji="1" lang="hr-HR" sz="1200" kern="1200" dirty="0" err="1" smtClean="0">
+                <a:solidFill>
+                  <a:schemeClr val="tx1"/>
+                </a:solidFill>
+                <a:effectLst/>
+                <a:latin typeface="Arial" pitchFamily="-65" charset="0"/>
+                <a:ea typeface="ＭＳ Ｐゴシック" pitchFamily="-65" charset="-128"/>
+                <a:cs typeface="ＭＳ Ｐゴシック" pitchFamily="-65" charset="-128"/>
+              </a:rPr>
+              <a:t>sort</a:t>
+            </a:r>
+            <a:r>
+              <a:rPr kumimoji="1" lang="hr-HR" sz="1200" kern="1200" dirty="0" smtClean="0">
+                <a:solidFill>
+                  <a:schemeClr val="tx1"/>
+                </a:solidFill>
+                <a:effectLst/>
+                <a:latin typeface="Arial" pitchFamily="-65" charset="0"/>
+                <a:ea typeface="ＭＳ Ｐゴシック" pitchFamily="-65" charset="-128"/>
+                <a:cs typeface="ＭＳ Ｐゴシック" pitchFamily="-65" charset="-128"/>
+              </a:rPr>
+              <a:t> -</a:t>
+            </a:r>
+            <a:r>
+              <a:rPr kumimoji="1" lang="hr-HR" sz="1200" kern="1200" dirty="0" err="1" smtClean="0">
+                <a:solidFill>
+                  <a:schemeClr val="tx1"/>
+                </a:solidFill>
+                <a:effectLst/>
+                <a:latin typeface="Arial" pitchFamily="-65" charset="0"/>
+                <a:ea typeface="ＭＳ Ｐゴシック" pitchFamily="-65" charset="-128"/>
+                <a:cs typeface="ＭＳ Ｐゴシック" pitchFamily="-65" charset="-128"/>
+              </a:rPr>
+              <a:t>nr</a:t>
+            </a:r>
+            <a:r>
+              <a:rPr kumimoji="1" lang="hr-HR" sz="1200" kern="1200" dirty="0" smtClean="0">
+                <a:solidFill>
+                  <a:schemeClr val="tx1"/>
+                </a:solidFill>
+                <a:effectLst/>
+                <a:latin typeface="Arial" pitchFamily="-65" charset="0"/>
+                <a:ea typeface="ＭＳ Ｐゴシック" pitchFamily="-65" charset="-128"/>
+                <a:cs typeface="ＭＳ Ｐゴシック" pitchFamily="-65" charset="-128"/>
+              </a:rPr>
+              <a:t> | more</a:t>
+            </a:r>
+          </a:p>
+          <a:p>
+            <a:pPr marL="0" marR="0" indent="0" algn="l" defTabSz="914400" rtl="0" eaLnBrk="0" fontAlgn="base" latinLnBrk="0" hangingPunct="0">
+              <a:lnSpc>
+                <a:spcPct val="100000"/>
+              </a:lnSpc>
+              <a:spcBef>
+                <a:spcPct val="30000"/>
+              </a:spcBef>
+              <a:spcAft>
+                <a:spcPct val="0"/>
+              </a:spcAft>
+              <a:buClrTx/>
+              <a:buSzTx/>
+              <a:buFontTx/>
+              <a:buNone/>
+              <a:tabLst/>
+              <a:defRPr/>
+            </a:pPr>
+            <a:r>
+              <a:rPr kumimoji="1" lang="hr-HR" sz="1200" kern="1200" dirty="0" err="1" smtClean="0">
+                <a:solidFill>
+                  <a:schemeClr val="tx1"/>
+                </a:solidFill>
+                <a:effectLst/>
+                <a:latin typeface="Arial" pitchFamily="-65" charset="0"/>
+                <a:ea typeface="ＭＳ Ｐゴシック" pitchFamily="-65" charset="-128"/>
+                <a:cs typeface="ＭＳ Ｐゴシック" pitchFamily="-65" charset="-128"/>
+              </a:rPr>
+              <a:t>cut</a:t>
+            </a:r>
+            <a:r>
+              <a:rPr kumimoji="1" lang="hr-HR" sz="1200" kern="1200" dirty="0" smtClean="0">
+                <a:solidFill>
+                  <a:schemeClr val="tx1"/>
+                </a:solidFill>
+                <a:effectLst/>
+                <a:latin typeface="Arial" pitchFamily="-65" charset="0"/>
+                <a:ea typeface="ＭＳ Ｐゴシック" pitchFamily="-65" charset="-128"/>
+                <a:cs typeface="ＭＳ Ｐゴシック" pitchFamily="-65" charset="-128"/>
+              </a:rPr>
+              <a:t> -f6 -d";" </a:t>
+            </a:r>
+            <a:r>
+              <a:rPr kumimoji="1" lang="hr-HR" sz="1200" kern="1200" dirty="0" err="1" smtClean="0">
+                <a:solidFill>
+                  <a:schemeClr val="tx1"/>
+                </a:solidFill>
+                <a:effectLst/>
+                <a:latin typeface="Arial" pitchFamily="-65" charset="0"/>
+                <a:ea typeface="ＭＳ Ｐゴシック" pitchFamily="-65" charset="-128"/>
+                <a:cs typeface="ＭＳ Ｐゴシック" pitchFamily="-65" charset="-128"/>
+              </a:rPr>
+              <a:t>will_play_text.csv</a:t>
+            </a:r>
+            <a:r>
+              <a:rPr kumimoji="1" lang="hr-HR" sz="1200" kern="1200" dirty="0" smtClean="0">
+                <a:solidFill>
+                  <a:schemeClr val="tx1"/>
+                </a:solidFill>
+                <a:effectLst/>
+                <a:latin typeface="Arial" pitchFamily="-65" charset="0"/>
+                <a:ea typeface="ＭＳ Ｐゴシック" pitchFamily="-65" charset="-128"/>
+                <a:cs typeface="ＭＳ Ｐゴシック" pitchFamily="-65" charset="-128"/>
+              </a:rPr>
+              <a:t> | </a:t>
+            </a:r>
+            <a:r>
+              <a:rPr kumimoji="1" lang="hr-HR" sz="1200" kern="1200" dirty="0" err="1" smtClean="0">
+                <a:solidFill>
+                  <a:schemeClr val="tx1"/>
+                </a:solidFill>
+                <a:effectLst/>
+                <a:latin typeface="Arial" pitchFamily="-65" charset="0"/>
+                <a:ea typeface="ＭＳ Ｐゴシック" pitchFamily="-65" charset="-128"/>
+                <a:cs typeface="ＭＳ Ｐゴシック" pitchFamily="-65" charset="-128"/>
+              </a:rPr>
+              <a:t>cut</a:t>
+            </a:r>
+            <a:r>
+              <a:rPr kumimoji="1" lang="hr-HR" sz="1200" kern="1200" dirty="0" smtClean="0">
+                <a:solidFill>
+                  <a:schemeClr val="tx1"/>
+                </a:solidFill>
+                <a:effectLst/>
+                <a:latin typeface="Arial" pitchFamily="-65" charset="0"/>
+                <a:ea typeface="ＭＳ Ｐゴシック" pitchFamily="-65" charset="-128"/>
+                <a:cs typeface="ＭＳ Ｐゴシック" pitchFamily="-65" charset="-128"/>
+              </a:rPr>
+              <a:t> -f2 -d'"' | </a:t>
+            </a:r>
+            <a:r>
+              <a:rPr kumimoji="1" lang="hr-HR" sz="1200" kern="1200" dirty="0" err="1" smtClean="0">
+                <a:solidFill>
+                  <a:schemeClr val="tx1"/>
+                </a:solidFill>
+                <a:effectLst/>
+                <a:latin typeface="Arial" pitchFamily="-65" charset="0"/>
+                <a:ea typeface="ＭＳ Ｐゴシック" pitchFamily="-65" charset="-128"/>
+                <a:cs typeface="ＭＳ Ｐゴシック" pitchFamily="-65" charset="-128"/>
+              </a:rPr>
+              <a:t>tr</a:t>
+            </a:r>
+            <a:r>
+              <a:rPr kumimoji="1" lang="hr-HR" sz="1200" kern="1200" dirty="0" smtClean="0">
+                <a:solidFill>
+                  <a:schemeClr val="tx1"/>
+                </a:solidFill>
+                <a:effectLst/>
+                <a:latin typeface="Arial" pitchFamily="-65" charset="0"/>
+                <a:ea typeface="ＭＳ Ｐゴシック" pitchFamily="-65" charset="-128"/>
+                <a:cs typeface="ＭＳ Ｐゴシック" pitchFamily="-65" charset="-128"/>
+              </a:rPr>
+              <a:t> -</a:t>
+            </a:r>
+            <a:r>
+              <a:rPr kumimoji="1" lang="hr-HR" sz="1200" kern="1200" dirty="0" err="1" smtClean="0">
+                <a:solidFill>
+                  <a:schemeClr val="tx1"/>
+                </a:solidFill>
+                <a:effectLst/>
+                <a:latin typeface="Arial" pitchFamily="-65" charset="0"/>
+                <a:ea typeface="ＭＳ Ｐゴシック" pitchFamily="-65" charset="-128"/>
+                <a:cs typeface="ＭＳ Ｐゴシック" pitchFamily="-65" charset="-128"/>
+              </a:rPr>
+              <a:t>sc</a:t>
+            </a:r>
+            <a:r>
+              <a:rPr kumimoji="1" lang="hr-HR" sz="1200" kern="1200" dirty="0" smtClean="0">
+                <a:solidFill>
+                  <a:schemeClr val="tx1"/>
+                </a:solidFill>
+                <a:effectLst/>
+                <a:latin typeface="Arial" pitchFamily="-65" charset="0"/>
+                <a:ea typeface="ＭＳ Ｐゴシック" pitchFamily="-65" charset="-128"/>
+                <a:cs typeface="ＭＳ Ｐゴシック" pitchFamily="-65" charset="-128"/>
+              </a:rPr>
+              <a:t> "A-Za-z" "\n" | </a:t>
+            </a:r>
+            <a:r>
+              <a:rPr kumimoji="1" lang="hr-HR" sz="1200" kern="1200" dirty="0" err="1" smtClean="0">
+                <a:solidFill>
+                  <a:schemeClr val="tx1"/>
+                </a:solidFill>
+                <a:effectLst/>
+                <a:latin typeface="Arial" pitchFamily="-65" charset="0"/>
+                <a:ea typeface="ＭＳ Ｐゴシック" pitchFamily="-65" charset="-128"/>
+                <a:cs typeface="ＭＳ Ｐゴシック" pitchFamily="-65" charset="-128"/>
+              </a:rPr>
+              <a:t>tr</a:t>
+            </a:r>
+            <a:r>
+              <a:rPr kumimoji="1" lang="hr-HR" sz="1200" kern="1200" dirty="0" smtClean="0">
+                <a:solidFill>
+                  <a:schemeClr val="tx1"/>
+                </a:solidFill>
+                <a:effectLst/>
+                <a:latin typeface="Arial" pitchFamily="-65" charset="0"/>
+                <a:ea typeface="ＭＳ Ｐゴシック" pitchFamily="-65" charset="-128"/>
+                <a:cs typeface="ＭＳ Ｐゴシック" pitchFamily="-65" charset="-128"/>
+              </a:rPr>
+              <a:t>  "A-Z" "a-z" | </a:t>
+            </a:r>
+            <a:r>
+              <a:rPr kumimoji="1" lang="hr-HR" sz="1200" kern="1200" dirty="0" err="1" smtClean="0">
+                <a:solidFill>
+                  <a:schemeClr val="tx1"/>
+                </a:solidFill>
+                <a:effectLst/>
+                <a:latin typeface="Arial" pitchFamily="-65" charset="0"/>
+                <a:ea typeface="ＭＳ Ｐゴシック" pitchFamily="-65" charset="-128"/>
+                <a:cs typeface="ＭＳ Ｐゴシック" pitchFamily="-65" charset="-128"/>
+              </a:rPr>
+              <a:t>sort</a:t>
+            </a:r>
+            <a:r>
+              <a:rPr kumimoji="1" lang="hr-HR" sz="1200" kern="1200" dirty="0" smtClean="0">
+                <a:solidFill>
+                  <a:schemeClr val="tx1"/>
+                </a:solidFill>
+                <a:effectLst/>
+                <a:latin typeface="Arial" pitchFamily="-65" charset="0"/>
+                <a:ea typeface="ＭＳ Ｐゴシック" pitchFamily="-65" charset="-128"/>
+                <a:cs typeface="ＭＳ Ｐゴシック" pitchFamily="-65" charset="-128"/>
+              </a:rPr>
+              <a:t> | </a:t>
+            </a:r>
+            <a:r>
+              <a:rPr kumimoji="1" lang="hr-HR" sz="1200" kern="1200" dirty="0" err="1" smtClean="0">
+                <a:solidFill>
+                  <a:schemeClr val="tx1"/>
+                </a:solidFill>
+                <a:effectLst/>
+                <a:latin typeface="Arial" pitchFamily="-65" charset="0"/>
+                <a:ea typeface="ＭＳ Ｐゴシック" pitchFamily="-65" charset="-128"/>
+                <a:cs typeface="ＭＳ Ｐゴシック" pitchFamily="-65" charset="-128"/>
+              </a:rPr>
+              <a:t>uniq</a:t>
+            </a:r>
+            <a:r>
+              <a:rPr kumimoji="1" lang="hr-HR" sz="1200" kern="1200" dirty="0" smtClean="0">
+                <a:solidFill>
+                  <a:schemeClr val="tx1"/>
+                </a:solidFill>
+                <a:effectLst/>
+                <a:latin typeface="Arial" pitchFamily="-65" charset="0"/>
+                <a:ea typeface="ＭＳ Ｐゴシック" pitchFamily="-65" charset="-128"/>
+                <a:cs typeface="ＭＳ Ｐゴシック" pitchFamily="-65" charset="-128"/>
+              </a:rPr>
+              <a:t> -c | </a:t>
+            </a:r>
+            <a:r>
+              <a:rPr kumimoji="1" lang="hr-HR" sz="1200" kern="1200" dirty="0" err="1" smtClean="0">
+                <a:solidFill>
+                  <a:schemeClr val="tx1"/>
+                </a:solidFill>
+                <a:effectLst/>
+                <a:latin typeface="Arial" pitchFamily="-65" charset="0"/>
+                <a:ea typeface="ＭＳ Ｐゴシック" pitchFamily="-65" charset="-128"/>
+                <a:cs typeface="ＭＳ Ｐゴシック" pitchFamily="-65" charset="-128"/>
+              </a:rPr>
+              <a:t>sort</a:t>
+            </a:r>
+            <a:r>
+              <a:rPr kumimoji="1" lang="hr-HR" sz="1200" kern="1200" dirty="0" smtClean="0">
+                <a:solidFill>
+                  <a:schemeClr val="tx1"/>
+                </a:solidFill>
+                <a:effectLst/>
+                <a:latin typeface="Arial" pitchFamily="-65" charset="0"/>
+                <a:ea typeface="ＭＳ Ｐゴシック" pitchFamily="-65" charset="-128"/>
+                <a:cs typeface="ＭＳ Ｐゴシック" pitchFamily="-65" charset="-128"/>
+              </a:rPr>
+              <a:t> -</a:t>
+            </a:r>
+            <a:r>
+              <a:rPr kumimoji="1" lang="hr-HR" sz="1200" kern="1200" dirty="0" err="1" smtClean="0">
+                <a:solidFill>
+                  <a:schemeClr val="tx1"/>
+                </a:solidFill>
+                <a:effectLst/>
+                <a:latin typeface="Arial" pitchFamily="-65" charset="0"/>
+                <a:ea typeface="ＭＳ Ｐゴシック" pitchFamily="-65" charset="-128"/>
+                <a:cs typeface="ＭＳ Ｐゴシック" pitchFamily="-65" charset="-128"/>
+              </a:rPr>
+              <a:t>nr</a:t>
+            </a:r>
+            <a:r>
+              <a:rPr kumimoji="1" lang="hr-HR" sz="1200" kern="1200" dirty="0" smtClean="0">
+                <a:solidFill>
+                  <a:schemeClr val="tx1"/>
+                </a:solidFill>
+                <a:effectLst/>
+                <a:latin typeface="Arial" pitchFamily="-65" charset="0"/>
+                <a:ea typeface="ＭＳ Ｐゴシック" pitchFamily="-65" charset="-128"/>
+                <a:cs typeface="ＭＳ Ｐゴシック" pitchFamily="-65" charset="-128"/>
+              </a:rPr>
+              <a:t> | more</a:t>
+            </a:r>
+          </a:p>
+          <a:p>
+            <a:pPr marL="0" marR="0" indent="0" algn="l" defTabSz="914400" rtl="0" eaLnBrk="0" fontAlgn="base" latinLnBrk="0" hangingPunct="0">
+              <a:lnSpc>
+                <a:spcPct val="100000"/>
+              </a:lnSpc>
+              <a:spcBef>
+                <a:spcPct val="30000"/>
+              </a:spcBef>
+              <a:spcAft>
+                <a:spcPct val="0"/>
+              </a:spcAft>
+              <a:buClrTx/>
+              <a:buSzTx/>
+              <a:buFontTx/>
+              <a:buNone/>
+              <a:tabLst/>
+              <a:defRPr/>
+            </a:pPr>
+            <a:endParaRPr kumimoji="1" lang="mr-IN" sz="1200" kern="1200" dirty="0" smtClean="0">
+              <a:solidFill>
+                <a:schemeClr val="tx1"/>
+              </a:solidFill>
+              <a:effectLst/>
+              <a:latin typeface="Arial" pitchFamily="-65" charset="0"/>
+              <a:ea typeface="ＭＳ Ｐゴシック" pitchFamily="-65" charset="-128"/>
+              <a:cs typeface="ＭＳ Ｐゴシック" pitchFamily="-65" charset="-128"/>
+            </a:endParaRPr>
+          </a:p>
+          <a:p>
+            <a:endParaRPr lang="en-US" dirty="0" smtClean="0"/>
+          </a:p>
+          <a:p>
+            <a:endParaRPr lang="en-US" dirty="0" smtClean="0"/>
+          </a:p>
+          <a:p>
+            <a:endParaRPr lang="en-US" dirty="0" smtClean="0"/>
+          </a:p>
+          <a:p>
+            <a:endParaRPr lang="en-US" dirty="0"/>
+          </a:p>
+        </p:txBody>
+      </p:sp>
+      <p:sp>
+        <p:nvSpPr>
+          <p:cNvPr id="4" name="Slide Number Placeholder 3"/>
+          <p:cNvSpPr>
+            <a:spLocks noGrp="1"/>
+          </p:cNvSpPr>
+          <p:nvPr>
+            <p:ph type="sldNum" sz="quarter" idx="10"/>
+          </p:nvPr>
+        </p:nvSpPr>
+        <p:spPr/>
+        <p:txBody>
+          <a:bodyPr/>
+          <a:lstStyle/>
+          <a:p>
+            <a:fld id="{3EB9031F-EB71-7642-8F3C-6FDC1408CB92}" type="slidenum">
+              <a:rPr lang="en-US" smtClean="0"/>
+              <a:pPr/>
               <a:t>46</a:t>
             </a:fld>
             <a:endParaRPr lang="en-US"/>
@@ -5207,7 +10133,222 @@
 </p:notes>
 </file>
 
-<file path=ppt/notesSlides/notesSlide31.xml><?xml version="1.0" encoding="utf-8"?>
+<file path=ppt/notesSlides/notesSlide33.xml><?xml version="1.0" encoding="utf-8"?>
+<p:notes xmlns:a="http://schemas.openxmlformats.org/drawingml/2006/main" xmlns:r="http://schemas.openxmlformats.org/officeDocument/2006/relationships" xmlns:p="http://schemas.openxmlformats.org/presentationml/2006/main">
+  <p:cSld>
+    <p:spTree>
+      <p:nvGrpSpPr>
+        <p:cNvPr id="1" name=""/>
+        <p:cNvGrpSpPr/>
+        <p:nvPr/>
+      </p:nvGrpSpPr>
+      <p:grpSpPr>
+        <a:xfrm>
+          <a:off x="0" y="0"/>
+          <a:ext cx="0" cy="0"/>
+          <a:chOff x="0" y="0"/>
+          <a:chExt cx="0" cy="0"/>
+        </a:xfrm>
+      </p:grpSpPr>
+      <p:sp>
+        <p:nvSpPr>
+          <p:cNvPr id="2" name="Slide Image Placeholder 1"/>
+          <p:cNvSpPr>
+            <a:spLocks noGrp="1" noRot="1" noChangeAspect="1"/>
+          </p:cNvSpPr>
+          <p:nvPr>
+            <p:ph type="sldImg"/>
+          </p:nvPr>
+        </p:nvSpPr>
+        <p:spPr/>
+      </p:sp>
+      <p:sp>
+        <p:nvSpPr>
+          <p:cNvPr id="3" name="Notes Placeholder 2"/>
+          <p:cNvSpPr>
+            <a:spLocks noGrp="1"/>
+          </p:cNvSpPr>
+          <p:nvPr>
+            <p:ph type="body" idx="1"/>
+          </p:nvPr>
+        </p:nvSpPr>
+        <p:spPr/>
+        <p:txBody>
+          <a:bodyPr/>
+          <a:lstStyle/>
+          <a:p>
+            <a:r>
+              <a:rPr lang="en-US" sz="1200" dirty="0" smtClean="0">
+                <a:latin typeface="Calibri"/>
+                <a:cs typeface="Calibri"/>
+              </a:rPr>
+              <a:t>Katakana = syllabic form of writing in Japanese, primarily used for words of foreign origin (angular</a:t>
+            </a:r>
+            <a:r>
+              <a:rPr lang="en-US" sz="1200" baseline="0" dirty="0" smtClean="0">
+                <a:latin typeface="Calibri"/>
+                <a:cs typeface="Calibri"/>
+              </a:rPr>
+              <a:t> style of script)</a:t>
+            </a:r>
+            <a:endParaRPr lang="en-US" sz="1200" dirty="0" smtClean="0">
+              <a:latin typeface="Calibri"/>
+              <a:cs typeface="Calibri"/>
+            </a:endParaRPr>
+          </a:p>
+          <a:p>
+            <a:r>
+              <a:rPr lang="en-US" sz="1200" dirty="0" smtClean="0">
+                <a:latin typeface="Calibri"/>
+                <a:cs typeface="Calibri"/>
+              </a:rPr>
+              <a:t>Hiragana = syllabic form of writing in Japanese, </a:t>
+            </a:r>
+            <a:r>
+              <a:rPr kumimoji="1" lang="en-US" sz="1200" b="0" i="0" u="none" strike="noStrike" kern="1200" dirty="0" smtClean="0">
+                <a:solidFill>
+                  <a:schemeClr val="tx1"/>
+                </a:solidFill>
+                <a:effectLst/>
+                <a:latin typeface="Arial" pitchFamily="-65" charset="0"/>
+                <a:ea typeface="ＭＳ Ｐゴシック" pitchFamily="-65" charset="-128"/>
+                <a:cs typeface="ＭＳ Ｐゴシック" pitchFamily="-65" charset="-128"/>
+              </a:rPr>
+              <a:t>especially used for function words and inflections (cursive</a:t>
+            </a:r>
+            <a:r>
+              <a:rPr kumimoji="1" lang="en-US" sz="1200" b="0" i="0" u="none" strike="noStrike" kern="1200" baseline="0" dirty="0" smtClean="0">
+                <a:solidFill>
+                  <a:schemeClr val="tx1"/>
+                </a:solidFill>
+                <a:effectLst/>
+                <a:latin typeface="Arial" pitchFamily="-65" charset="0"/>
+                <a:ea typeface="ＭＳ Ｐゴシック" pitchFamily="-65" charset="-128"/>
+                <a:cs typeface="ＭＳ Ｐゴシック" pitchFamily="-65" charset="-128"/>
+              </a:rPr>
+              <a:t> style of script)</a:t>
+            </a:r>
+          </a:p>
+          <a:p>
+            <a:r>
+              <a:rPr lang="en-US" sz="1200" dirty="0" smtClean="0">
+                <a:latin typeface="Calibri"/>
+                <a:cs typeface="Calibri"/>
+              </a:rPr>
+              <a:t>Kanji = a system of writing Japanese that uses Chinese characters. </a:t>
+            </a:r>
+          </a:p>
+          <a:p>
+            <a:r>
+              <a:rPr lang="en-US" sz="1200" dirty="0" err="1" smtClean="0">
+                <a:latin typeface="Calibri"/>
+                <a:cs typeface="Calibri"/>
+              </a:rPr>
+              <a:t>Romaji</a:t>
+            </a:r>
+            <a:r>
+              <a:rPr lang="en-US" sz="1200" dirty="0" smtClean="0">
+                <a:latin typeface="Calibri"/>
+                <a:cs typeface="Calibri"/>
+              </a:rPr>
+              <a:t> = </a:t>
+            </a:r>
+            <a:r>
+              <a:rPr kumimoji="1" lang="en-US" sz="1200" b="0" i="0" u="none" strike="noStrike" kern="1200" dirty="0" smtClean="0">
+                <a:solidFill>
+                  <a:schemeClr val="tx1"/>
+                </a:solidFill>
+                <a:effectLst/>
+                <a:latin typeface="Arial" pitchFamily="-65" charset="0"/>
+                <a:ea typeface="ＭＳ Ｐゴシック" pitchFamily="-65" charset="-128"/>
+                <a:cs typeface="ＭＳ Ｐゴシック" pitchFamily="-65" charset="-128"/>
+              </a:rPr>
+              <a:t>a system </a:t>
+            </a:r>
+            <a:r>
+              <a:rPr kumimoji="1" lang="en-US" sz="1200" b="0" i="0" u="none" strike="noStrike" kern="1200" smtClean="0">
+                <a:solidFill>
+                  <a:schemeClr val="tx1"/>
+                </a:solidFill>
+                <a:effectLst/>
+                <a:latin typeface="Arial" pitchFamily="-65" charset="0"/>
+                <a:ea typeface="ＭＳ Ｐゴシック" pitchFamily="-65" charset="-128"/>
+                <a:cs typeface="ＭＳ Ｐゴシック" pitchFamily="-65" charset="-128"/>
+              </a:rPr>
+              <a:t>of Romanized spellings</a:t>
+            </a:r>
+            <a:r>
+              <a:rPr kumimoji="1" lang="en-US" sz="1200" b="0" i="0" u="none" strike="noStrike" kern="1200" baseline="0" smtClean="0">
+                <a:solidFill>
+                  <a:schemeClr val="tx1"/>
+                </a:solidFill>
+                <a:effectLst/>
+                <a:latin typeface="Arial" pitchFamily="-65" charset="0"/>
+                <a:ea typeface="ＭＳ Ｐゴシック" pitchFamily="-65" charset="-128"/>
+                <a:cs typeface="ＭＳ Ｐゴシック" pitchFamily="-65" charset="-128"/>
+              </a:rPr>
+              <a:t> used </a:t>
+            </a:r>
+            <a:r>
+              <a:rPr kumimoji="1" lang="en-US" sz="1200" b="0" i="0" u="none" strike="noStrike" kern="1200" smtClean="0">
+                <a:solidFill>
+                  <a:schemeClr val="tx1"/>
+                </a:solidFill>
+                <a:effectLst/>
+                <a:latin typeface="Arial" pitchFamily="-65" charset="0"/>
+                <a:ea typeface="ＭＳ Ｐゴシック" pitchFamily="-65" charset="-128"/>
+                <a:cs typeface="ＭＳ Ｐゴシック" pitchFamily="-65" charset="-128"/>
+              </a:rPr>
+              <a:t>Japanese.</a:t>
+            </a:r>
+            <a:endParaRPr lang="en-US" sz="1200" dirty="0" smtClean="0">
+              <a:latin typeface="Calibri"/>
+              <a:cs typeface="Calibri"/>
+            </a:endParaRPr>
+          </a:p>
+          <a:p>
+            <a:endParaRPr lang="en-US" dirty="0"/>
+          </a:p>
+        </p:txBody>
+      </p:sp>
+      <p:sp>
+        <p:nvSpPr>
+          <p:cNvPr id="4" name="Slide Number Placeholder 3"/>
+          <p:cNvSpPr>
+            <a:spLocks noGrp="1"/>
+          </p:cNvSpPr>
+          <p:nvPr>
+            <p:ph type="sldNum" sz="quarter" idx="10"/>
+          </p:nvPr>
+        </p:nvSpPr>
+        <p:spPr/>
+        <p:txBody>
+          <a:bodyPr/>
+          <a:lstStyle/>
+          <a:p>
+            <a:fld id="{3EB9031F-EB71-7642-8F3C-6FDC1408CB92}" type="slidenum">
+              <a:rPr lang="en-US" smtClean="0"/>
+              <a:pPr/>
+              <a:t>49</a:t>
+            </a:fld>
+            <a:endParaRPr lang="en-US"/>
+          </a:p>
+        </p:txBody>
+      </p:sp>
+    </p:spTree>
+    <p:extLst>
+      <p:ext uri="{BB962C8B-B14F-4D97-AF65-F5344CB8AC3E}">
+        <p14:creationId xmlns:p14="http://schemas.microsoft.com/office/powerpoint/2010/main" val="832071652"/>
+      </p:ext>
+    </p:extLst>
+  </p:cSld>
+  <p:clrMapOvr>
+    <a:masterClrMapping/>
+  </p:clrMapOvr>
+</p:notes>
+</file>
+
+<file path=ppt/notesSlides/notesSlide34.xml><?xml version="1.0" encoding="utf-8"?>
 <p:notes xmlns:a="http://schemas.openxmlformats.org/drawingml/2006/main" xmlns:r="http://schemas.openxmlformats.org/officeDocument/2006/relationships" xmlns:p="http://schemas.openxmlformats.org/presentationml/2006/main">
   <p:cSld>
     <p:spTree>
@@ -5308,7 +10449,7 @@
 </p:notes>
 </file>
 
-<file path=ppt/notesSlides/notesSlide32.xml><?xml version="1.0" encoding="utf-8"?>
+<file path=ppt/notesSlides/notesSlide35.xml><?xml version="1.0" encoding="utf-8"?>
 <p:notes xmlns:a="http://schemas.openxmlformats.org/drawingml/2006/main" xmlns:r="http://schemas.openxmlformats.org/officeDocument/2006/relationships" xmlns:p="http://schemas.openxmlformats.org/presentationml/2006/main">
   <p:cSld>
     <p:spTree>
@@ -5409,7 +10550,7 @@
 </p:notes>
 </file>
 
-<file path=ppt/notesSlides/notesSlide33.xml><?xml version="1.0" encoding="utf-8"?>
+<file path=ppt/notesSlides/notesSlide36.xml><?xml version="1.0" encoding="utf-8"?>
 <p:notes xmlns:a="http://schemas.openxmlformats.org/drawingml/2006/main" xmlns:r="http://schemas.openxmlformats.org/officeDocument/2006/relationships" xmlns:p="http://schemas.openxmlformats.org/presentationml/2006/main">
   <p:cSld>
     <p:spTree>
@@ -5510,7 +10651,7 @@
 </p:notes>
 </file>
 
-<file path=ppt/notesSlides/notesSlide34.xml><?xml version="1.0" encoding="utf-8"?>
+<file path=ppt/notesSlides/notesSlide37.xml><?xml version="1.0" encoding="utf-8"?>
 <p:notes xmlns:a="http://schemas.openxmlformats.org/drawingml/2006/main" xmlns:r="http://schemas.openxmlformats.org/officeDocument/2006/relationships" xmlns:p="http://schemas.openxmlformats.org/presentationml/2006/main">
   <p:cSld>
     <p:spTree>
@@ -5542,14 +10683,14 @@
           <a:ln/>
           <a:extLst>
             <a:ext uri="{909E8E84-426E-40dd-AFC4-6F175D3DCCD1}">
-              <a14:hiddenFill xmlns="" xmlns:a14="http://schemas.microsoft.com/office/drawing/2010/main">
+              <a14:hiddenFill xmlns:a14="http://schemas.microsoft.com/office/drawing/2010/main" xmlns="">
                 <a:solidFill>
                   <a:srgbClr val="FFFFFF"/>
                 </a:solidFill>
               </a14:hiddenFill>
             </a:ext>
             <a:ext uri="{91240B29-F687-4f45-9708-019B960494DF}">
-              <a14:hiddenLine xmlns="" xmlns:a14="http://schemas.microsoft.com/office/drawing/2010/main" w="9525">
+              <a14:hiddenLine xmlns:a14="http://schemas.microsoft.com/office/drawing/2010/main" xmlns="" w="9525">
                 <a:solidFill>
                   <a:srgbClr val="000000"/>
                 </a:solidFill>
@@ -5717,14 +10858,14 @@
               <ma14:placeholderFlag xmlns:ma14="http://schemas.microsoft.com/office/mac/drawingml/2011/main" val="1"/>
             </a:ext>
             <a:ext uri="{909E8E84-426E-40dd-AFC4-6F175D3DCCD1}">
-              <a14:hiddenFill xmlns="" xmlns:a14="http://schemas.microsoft.com/office/drawing/2010/main">
+              <a14:hiddenFill xmlns:a14="http://schemas.microsoft.com/office/drawing/2010/main" xmlns="">
                 <a:solidFill>
                   <a:srgbClr val="FFFFFF"/>
                 </a:solidFill>
               </a14:hiddenFill>
             </a:ext>
             <a:ext uri="{91240B29-F687-4f45-9708-019B960494DF}">
-              <a14:hiddenLine xmlns="" xmlns:a14="http://schemas.microsoft.com/office/drawing/2010/main" w="9525">
+              <a14:hiddenLine xmlns:a14="http://schemas.microsoft.com/office/drawing/2010/main" xmlns="" w="9525">
                 <a:solidFill>
                   <a:srgbClr val="000000"/>
                 </a:solidFill>
@@ -5751,283 +10892,6 @@
     <p:extLst>
       <p:ext uri="{BB962C8B-B14F-4D97-AF65-F5344CB8AC3E}">
         <p14:creationId xmlns:p14="http://schemas.microsoft.com/office/powerpoint/2010/main" val="286983804"/>
-      </p:ext>
-    </p:extLst>
-  </p:cSld>
-  <p:clrMapOvr>
-    <a:masterClrMapping/>
-  </p:clrMapOvr>
-</p:notes>
-</file>
-
-<file path=ppt/notesSlides/notesSlide35.xml><?xml version="1.0" encoding="utf-8"?>
-<p:notes xmlns:a="http://schemas.openxmlformats.org/drawingml/2006/main" xmlns:r="http://schemas.openxmlformats.org/officeDocument/2006/relationships" xmlns:p="http://schemas.openxmlformats.org/presentationml/2006/main">
-  <p:cSld>
-    <p:spTree>
-      <p:nvGrpSpPr>
-        <p:cNvPr id="1" name=""/>
-        <p:cNvGrpSpPr/>
-        <p:nvPr/>
-      </p:nvGrpSpPr>
-      <p:grpSpPr>
-        <a:xfrm>
-          <a:off x="0" y="0"/>
-          <a:ext cx="0" cy="0"/>
-          <a:chOff x="0" y="0"/>
-          <a:chExt cx="0" cy="0"/>
-        </a:xfrm>
-      </p:grpSpPr>
-      <p:sp>
-        <p:nvSpPr>
-          <p:cNvPr id="18434" name="Rectangle 7"/>
-          <p:cNvSpPr>
-            <a:spLocks noGrp="1" noChangeArrowheads="1"/>
-          </p:cNvSpPr>
-          <p:nvPr>
-            <p:ph type="sldNum" sz="quarter" idx="5"/>
-          </p:nvPr>
-        </p:nvSpPr>
-        <p:spPr>
-          <a:noFill/>
-        </p:spPr>
-        <p:txBody>
-          <a:bodyPr/>
-          <a:lstStyle/>
-          <a:p>
-            <a:fld id="{68346639-C8C4-9A48-A995-2E425D4B1E5C}" type="slidenum">
-              <a:rPr lang="en-US"/>
-              <a:pPr/>
-              <a:t>54</a:t>
-            </a:fld>
-            <a:endParaRPr lang="en-US"/>
-          </a:p>
-        </p:txBody>
-      </p:sp>
-      <p:sp>
-        <p:nvSpPr>
-          <p:cNvPr id="18435" name="Rectangle 2"/>
-          <p:cNvSpPr>
-            <a:spLocks noGrp="1" noRot="1" noChangeAspect="1" noChangeArrowheads="1" noTextEdit="1"/>
-          </p:cNvSpPr>
-          <p:nvPr>
-            <p:ph type="sldImg"/>
-          </p:nvPr>
-        </p:nvSpPr>
-        <p:spPr>
-          <a:ln/>
-        </p:spPr>
-      </p:sp>
-      <p:sp>
-        <p:nvSpPr>
-          <p:cNvPr id="18436" name="Rectangle 3"/>
-          <p:cNvSpPr>
-            <a:spLocks noGrp="1" noChangeArrowheads="1"/>
-          </p:cNvSpPr>
-          <p:nvPr>
-            <p:ph type="body" idx="1"/>
-          </p:nvPr>
-        </p:nvSpPr>
-        <p:spPr>
-          <a:noFill/>
-          <a:ln/>
-        </p:spPr>
-        <p:txBody>
-          <a:bodyPr/>
-          <a:lstStyle/>
-          <a:p>
-            <a:pPr eaLnBrk="1" hangingPunct="1"/>
-            <a:endParaRPr lang="en-US"/>
-          </a:p>
-        </p:txBody>
-      </p:sp>
-    </p:spTree>
-    <p:extLst>
-      <p:ext uri="{BB962C8B-B14F-4D97-AF65-F5344CB8AC3E}">
-        <p14:creationId xmlns:p14="http://schemas.microsoft.com/office/powerpoint/2010/main" val="1779664872"/>
-      </p:ext>
-    </p:extLst>
-  </p:cSld>
-  <p:clrMapOvr>
-    <a:masterClrMapping/>
-  </p:clrMapOvr>
-</p:notes>
-</file>
-
-<file path=ppt/notesSlides/notesSlide36.xml><?xml version="1.0" encoding="utf-8"?>
-<p:notes xmlns:a="http://schemas.openxmlformats.org/drawingml/2006/main" xmlns:r="http://schemas.openxmlformats.org/officeDocument/2006/relationships" xmlns:p="http://schemas.openxmlformats.org/presentationml/2006/main">
-  <p:cSld>
-    <p:spTree>
-      <p:nvGrpSpPr>
-        <p:cNvPr id="1" name=""/>
-        <p:cNvGrpSpPr/>
-        <p:nvPr/>
-      </p:nvGrpSpPr>
-      <p:grpSpPr>
-        <a:xfrm>
-          <a:off x="0" y="0"/>
-          <a:ext cx="0" cy="0"/>
-          <a:chOff x="0" y="0"/>
-          <a:chExt cx="0" cy="0"/>
-        </a:xfrm>
-      </p:grpSpPr>
-      <p:sp>
-        <p:nvSpPr>
-          <p:cNvPr id="44034" name="Rectangle 7"/>
-          <p:cNvSpPr>
-            <a:spLocks noGrp="1" noChangeArrowheads="1"/>
-          </p:cNvSpPr>
-          <p:nvPr>
-            <p:ph type="sldNum" sz="quarter" idx="5"/>
-          </p:nvPr>
-        </p:nvSpPr>
-        <p:spPr>
-          <a:noFill/>
-        </p:spPr>
-        <p:txBody>
-          <a:bodyPr/>
-          <a:lstStyle/>
-          <a:p>
-            <a:fld id="{C01B9DA1-D091-A64A-A0FC-8E8CCCAFB71C}" type="slidenum">
-              <a:rPr lang="en-US"/>
-              <a:pPr/>
-              <a:t>58</a:t>
-            </a:fld>
-            <a:endParaRPr lang="en-US"/>
-          </a:p>
-        </p:txBody>
-      </p:sp>
-      <p:sp>
-        <p:nvSpPr>
-          <p:cNvPr id="44035" name="Rectangle 2"/>
-          <p:cNvSpPr>
-            <a:spLocks noGrp="1" noRot="1" noChangeAspect="1" noChangeArrowheads="1" noTextEdit="1"/>
-          </p:cNvSpPr>
-          <p:nvPr>
-            <p:ph type="sldImg"/>
-          </p:nvPr>
-        </p:nvSpPr>
-        <p:spPr>
-          <a:ln/>
-        </p:spPr>
-      </p:sp>
-      <p:sp>
-        <p:nvSpPr>
-          <p:cNvPr id="44036" name="Rectangle 3"/>
-          <p:cNvSpPr>
-            <a:spLocks noGrp="1" noChangeArrowheads="1"/>
-          </p:cNvSpPr>
-          <p:nvPr>
-            <p:ph type="body" idx="1"/>
-          </p:nvPr>
-        </p:nvSpPr>
-        <p:spPr>
-          <a:noFill/>
-          <a:ln/>
-        </p:spPr>
-        <p:txBody>
-          <a:bodyPr/>
-          <a:lstStyle/>
-          <a:p>
-            <a:endParaRPr lang="en-US"/>
-          </a:p>
-        </p:txBody>
-      </p:sp>
-    </p:spTree>
-    <p:extLst>
-      <p:ext uri="{BB962C8B-B14F-4D97-AF65-F5344CB8AC3E}">
-        <p14:creationId xmlns:p14="http://schemas.microsoft.com/office/powerpoint/2010/main" val="1674209439"/>
-      </p:ext>
-    </p:extLst>
-  </p:cSld>
-  <p:clrMapOvr>
-    <a:masterClrMapping/>
-  </p:clrMapOvr>
-</p:notes>
-</file>
-
-<file path=ppt/notesSlides/notesSlide37.xml><?xml version="1.0" encoding="utf-8"?>
-<p:notes xmlns:a="http://schemas.openxmlformats.org/drawingml/2006/main" xmlns:r="http://schemas.openxmlformats.org/officeDocument/2006/relationships" xmlns:p="http://schemas.openxmlformats.org/presentationml/2006/main">
-  <p:cSld>
-    <p:spTree>
-      <p:nvGrpSpPr>
-        <p:cNvPr id="1" name=""/>
-        <p:cNvGrpSpPr/>
-        <p:nvPr/>
-      </p:nvGrpSpPr>
-      <p:grpSpPr>
-        <a:xfrm>
-          <a:off x="0" y="0"/>
-          <a:ext cx="0" cy="0"/>
-          <a:chOff x="0" y="0"/>
-          <a:chExt cx="0" cy="0"/>
-        </a:xfrm>
-      </p:grpSpPr>
-      <p:sp>
-        <p:nvSpPr>
-          <p:cNvPr id="54274" name="Rectangle 7"/>
-          <p:cNvSpPr>
-            <a:spLocks noGrp="1" noChangeArrowheads="1"/>
-          </p:cNvSpPr>
-          <p:nvPr>
-            <p:ph type="sldNum" sz="quarter" idx="5"/>
-          </p:nvPr>
-        </p:nvSpPr>
-        <p:spPr>
-          <a:noFill/>
-        </p:spPr>
-        <p:txBody>
-          <a:bodyPr/>
-          <a:lstStyle/>
-          <a:p>
-            <a:fld id="{CBE32076-AB54-DD42-AB81-EE05460AD3D3}" type="slidenum">
-              <a:rPr lang="en-US"/>
-              <a:pPr/>
-              <a:t>63</a:t>
-            </a:fld>
-            <a:endParaRPr lang="en-US"/>
-          </a:p>
-        </p:txBody>
-      </p:sp>
-      <p:sp>
-        <p:nvSpPr>
-          <p:cNvPr id="54275" name="Rectangle 2"/>
-          <p:cNvSpPr>
-            <a:spLocks noGrp="1" noRot="1" noChangeAspect="1" noChangeArrowheads="1" noTextEdit="1"/>
-          </p:cNvSpPr>
-          <p:nvPr>
-            <p:ph type="sldImg"/>
-          </p:nvPr>
-        </p:nvSpPr>
-        <p:spPr>
-          <a:ln/>
-        </p:spPr>
-      </p:sp>
-      <p:sp>
-        <p:nvSpPr>
-          <p:cNvPr id="54276" name="Rectangle 3"/>
-          <p:cNvSpPr>
-            <a:spLocks noGrp="1" noChangeArrowheads="1"/>
-          </p:cNvSpPr>
-          <p:nvPr>
-            <p:ph type="body" idx="1"/>
-          </p:nvPr>
-        </p:nvSpPr>
-        <p:spPr>
-          <a:noFill/>
-          <a:ln/>
-        </p:spPr>
-        <p:txBody>
-          <a:bodyPr/>
-          <a:lstStyle/>
-          <a:p>
-            <a:endParaRPr lang="en-US"/>
-          </a:p>
-        </p:txBody>
-      </p:sp>
-    </p:spTree>
-    <p:extLst>
-      <p:ext uri="{BB962C8B-B14F-4D97-AF65-F5344CB8AC3E}">
-        <p14:creationId xmlns:p14="http://schemas.microsoft.com/office/powerpoint/2010/main" val="987059619"/>
       </p:ext>
     </p:extLst>
   </p:cSld>
@@ -6074,7 +10938,7 @@
             <a:fld id="{68346639-C8C4-9A48-A995-2E425D4B1E5C}" type="slidenum">
               <a:rPr lang="en-US"/>
               <a:pPr/>
-              <a:t>64</a:t>
+              <a:t>54</a:t>
             </a:fld>
             <a:endParaRPr lang="en-US"/>
           </a:p>
@@ -6120,7 +10984,7 @@
     </p:spTree>
     <p:extLst>
       <p:ext uri="{BB962C8B-B14F-4D97-AF65-F5344CB8AC3E}">
-        <p14:creationId xmlns:p14="http://schemas.microsoft.com/office/powerpoint/2010/main" val="2032363193"/>
+        <p14:creationId xmlns:p14="http://schemas.microsoft.com/office/powerpoint/2010/main" val="1779664872"/>
       </p:ext>
     </p:extLst>
   </p:cSld>
@@ -6149,7 +11013,7 @@
       </p:grpSpPr>
       <p:sp>
         <p:nvSpPr>
-          <p:cNvPr id="18434" name="Rectangle 7"/>
+          <p:cNvPr id="44034" name="Rectangle 7"/>
           <p:cNvSpPr>
             <a:spLocks noGrp="1" noChangeArrowheads="1"/>
           </p:cNvSpPr>
@@ -6164,10 +11028,10 @@
           <a:bodyPr/>
           <a:lstStyle/>
           <a:p>
-            <a:fld id="{68346639-C8C4-9A48-A995-2E425D4B1E5C}" type="slidenum">
+            <a:fld id="{C01B9DA1-D091-A64A-A0FC-8E8CCCAFB71C}" type="slidenum">
               <a:rPr lang="en-US"/>
               <a:pPr/>
-              <a:t>65</a:t>
+              <a:t>58</a:t>
             </a:fld>
             <a:endParaRPr lang="en-US"/>
           </a:p>
@@ -6175,7 +11039,7 @@
       </p:sp>
       <p:sp>
         <p:nvSpPr>
-          <p:cNvPr id="18435" name="Rectangle 2"/>
+          <p:cNvPr id="44035" name="Rectangle 2"/>
           <p:cNvSpPr>
             <a:spLocks noGrp="1" noRot="1" noChangeAspect="1" noChangeArrowheads="1" noTextEdit="1"/>
           </p:cNvSpPr>
@@ -6189,7 +11053,7 @@
       </p:sp>
       <p:sp>
         <p:nvSpPr>
-          <p:cNvPr id="18436" name="Rectangle 3"/>
+          <p:cNvPr id="44036" name="Rectangle 3"/>
           <p:cNvSpPr>
             <a:spLocks noGrp="1" noChangeArrowheads="1"/>
           </p:cNvSpPr>
@@ -6205,7 +11069,6 @@
           <a:bodyPr/>
           <a:lstStyle/>
           <a:p>
-            <a:pPr eaLnBrk="1" hangingPunct="1"/>
             <a:endParaRPr lang="en-US"/>
           </a:p>
         </p:txBody>
@@ -6213,7 +11076,7 @@
     </p:spTree>
     <p:extLst>
       <p:ext uri="{BB962C8B-B14F-4D97-AF65-F5344CB8AC3E}">
-        <p14:creationId xmlns:p14="http://schemas.microsoft.com/office/powerpoint/2010/main" val="2137288709"/>
+        <p14:creationId xmlns:p14="http://schemas.microsoft.com/office/powerpoint/2010/main" val="1674209439"/>
       </p:ext>
     </p:extLst>
   </p:cSld>
@@ -6255,14 +11118,14 @@
           <a:ln/>
           <a:extLst>
             <a:ext uri="{909E8E84-426E-40dd-AFC4-6F175D3DCCD1}">
-              <a14:hiddenFill xmlns:a14="http://schemas.microsoft.com/office/drawing/2010/main" xmlns="">
+              <a14:hiddenFill xmlns="" xmlns:a14="http://schemas.microsoft.com/office/drawing/2010/main">
                 <a:solidFill>
                   <a:srgbClr val="FFFFFF"/>
                 </a:solidFill>
               </a14:hiddenFill>
             </a:ext>
             <a:ext uri="{91240B29-F687-4f45-9708-019B960494DF}">
-              <a14:hiddenLine xmlns:a14="http://schemas.microsoft.com/office/drawing/2010/main" xmlns="" w="9525">
+              <a14:hiddenLine xmlns="" xmlns:a14="http://schemas.microsoft.com/office/drawing/2010/main" w="9525">
                 <a:solidFill>
                   <a:srgbClr val="000000"/>
                 </a:solidFill>
@@ -6430,14 +11293,14 @@
               <ma14:placeholderFlag xmlns:ma14="http://schemas.microsoft.com/office/mac/drawingml/2011/main" val="1"/>
             </a:ext>
             <a:ext uri="{909E8E84-426E-40dd-AFC4-6F175D3DCCD1}">
-              <a14:hiddenFill xmlns:a14="http://schemas.microsoft.com/office/drawing/2010/main" xmlns="">
+              <a14:hiddenFill xmlns="" xmlns:a14="http://schemas.microsoft.com/office/drawing/2010/main">
                 <a:solidFill>
                   <a:srgbClr val="FFFFFF"/>
                 </a:solidFill>
               </a14:hiddenFill>
             </a:ext>
             <a:ext uri="{91240B29-F687-4f45-9708-019B960494DF}">
-              <a14:hiddenLine xmlns:a14="http://schemas.microsoft.com/office/drawing/2010/main" xmlns="" w="9525">
+              <a14:hiddenLine xmlns="" xmlns:a14="http://schemas.microsoft.com/office/drawing/2010/main" w="9525">
                 <a:solidFill>
                   <a:srgbClr val="000000"/>
                 </a:solidFill>
@@ -6474,6 +11337,284 @@
 </file>
 
 <file path=ppt/notesSlides/notesSlide40.xml><?xml version="1.0" encoding="utf-8"?>
+<p:notes xmlns:a="http://schemas.openxmlformats.org/drawingml/2006/main" xmlns:r="http://schemas.openxmlformats.org/officeDocument/2006/relationships" xmlns:p="http://schemas.openxmlformats.org/presentationml/2006/main">
+  <p:cSld>
+    <p:spTree>
+      <p:nvGrpSpPr>
+        <p:cNvPr id="1" name=""/>
+        <p:cNvGrpSpPr/>
+        <p:nvPr/>
+      </p:nvGrpSpPr>
+      <p:grpSpPr>
+        <a:xfrm>
+          <a:off x="0" y="0"/>
+          <a:ext cx="0" cy="0"/>
+          <a:chOff x="0" y="0"/>
+          <a:chExt cx="0" cy="0"/>
+        </a:xfrm>
+      </p:grpSpPr>
+      <p:sp>
+        <p:nvSpPr>
+          <p:cNvPr id="54274" name="Rectangle 7"/>
+          <p:cNvSpPr>
+            <a:spLocks noGrp="1" noChangeArrowheads="1"/>
+          </p:cNvSpPr>
+          <p:nvPr>
+            <p:ph type="sldNum" sz="quarter" idx="5"/>
+          </p:nvPr>
+        </p:nvSpPr>
+        <p:spPr>
+          <a:noFill/>
+        </p:spPr>
+        <p:txBody>
+          <a:bodyPr/>
+          <a:lstStyle/>
+          <a:p>
+            <a:fld id="{CBE32076-AB54-DD42-AB81-EE05460AD3D3}" type="slidenum">
+              <a:rPr lang="en-US"/>
+              <a:pPr/>
+              <a:t>63</a:t>
+            </a:fld>
+            <a:endParaRPr lang="en-US"/>
+          </a:p>
+        </p:txBody>
+      </p:sp>
+      <p:sp>
+        <p:nvSpPr>
+          <p:cNvPr id="54275" name="Rectangle 2"/>
+          <p:cNvSpPr>
+            <a:spLocks noGrp="1" noRot="1" noChangeAspect="1" noChangeArrowheads="1" noTextEdit="1"/>
+          </p:cNvSpPr>
+          <p:nvPr>
+            <p:ph type="sldImg"/>
+          </p:nvPr>
+        </p:nvSpPr>
+        <p:spPr>
+          <a:ln/>
+        </p:spPr>
+      </p:sp>
+      <p:sp>
+        <p:nvSpPr>
+          <p:cNvPr id="54276" name="Rectangle 3"/>
+          <p:cNvSpPr>
+            <a:spLocks noGrp="1" noChangeArrowheads="1"/>
+          </p:cNvSpPr>
+          <p:nvPr>
+            <p:ph type="body" idx="1"/>
+          </p:nvPr>
+        </p:nvSpPr>
+        <p:spPr>
+          <a:noFill/>
+          <a:ln/>
+        </p:spPr>
+        <p:txBody>
+          <a:bodyPr/>
+          <a:lstStyle/>
+          <a:p>
+            <a:endParaRPr lang="en-US"/>
+          </a:p>
+        </p:txBody>
+      </p:sp>
+    </p:spTree>
+    <p:extLst>
+      <p:ext uri="{BB962C8B-B14F-4D97-AF65-F5344CB8AC3E}">
+        <p14:creationId xmlns:p14="http://schemas.microsoft.com/office/powerpoint/2010/main" val="987059619"/>
+      </p:ext>
+    </p:extLst>
+  </p:cSld>
+  <p:clrMapOvr>
+    <a:masterClrMapping/>
+  </p:clrMapOvr>
+</p:notes>
+</file>
+
+<file path=ppt/notesSlides/notesSlide41.xml><?xml version="1.0" encoding="utf-8"?>
+<p:notes xmlns:a="http://schemas.openxmlformats.org/drawingml/2006/main" xmlns:r="http://schemas.openxmlformats.org/officeDocument/2006/relationships" xmlns:p="http://schemas.openxmlformats.org/presentationml/2006/main">
+  <p:cSld>
+    <p:spTree>
+      <p:nvGrpSpPr>
+        <p:cNvPr id="1" name=""/>
+        <p:cNvGrpSpPr/>
+        <p:nvPr/>
+      </p:nvGrpSpPr>
+      <p:grpSpPr>
+        <a:xfrm>
+          <a:off x="0" y="0"/>
+          <a:ext cx="0" cy="0"/>
+          <a:chOff x="0" y="0"/>
+          <a:chExt cx="0" cy="0"/>
+        </a:xfrm>
+      </p:grpSpPr>
+      <p:sp>
+        <p:nvSpPr>
+          <p:cNvPr id="18434" name="Rectangle 7"/>
+          <p:cNvSpPr>
+            <a:spLocks noGrp="1" noChangeArrowheads="1"/>
+          </p:cNvSpPr>
+          <p:nvPr>
+            <p:ph type="sldNum" sz="quarter" idx="5"/>
+          </p:nvPr>
+        </p:nvSpPr>
+        <p:spPr>
+          <a:noFill/>
+        </p:spPr>
+        <p:txBody>
+          <a:bodyPr/>
+          <a:lstStyle/>
+          <a:p>
+            <a:fld id="{68346639-C8C4-9A48-A995-2E425D4B1E5C}" type="slidenum">
+              <a:rPr lang="en-US"/>
+              <a:pPr/>
+              <a:t>64</a:t>
+            </a:fld>
+            <a:endParaRPr lang="en-US"/>
+          </a:p>
+        </p:txBody>
+      </p:sp>
+      <p:sp>
+        <p:nvSpPr>
+          <p:cNvPr id="18435" name="Rectangle 2"/>
+          <p:cNvSpPr>
+            <a:spLocks noGrp="1" noRot="1" noChangeAspect="1" noChangeArrowheads="1" noTextEdit="1"/>
+          </p:cNvSpPr>
+          <p:nvPr>
+            <p:ph type="sldImg"/>
+          </p:nvPr>
+        </p:nvSpPr>
+        <p:spPr>
+          <a:ln/>
+        </p:spPr>
+      </p:sp>
+      <p:sp>
+        <p:nvSpPr>
+          <p:cNvPr id="18436" name="Rectangle 3"/>
+          <p:cNvSpPr>
+            <a:spLocks noGrp="1" noChangeArrowheads="1"/>
+          </p:cNvSpPr>
+          <p:nvPr>
+            <p:ph type="body" idx="1"/>
+          </p:nvPr>
+        </p:nvSpPr>
+        <p:spPr>
+          <a:noFill/>
+          <a:ln/>
+        </p:spPr>
+        <p:txBody>
+          <a:bodyPr/>
+          <a:lstStyle/>
+          <a:p>
+            <a:pPr eaLnBrk="1" hangingPunct="1"/>
+            <a:endParaRPr lang="en-US"/>
+          </a:p>
+        </p:txBody>
+      </p:sp>
+    </p:spTree>
+    <p:extLst>
+      <p:ext uri="{BB962C8B-B14F-4D97-AF65-F5344CB8AC3E}">
+        <p14:creationId xmlns:p14="http://schemas.microsoft.com/office/powerpoint/2010/main" val="2032363193"/>
+      </p:ext>
+    </p:extLst>
+  </p:cSld>
+  <p:clrMapOvr>
+    <a:masterClrMapping/>
+  </p:clrMapOvr>
+</p:notes>
+</file>
+
+<file path=ppt/notesSlides/notesSlide42.xml><?xml version="1.0" encoding="utf-8"?>
+<p:notes xmlns:a="http://schemas.openxmlformats.org/drawingml/2006/main" xmlns:r="http://schemas.openxmlformats.org/officeDocument/2006/relationships" xmlns:p="http://schemas.openxmlformats.org/presentationml/2006/main">
+  <p:cSld>
+    <p:spTree>
+      <p:nvGrpSpPr>
+        <p:cNvPr id="1" name=""/>
+        <p:cNvGrpSpPr/>
+        <p:nvPr/>
+      </p:nvGrpSpPr>
+      <p:grpSpPr>
+        <a:xfrm>
+          <a:off x="0" y="0"/>
+          <a:ext cx="0" cy="0"/>
+          <a:chOff x="0" y="0"/>
+          <a:chExt cx="0" cy="0"/>
+        </a:xfrm>
+      </p:grpSpPr>
+      <p:sp>
+        <p:nvSpPr>
+          <p:cNvPr id="18434" name="Rectangle 7"/>
+          <p:cNvSpPr>
+            <a:spLocks noGrp="1" noChangeArrowheads="1"/>
+          </p:cNvSpPr>
+          <p:nvPr>
+            <p:ph type="sldNum" sz="quarter" idx="5"/>
+          </p:nvPr>
+        </p:nvSpPr>
+        <p:spPr>
+          <a:noFill/>
+        </p:spPr>
+        <p:txBody>
+          <a:bodyPr/>
+          <a:lstStyle/>
+          <a:p>
+            <a:fld id="{68346639-C8C4-9A48-A995-2E425D4B1E5C}" type="slidenum">
+              <a:rPr lang="en-US"/>
+              <a:pPr/>
+              <a:t>65</a:t>
+            </a:fld>
+            <a:endParaRPr lang="en-US"/>
+          </a:p>
+        </p:txBody>
+      </p:sp>
+      <p:sp>
+        <p:nvSpPr>
+          <p:cNvPr id="18435" name="Rectangle 2"/>
+          <p:cNvSpPr>
+            <a:spLocks noGrp="1" noRot="1" noChangeAspect="1" noChangeArrowheads="1" noTextEdit="1"/>
+          </p:cNvSpPr>
+          <p:nvPr>
+            <p:ph type="sldImg"/>
+          </p:nvPr>
+        </p:nvSpPr>
+        <p:spPr>
+          <a:ln/>
+        </p:spPr>
+      </p:sp>
+      <p:sp>
+        <p:nvSpPr>
+          <p:cNvPr id="18436" name="Rectangle 3"/>
+          <p:cNvSpPr>
+            <a:spLocks noGrp="1" noChangeArrowheads="1"/>
+          </p:cNvSpPr>
+          <p:nvPr>
+            <p:ph type="body" idx="1"/>
+          </p:nvPr>
+        </p:nvSpPr>
+        <p:spPr>
+          <a:noFill/>
+          <a:ln/>
+        </p:spPr>
+        <p:txBody>
+          <a:bodyPr/>
+          <a:lstStyle/>
+          <a:p>
+            <a:pPr eaLnBrk="1" hangingPunct="1"/>
+            <a:endParaRPr lang="en-US"/>
+          </a:p>
+        </p:txBody>
+      </p:sp>
+    </p:spTree>
+    <p:extLst>
+      <p:ext uri="{BB962C8B-B14F-4D97-AF65-F5344CB8AC3E}">
+        <p14:creationId xmlns:p14="http://schemas.microsoft.com/office/powerpoint/2010/main" val="2137288709"/>
+      </p:ext>
+    </p:extLst>
+  </p:cSld>
+  <p:clrMapOvr>
+    <a:masterClrMapping/>
+  </p:clrMapOvr>
+</p:notes>
+</file>
+
+<file path=ppt/notesSlides/notesSlide43.xml><?xml version="1.0" encoding="utf-8"?>
 <p:notes xmlns:a="http://schemas.openxmlformats.org/drawingml/2006/main" xmlns:r="http://schemas.openxmlformats.org/officeDocument/2006/relationships" xmlns:p="http://schemas.openxmlformats.org/presentationml/2006/main">
   <p:cSld>
     <p:spTree>
@@ -6574,7 +11715,7 @@
 </p:notes>
 </file>
 
-<file path=ppt/notesSlides/notesSlide41.xml><?xml version="1.0" encoding="utf-8"?>
+<file path=ppt/notesSlides/notesSlide44.xml><?xml version="1.0" encoding="utf-8"?>
 <p:notes xmlns:a="http://schemas.openxmlformats.org/drawingml/2006/main" xmlns:r="http://schemas.openxmlformats.org/officeDocument/2006/relationships" xmlns:p="http://schemas.openxmlformats.org/presentationml/2006/main">
   <p:cSld>
     <p:spTree>
@@ -6666,7 +11807,7 @@
 </p:notes>
 </file>
 
-<file path=ppt/notesSlides/notesSlide42.xml><?xml version="1.0" encoding="utf-8"?>
+<file path=ppt/notesSlides/notesSlide45.xml><?xml version="1.0" encoding="utf-8"?>
 <p:notes xmlns:a="http://schemas.openxmlformats.org/drawingml/2006/main" xmlns:r="http://schemas.openxmlformats.org/officeDocument/2006/relationships" xmlns:p="http://schemas.openxmlformats.org/presentationml/2006/main">
   <p:cSld>
     <p:spTree>
@@ -7064,14 +12205,14 @@
           <a:ln/>
           <a:extLst>
             <a:ext uri="{909E8E84-426E-40dd-AFC4-6F175D3DCCD1}">
-              <a14:hiddenFill xmlns:a14="http://schemas.microsoft.com/office/drawing/2010/main" xmlns="">
+              <a14:hiddenFill xmlns="" xmlns:a14="http://schemas.microsoft.com/office/drawing/2010/main">
                 <a:solidFill>
                   <a:srgbClr val="FFFFFF"/>
                 </a:solidFill>
               </a14:hiddenFill>
             </a:ext>
             <a:ext uri="{91240B29-F687-4f45-9708-019B960494DF}">
-              <a14:hiddenLine xmlns:a14="http://schemas.microsoft.com/office/drawing/2010/main" xmlns="" w="9525">
+              <a14:hiddenLine xmlns="" xmlns:a14="http://schemas.microsoft.com/office/drawing/2010/main" w="9525">
                 <a:solidFill>
                   <a:srgbClr val="000000"/>
                 </a:solidFill>
@@ -7232,14 +12373,14 @@
           <a:ln/>
           <a:extLst>
             <a:ext uri="{909E8E84-426E-40dd-AFC4-6F175D3DCCD1}">
-              <a14:hiddenFill xmlns:a14="http://schemas.microsoft.com/office/drawing/2010/main" xmlns="">
+              <a14:hiddenFill xmlns="" xmlns:a14="http://schemas.microsoft.com/office/drawing/2010/main">
                 <a:solidFill>
                   <a:srgbClr val="FFFFFF"/>
                 </a:solidFill>
               </a14:hiddenFill>
             </a:ext>
             <a:ext uri="{91240B29-F687-4f45-9708-019B960494DF}">
-              <a14:hiddenLine xmlns:a14="http://schemas.microsoft.com/office/drawing/2010/main" xmlns="" w="9525">
+              <a14:hiddenLine xmlns="" xmlns:a14="http://schemas.microsoft.com/office/drawing/2010/main" w="9525">
                 <a:solidFill>
                   <a:srgbClr val="000000"/>
                 </a:solidFill>
@@ -7417,14 +12558,14 @@
           <a:ln/>
           <a:extLst>
             <a:ext uri="{909E8E84-426E-40dd-AFC4-6F175D3DCCD1}">
-              <a14:hiddenFill xmlns:a14="http://schemas.microsoft.com/office/drawing/2010/main" xmlns="">
+              <a14:hiddenFill xmlns="" xmlns:a14="http://schemas.microsoft.com/office/drawing/2010/main">
                 <a:solidFill>
                   <a:srgbClr val="FFFFFF"/>
                 </a:solidFill>
               </a14:hiddenFill>
             </a:ext>
             <a:ext uri="{91240B29-F687-4f45-9708-019B960494DF}">
-              <a14:hiddenLine xmlns:a14="http://schemas.microsoft.com/office/drawing/2010/main" xmlns="" w="9525">
+              <a14:hiddenLine xmlns="" xmlns:a14="http://schemas.microsoft.com/office/drawing/2010/main" w="9525">
                 <a:solidFill>
                   <a:srgbClr val="000000"/>
                 </a:solidFill>
@@ -7585,14 +12726,14 @@
           <a:ln/>
           <a:extLst>
             <a:ext uri="{909E8E84-426E-40dd-AFC4-6F175D3DCCD1}">
-              <a14:hiddenFill xmlns:a14="http://schemas.microsoft.com/office/drawing/2010/main" xmlns="">
+              <a14:hiddenFill xmlns="" xmlns:a14="http://schemas.microsoft.com/office/drawing/2010/main">
                 <a:solidFill>
                   <a:srgbClr val="FFFFFF"/>
                 </a:solidFill>
               </a14:hiddenFill>
             </a:ext>
             <a:ext uri="{91240B29-F687-4f45-9708-019B960494DF}">
-              <a14:hiddenLine xmlns:a14="http://schemas.microsoft.com/office/drawing/2010/main" xmlns="" w="9525">
+              <a14:hiddenLine xmlns="" xmlns:a14="http://schemas.microsoft.com/office/drawing/2010/main" w="9525">
                 <a:solidFill>
                   <a:srgbClr val="000000"/>
                 </a:solidFill>
@@ -11648,14 +16789,14 @@
               <ma14:placeholderFlag xmlns:ma14="http://schemas.microsoft.com/office/mac/drawingml/2011/main" val="1"/>
             </a:ext>
             <a:ext uri="{909E8E84-426E-40dd-AFC4-6F175D3DCCD1}">
-              <a14:hiddenFill xmlns="" xmlns:a14="http://schemas.microsoft.com/office/drawing/2010/main">
+              <a14:hiddenFill xmlns:a14="http://schemas.microsoft.com/office/drawing/2010/main" xmlns="">
                 <a:solidFill>
                   <a:srgbClr val="FFFFFF"/>
                 </a:solidFill>
               </a14:hiddenFill>
             </a:ext>
             <a:ext uri="{91240B29-F687-4f45-9708-019B960494DF}">
-              <a14:hiddenLine xmlns="" xmlns:a14="http://schemas.microsoft.com/office/drawing/2010/main" w="9525">
+              <a14:hiddenLine xmlns:a14="http://schemas.microsoft.com/office/drawing/2010/main" xmlns="" w="9525">
                 <a:solidFill>
                   <a:srgbClr val="000000"/>
                 </a:solidFill>
@@ -11710,14 +16851,14 @@
               <ma14:placeholderFlag xmlns:ma14="http://schemas.microsoft.com/office/mac/drawingml/2011/main" val="1"/>
             </a:ext>
             <a:ext uri="{909E8E84-426E-40dd-AFC4-6F175D3DCCD1}">
-              <a14:hiddenFill xmlns="" xmlns:a14="http://schemas.microsoft.com/office/drawing/2010/main">
+              <a14:hiddenFill xmlns:a14="http://schemas.microsoft.com/office/drawing/2010/main" xmlns="">
                 <a:solidFill>
                   <a:srgbClr val="FFFFFF"/>
                 </a:solidFill>
               </a14:hiddenFill>
             </a:ext>
             <a:ext uri="{91240B29-F687-4f45-9708-019B960494DF}">
-              <a14:hiddenLine xmlns="" xmlns:a14="http://schemas.microsoft.com/office/drawing/2010/main" w="9525">
+              <a14:hiddenLine xmlns:a14="http://schemas.microsoft.com/office/drawing/2010/main" xmlns="" w="9525">
                 <a:solidFill>
                   <a:srgbClr val="000000"/>
                 </a:solidFill>
@@ -12753,7 +17894,7 @@
           <a:graphicData uri="http://schemas.openxmlformats.org/presentationml/2006/ole">
             <mc:AlternateContent xmlns:mc="http://schemas.openxmlformats.org/markup-compatibility/2006">
               <mc:Choice xmlns:v="urn:schemas-microsoft-com:vml" Requires="v">
-                <p:oleObj spid="_x0000_s19473" name="Equation" r:id="rId4" imgW="3683000" imgH="571500" progId="Equation.3">
+                <p:oleObj spid="_x0000_s19482" name="Equation" r:id="rId4" imgW="3683000" imgH="571500" progId="Equation.3">
                   <p:embed/>
                 </p:oleObj>
               </mc:Choice>
@@ -12814,7 +17955,7 @@
           <a:graphicData uri="http://schemas.openxmlformats.org/presentationml/2006/ole">
             <mc:AlternateContent xmlns:mc="http://schemas.openxmlformats.org/markup-compatibility/2006">
               <mc:Choice xmlns:v="urn:schemas-microsoft-com:vml" Requires="v">
-                <p:oleObj spid="_x0000_s19474" name="Equation" r:id="rId6" imgW="1968500" imgH="292100" progId="Equation.3">
+                <p:oleObj spid="_x0000_s19483" name="Equation" r:id="rId6" imgW="1968500" imgH="292100" progId="Equation.3">
                   <p:embed/>
                 </p:oleObj>
               </mc:Choice>
@@ -12880,14 +18021,14 @@
           </a:ln>
           <a:extLst>
             <a:ext uri="{909E8E84-426E-40dd-AFC4-6F175D3DCCD1}">
-              <a14:hiddenFill xmlns:a14="http://schemas.microsoft.com/office/drawing/2010/main" xmlns="">
+              <a14:hiddenFill xmlns="" xmlns:a14="http://schemas.microsoft.com/office/drawing/2010/main">
                 <a:solidFill>
                   <a:srgbClr val="FFFFFF"/>
                 </a:solidFill>
               </a14:hiddenFill>
             </a:ext>
             <a:ext uri="{91240B29-F687-4f45-9708-019B960494DF}">
-              <a14:hiddenLine xmlns:a14="http://schemas.microsoft.com/office/drawing/2010/main" xmlns="" w="9525">
+              <a14:hiddenLine xmlns="" xmlns:a14="http://schemas.microsoft.com/office/drawing/2010/main" w="9525">
                 <a:solidFill>
                   <a:srgbClr val="000000"/>
                 </a:solidFill>
@@ -13118,7 +18259,7 @@
           <a:graphicData uri="http://schemas.openxmlformats.org/presentationml/2006/ole">
             <mc:AlternateContent xmlns:mc="http://schemas.openxmlformats.org/markup-compatibility/2006">
               <mc:Choice xmlns:v="urn:schemas-microsoft-com:vml" Requires="v">
-                <p:oleObj spid="_x0000_s20505" name="Equation" r:id="rId3" imgW="1905000" imgH="571500" progId="Equation.3">
+                <p:oleObj spid="_x0000_s20518" name="Equation" r:id="rId3" imgW="1905000" imgH="571500" progId="Equation.3">
                   <p:embed/>
                 </p:oleObj>
               </mc:Choice>
@@ -13176,7 +18317,7 @@
           <a:graphicData uri="http://schemas.openxmlformats.org/presentationml/2006/ole">
             <mc:AlternateContent xmlns:mc="http://schemas.openxmlformats.org/markup-compatibility/2006">
               <mc:Choice xmlns:v="urn:schemas-microsoft-com:vml" Requires="v">
-                <p:oleObj spid="_x0000_s20506" name="Equation" r:id="rId5" imgW="1612900" imgH="711200" progId="Equation.3">
+                <p:oleObj spid="_x0000_s20519" name="Equation" r:id="rId5" imgW="1612900" imgH="711200" progId="Equation.3">
                   <p:embed/>
                 </p:oleObj>
               </mc:Choice>
@@ -13234,7 +18375,7 @@
           <a:graphicData uri="http://schemas.openxmlformats.org/presentationml/2006/ole">
             <mc:AlternateContent xmlns:mc="http://schemas.openxmlformats.org/markup-compatibility/2006">
               <mc:Choice xmlns:v="urn:schemas-microsoft-com:vml" Requires="v">
-                <p:oleObj spid="_x0000_s20507" name="Equation" r:id="rId7" imgW="1727200" imgH="571500" progId="Equation.3">
+                <p:oleObj spid="_x0000_s20520" name="Equation" r:id="rId7" imgW="1727200" imgH="571500" progId="Equation.3">
                   <p:embed/>
                 </p:oleObj>
               </mc:Choice>
@@ -13733,7 +18874,7 @@
           <a:graphicData uri="http://schemas.openxmlformats.org/presentationml/2006/ole">
             <mc:AlternateContent xmlns:mc="http://schemas.openxmlformats.org/markup-compatibility/2006">
               <mc:Choice xmlns:v="urn:schemas-microsoft-com:vml" Requires="v">
-                <p:oleObj spid="_x0000_s21521" name="Equation" r:id="rId3" imgW="1981200" imgH="431800" progId="Equation.3">
+                <p:oleObj spid="_x0000_s21530" name="Equation" r:id="rId3" imgW="1981200" imgH="431800" progId="Equation.3">
                   <p:embed/>
                 </p:oleObj>
               </mc:Choice>
@@ -13791,7 +18932,7 @@
           <a:graphicData uri="http://schemas.openxmlformats.org/presentationml/2006/ole">
             <mc:AlternateContent xmlns:mc="http://schemas.openxmlformats.org/markup-compatibility/2006">
               <mc:Choice xmlns:v="urn:schemas-microsoft-com:vml" Requires="v">
-                <p:oleObj spid="_x0000_s21522" name="Equation" r:id="rId5" imgW="1752600" imgH="406400" progId="Equation.3">
+                <p:oleObj spid="_x0000_s21531" name="Equation" r:id="rId5" imgW="1752600" imgH="406400" progId="Equation.3">
                   <p:embed/>
                 </p:oleObj>
               </mc:Choice>
@@ -13856,14 +18997,14 @@
               <ma14:placeholderFlag xmlns:ma14="http://schemas.microsoft.com/office/mac/drawingml/2011/main" val="1"/>
             </a:ext>
             <a:ext uri="{909E8E84-426E-40dd-AFC4-6F175D3DCCD1}">
-              <a14:hiddenFill xmlns:a14="http://schemas.microsoft.com/office/drawing/2010/main" xmlns="">
+              <a14:hiddenFill xmlns="" xmlns:a14="http://schemas.microsoft.com/office/drawing/2010/main">
                 <a:solidFill>
                   <a:srgbClr val="FFFFFF"/>
                 </a:solidFill>
               </a14:hiddenFill>
             </a:ext>
             <a:ext uri="{91240B29-F687-4f45-9708-019B960494DF}">
-              <a14:hiddenLine xmlns:a14="http://schemas.microsoft.com/office/drawing/2010/main" xmlns="" w="9525">
+              <a14:hiddenLine xmlns="" xmlns:a14="http://schemas.microsoft.com/office/drawing/2010/main" w="9525">
                 <a:solidFill>
                   <a:srgbClr val="000000"/>
                 </a:solidFill>
@@ -14423,14 +19564,14 @@
               <ma14:placeholderFlag xmlns:ma14="http://schemas.microsoft.com/office/mac/drawingml/2011/main" val="1"/>
             </a:ext>
             <a:ext uri="{909E8E84-426E-40dd-AFC4-6F175D3DCCD1}">
-              <a14:hiddenFill xmlns:a14="http://schemas.microsoft.com/office/drawing/2010/main" xmlns="">
+              <a14:hiddenFill xmlns="" xmlns:a14="http://schemas.microsoft.com/office/drawing/2010/main">
                 <a:solidFill>
                   <a:srgbClr val="FFFFFF"/>
                 </a:solidFill>
               </a14:hiddenFill>
             </a:ext>
             <a:ext uri="{91240B29-F687-4f45-9708-019B960494DF}">
-              <a14:hiddenLine xmlns:a14="http://schemas.microsoft.com/office/drawing/2010/main" xmlns="" w="9525">
+              <a14:hiddenLine xmlns="" xmlns:a14="http://schemas.microsoft.com/office/drawing/2010/main" w="9525">
                 <a:solidFill>
                   <a:srgbClr val="000000"/>
                 </a:solidFill>
@@ -17100,13 +22241,8 @@
           <a:p>
             <a:r>
               <a:rPr lang="en-US" dirty="0" smtClean="0"/>
-              <a:t>The harmonic mean is a very conservative </a:t>
-            </a:r>
-            <a:r>
-              <a:rPr lang="en-US" dirty="0" smtClean="0"/>
-              <a:t>average</a:t>
-            </a:r>
-            <a:endParaRPr lang="en-US" dirty="0" smtClean="0"/>
+              <a:t>The harmonic mean is a very conservative average</a:t>
+            </a:r>
           </a:p>
           <a:p>
             <a:r>
@@ -17206,7 +22342,7 @@
           <a:graphicData uri="http://schemas.openxmlformats.org/presentationml/2006/ole">
             <mc:AlternateContent xmlns:mc="http://schemas.openxmlformats.org/markup-compatibility/2006">
               <mc:Choice xmlns:v="urn:schemas-microsoft-com:vml" Requires="v">
-                <p:oleObj spid="_x0000_s22537" name="Equation" r:id="rId4" imgW="2084400" imgH="594000" progId="Equation.3">
+                <p:oleObj spid="_x0000_s22542" name="Equation" r:id="rId4" imgW="2084400" imgH="594000" progId="Equation.3">
                   <p:embed/>
                 </p:oleObj>
               </mc:Choice>
@@ -17246,14 +22382,14 @@
                       <a:effectLst/>
                       <a:extLst>
                         <a:ext uri="{909E8E84-426E-40dd-AFC4-6F175D3DCCD1}">
-                          <a14:hiddenFill xmlns:a14="http://schemas.microsoft.com/office/drawing/2010/main" xmlns="">
+                          <a14:hiddenFill xmlns="" xmlns:a14="http://schemas.microsoft.com/office/drawing/2010/main">
                             <a:solidFill>
                               <a:srgbClr val="FFFFFF"/>
                             </a:solidFill>
                           </a14:hiddenFill>
                         </a:ext>
                         <a:ext uri="{AF507438-7753-43e0-B8FC-AC1667EBCBE1}">
-                          <a14:hiddenEffects xmlns:a14="http://schemas.microsoft.com/office/drawing/2010/main" xmlns="">
+                          <a14:hiddenEffects xmlns="" xmlns:a14="http://schemas.microsoft.com/office/drawing/2010/main">
                             <a:effectLst>
                               <a:outerShdw blurRad="63500" dist="38097" dir="2700000" algn="ctr" rotWithShape="0">
                                 <a:srgbClr val="000000">
@@ -19811,14 +24947,14 @@
           <a:noFill/>
           <a:extLst>
             <a:ext uri="{909E8E84-426E-40dd-AFC4-6F175D3DCCD1}">
-              <a14:hiddenFill xmlns:a14="http://schemas.microsoft.com/office/drawing/2010/main" xmlns="">
+              <a14:hiddenFill xmlns="" xmlns:a14="http://schemas.microsoft.com/office/drawing/2010/main">
                 <a:solidFill>
                   <a:srgbClr val="FFFFFF"/>
                 </a:solidFill>
               </a14:hiddenFill>
             </a:ext>
             <a:ext uri="{91240B29-F687-4f45-9708-019B960494DF}">
-              <a14:hiddenLine xmlns:a14="http://schemas.microsoft.com/office/drawing/2010/main" xmlns="" w="9525">
+              <a14:hiddenLine xmlns="" xmlns:a14="http://schemas.microsoft.com/office/drawing/2010/main" w="9525">
                 <a:solidFill>
                   <a:srgbClr val="000000"/>
                 </a:solidFill>
@@ -20084,14 +25220,14 @@
           </a:ln>
           <a:extLst>
             <a:ext uri="{909E8E84-426E-40dd-AFC4-6F175D3DCCD1}">
-              <a14:hiddenFill xmlns:a14="http://schemas.microsoft.com/office/drawing/2010/main" xmlns="">
+              <a14:hiddenFill xmlns="" xmlns:a14="http://schemas.microsoft.com/office/drawing/2010/main">
                 <a:solidFill>
                   <a:srgbClr val="FFFFFF"/>
                 </a:solidFill>
               </a14:hiddenFill>
             </a:ext>
             <a:ext uri="{91240B29-F687-4f45-9708-019B960494DF}">
-              <a14:hiddenLine xmlns:a14="http://schemas.microsoft.com/office/drawing/2010/main" xmlns="" w="9525">
+              <a14:hiddenLine xmlns="" xmlns:a14="http://schemas.microsoft.com/office/drawing/2010/main" w="9525">
                 <a:solidFill>
                   <a:srgbClr val="000000"/>
                 </a:solidFill>
@@ -20287,14 +25423,14 @@
           <a:noFill/>
           <a:extLst>
             <a:ext uri="{909E8E84-426E-40dd-AFC4-6F175D3DCCD1}">
-              <a14:hiddenFill xmlns:a14="http://schemas.microsoft.com/office/drawing/2010/main" xmlns="">
+              <a14:hiddenFill xmlns="" xmlns:a14="http://schemas.microsoft.com/office/drawing/2010/main">
                 <a:solidFill>
                   <a:srgbClr val="FFFFFF"/>
                 </a:solidFill>
               </a14:hiddenFill>
             </a:ext>
             <a:ext uri="{91240B29-F687-4f45-9708-019B960494DF}">
-              <a14:hiddenLine xmlns:a14="http://schemas.microsoft.com/office/drawing/2010/main" xmlns="" w="9525">
+              <a14:hiddenLine xmlns="" xmlns:a14="http://schemas.microsoft.com/office/drawing/2010/main" w="9525">
                 <a:solidFill>
                   <a:srgbClr val="000000"/>
                 </a:solidFill>
@@ -20662,14 +25798,14 @@
           </a:ln>
           <a:extLst>
             <a:ext uri="{909E8E84-426E-40dd-AFC4-6F175D3DCCD1}">
-              <a14:hiddenFill xmlns:a14="http://schemas.microsoft.com/office/drawing/2010/main" xmlns="">
+              <a14:hiddenFill xmlns="" xmlns:a14="http://schemas.microsoft.com/office/drawing/2010/main">
                 <a:solidFill>
                   <a:srgbClr val="FFFFFF"/>
                 </a:solidFill>
               </a14:hiddenFill>
             </a:ext>
             <a:ext uri="{91240B29-F687-4f45-9708-019B960494DF}">
-              <a14:hiddenLine xmlns:a14="http://schemas.microsoft.com/office/drawing/2010/main" xmlns="" w="9525">
+              <a14:hiddenLine xmlns="" xmlns:a14="http://schemas.microsoft.com/office/drawing/2010/main" w="9525">
                 <a:solidFill>
                   <a:srgbClr val="000000"/>
                 </a:solidFill>
@@ -20865,14 +26001,14 @@
           <a:noFill/>
           <a:extLst>
             <a:ext uri="{909E8E84-426E-40dd-AFC4-6F175D3DCCD1}">
-              <a14:hiddenFill xmlns:a14="http://schemas.microsoft.com/office/drawing/2010/main" xmlns="">
+              <a14:hiddenFill xmlns="" xmlns:a14="http://schemas.microsoft.com/office/drawing/2010/main">
                 <a:solidFill>
                   <a:srgbClr val="FFFFFF"/>
                 </a:solidFill>
               </a14:hiddenFill>
             </a:ext>
             <a:ext uri="{91240B29-F687-4f45-9708-019B960494DF}">
-              <a14:hiddenLine xmlns:a14="http://schemas.microsoft.com/office/drawing/2010/main" xmlns="" w="9525">
+              <a14:hiddenLine xmlns="" xmlns:a14="http://schemas.microsoft.com/office/drawing/2010/main" w="9525">
                 <a:solidFill>
                   <a:srgbClr val="000000"/>
                 </a:solidFill>
@@ -21303,14 +26439,14 @@
           </a:ln>
           <a:extLst>
             <a:ext uri="{909E8E84-426E-40dd-AFC4-6F175D3DCCD1}">
-              <a14:hiddenFill xmlns:a14="http://schemas.microsoft.com/office/drawing/2010/main" xmlns="">
+              <a14:hiddenFill xmlns="" xmlns:a14="http://schemas.microsoft.com/office/drawing/2010/main">
                 <a:solidFill>
                   <a:srgbClr val="FFFFFF"/>
                 </a:solidFill>
               </a14:hiddenFill>
             </a:ext>
             <a:ext uri="{91240B29-F687-4f45-9708-019B960494DF}">
-              <a14:hiddenLine xmlns:a14="http://schemas.microsoft.com/office/drawing/2010/main" xmlns="" w="9525">
+              <a14:hiddenLine xmlns="" xmlns:a14="http://schemas.microsoft.com/office/drawing/2010/main" w="9525">
                 <a:solidFill>
                   <a:srgbClr val="000000"/>
                 </a:solidFill>
@@ -21689,14 +26825,14 @@
           <a:noFill/>
           <a:extLst>
             <a:ext uri="{909E8E84-426E-40dd-AFC4-6F175D3DCCD1}">
-              <a14:hiddenFill xmlns:a14="http://schemas.microsoft.com/office/drawing/2010/main" xmlns="">
+              <a14:hiddenFill xmlns="" xmlns:a14="http://schemas.microsoft.com/office/drawing/2010/main">
                 <a:solidFill>
                   <a:srgbClr val="FFFFFF"/>
                 </a:solidFill>
               </a14:hiddenFill>
             </a:ext>
             <a:ext uri="{91240B29-F687-4f45-9708-019B960494DF}">
-              <a14:hiddenLine xmlns:a14="http://schemas.microsoft.com/office/drawing/2010/main" xmlns="" w="9525">
+              <a14:hiddenLine xmlns="" xmlns:a14="http://schemas.microsoft.com/office/drawing/2010/main" w="9525">
                 <a:solidFill>
                   <a:srgbClr val="000000"/>
                 </a:solidFill>
@@ -22017,14 +27153,14 @@
           </a:ln>
           <a:extLst>
             <a:ext uri="{909E8E84-426E-40dd-AFC4-6F175D3DCCD1}">
-              <a14:hiddenFill xmlns:a14="http://schemas.microsoft.com/office/drawing/2010/main" xmlns="">
+              <a14:hiddenFill xmlns="" xmlns:a14="http://schemas.microsoft.com/office/drawing/2010/main">
                 <a:solidFill>
                   <a:srgbClr val="FFFFFF"/>
                 </a:solidFill>
               </a14:hiddenFill>
             </a:ext>
             <a:ext uri="{91240B29-F687-4f45-9708-019B960494DF}">
-              <a14:hiddenLine xmlns:a14="http://schemas.microsoft.com/office/drawing/2010/main" xmlns="" w="9525">
+              <a14:hiddenLine xmlns="" xmlns:a14="http://schemas.microsoft.com/office/drawing/2010/main" w="9525">
                 <a:solidFill>
                   <a:srgbClr val="000000"/>
                 </a:solidFill>
@@ -22354,14 +27490,14 @@
           <a:noFill/>
           <a:extLst>
             <a:ext uri="{909E8E84-426E-40dd-AFC4-6F175D3DCCD1}">
-              <a14:hiddenFill xmlns:a14="http://schemas.microsoft.com/office/drawing/2010/main" xmlns="">
+              <a14:hiddenFill xmlns="" xmlns:a14="http://schemas.microsoft.com/office/drawing/2010/main">
                 <a:solidFill>
                   <a:srgbClr val="FFFFFF"/>
                 </a:solidFill>
               </a14:hiddenFill>
             </a:ext>
             <a:ext uri="{91240B29-F687-4f45-9708-019B960494DF}">
-              <a14:hiddenLine xmlns:a14="http://schemas.microsoft.com/office/drawing/2010/main" xmlns="" w="9525">
+              <a14:hiddenLine xmlns="" xmlns:a14="http://schemas.microsoft.com/office/drawing/2010/main" w="9525">
                 <a:solidFill>
                   <a:srgbClr val="000000"/>
                 </a:solidFill>
@@ -22608,14 +27744,14 @@
           </a:ln>
           <a:extLst>
             <a:ext uri="{909E8E84-426E-40dd-AFC4-6F175D3DCCD1}">
-              <a14:hiddenFill xmlns:a14="http://schemas.microsoft.com/office/drawing/2010/main" xmlns="">
+              <a14:hiddenFill xmlns="" xmlns:a14="http://schemas.microsoft.com/office/drawing/2010/main">
                 <a:solidFill>
                   <a:srgbClr val="FFFFFF"/>
                 </a:solidFill>
               </a14:hiddenFill>
             </a:ext>
             <a:ext uri="{91240B29-F687-4f45-9708-019B960494DF}">
-              <a14:hiddenLine xmlns:a14="http://schemas.microsoft.com/office/drawing/2010/main" xmlns="" w="9525">
+              <a14:hiddenLine xmlns="" xmlns:a14="http://schemas.microsoft.com/office/drawing/2010/main" w="9525">
                 <a:solidFill>
                   <a:srgbClr val="000000"/>
                 </a:solidFill>
@@ -34611,13 +39747,31 @@
           <a:p>
             <a:pPr lvl="1" eaLnBrk="1" hangingPunct="1"/>
             <a:r>
-              <a:rPr lang="en-US" dirty="0" err="1">
+              <a:rPr lang="en-US" dirty="0">
                 <a:solidFill>
                   <a:srgbClr val="595959"/>
                 </a:solidFill>
                 <a:sym typeface="Symbol" charset="2"/>
               </a:rPr>
-              <a:t>Sharapova</a:t>
+              <a:t>Sharapova now </a:t>
+            </a:r>
+            <a:r>
+              <a:rPr lang="en-US" dirty="0" smtClean="0">
+                <a:solidFill>
+                  <a:srgbClr val="595959"/>
+                </a:solidFill>
+                <a:sym typeface="Symbol" charset="2"/>
+              </a:rPr>
+              <a:t>    </a:t>
+            </a:r>
+            <a:r>
+              <a:rPr lang="en-US" dirty="0" smtClean="0">
+                <a:solidFill>
+                  <a:srgbClr val="595959"/>
+                </a:solidFill>
+                <a:sym typeface="Symbol" charset="2"/>
+              </a:rPr>
+              <a:t>lives.  </a:t>
             </a:r>
             <a:r>
               <a:rPr lang="en-US" dirty="0">
@@ -34626,25 +39780,7 @@
                 </a:solidFill>
                 <a:sym typeface="Symbol" charset="2"/>
               </a:rPr>
-              <a:t> now </a:t>
-            </a:r>
-            <a:r>
-              <a:rPr lang="en-US" dirty="0" smtClean="0">
-                <a:solidFill>
-                  <a:srgbClr val="595959"/>
-                </a:solidFill>
-                <a:sym typeface="Symbol" charset="2"/>
-              </a:rPr>
-              <a:t>    </a:t>
-            </a:r>
-            <a:r>
-              <a:rPr lang="en-US" dirty="0">
-                <a:solidFill>
-                  <a:srgbClr val="595959"/>
-                </a:solidFill>
-                <a:sym typeface="Symbol" charset="2"/>
-              </a:rPr>
-              <a:t>lives in    </a:t>
+              <a:t>in    </a:t>
             </a:r>
             <a:r>
               <a:rPr lang="en-US" dirty="0" smtClean="0">
@@ -34866,7 +40002,7 @@
             <a:lstStyle/>
             <a:p>
               <a:r>
-                <a:rPr lang="en-US" sz="2000">
+                <a:rPr lang="en-US" sz="2000" dirty="0">
                   <a:latin typeface="Calibri"/>
                   <a:cs typeface="Calibri"/>
                 </a:rPr>
@@ -34913,7 +40049,7 @@
             <a:lstStyle/>
             <a:p>
               <a:r>
-                <a:rPr lang="en-US" sz="2000">
+                <a:rPr lang="en-US" sz="2000" dirty="0">
                   <a:latin typeface="Calibri"/>
                   <a:cs typeface="Calibri"/>
                 </a:rPr>
@@ -35933,7 +41069,7 @@
           <a:graphicData uri="http://schemas.openxmlformats.org/presentationml/2006/ole">
             <mc:AlternateContent xmlns:mc="http://schemas.openxmlformats.org/markup-compatibility/2006">
               <mc:Choice xmlns:v="urn:schemas-microsoft-com:vml" Requires="v">
-                <p:oleObj spid="_x0000_s15377" name="Equation" r:id="rId4" imgW="1079500" imgH="215900" progId="Equation.3">
+                <p:oleObj spid="_x0000_s15386" name="Equation" r:id="rId4" imgW="1079500" imgH="215900" progId="Equation.3">
                   <p:embed/>
                 </p:oleObj>
               </mc:Choice>
@@ -36113,7 +41249,7 @@
           <a:graphicData uri="http://schemas.openxmlformats.org/presentationml/2006/ole">
             <mc:AlternateContent xmlns:mc="http://schemas.openxmlformats.org/markup-compatibility/2006">
               <mc:Choice xmlns:v="urn:schemas-microsoft-com:vml" Requires="v">
-                <p:oleObj spid="_x0000_s15378" name="Equation" r:id="rId6" imgW="3492500" imgH="215900" progId="Equation.3">
+                <p:oleObj spid="_x0000_s15387" name="Equation" r:id="rId6" imgW="3492500" imgH="215900" progId="Equation.3">
                   <p:embed/>
                 </p:oleObj>
               </mc:Choice>
@@ -36150,14 +41286,14 @@
                       <a:effectLst/>
                       <a:extLst>
                         <a:ext uri="{909E8E84-426E-40dd-AFC4-6F175D3DCCD1}">
-                          <a14:hiddenFill xmlns:a14="http://schemas.microsoft.com/office/drawing/2010/main" xmlns="">
+                          <a14:hiddenFill xmlns="" xmlns:a14="http://schemas.microsoft.com/office/drawing/2010/main">
                             <a:solidFill>
                               <a:srgbClr val="FFFFFF"/>
                             </a:solidFill>
                           </a14:hiddenFill>
                         </a:ext>
                         <a:ext uri="{91240B29-F687-4f45-9708-019B960494DF}">
-                          <a14:hiddenLine xmlns:a14="http://schemas.microsoft.com/office/drawing/2010/main" xmlns="" w="9525">
+                          <a14:hiddenLine xmlns="" xmlns:a14="http://schemas.microsoft.com/office/drawing/2010/main" w="9525">
                             <a:solidFill>
                               <a:srgbClr val="000000"/>
                             </a:solidFill>
@@ -36167,7 +41303,7 @@
                           </a14:hiddenLine>
                         </a:ext>
                         <a:ext uri="{AF507438-7753-43e0-B8FC-AC1667EBCBE1}">
-                          <a14:hiddenEffects xmlns:a14="http://schemas.microsoft.com/office/drawing/2010/main" xmlns="">
+                          <a14:hiddenEffects xmlns="" xmlns:a14="http://schemas.microsoft.com/office/drawing/2010/main">
                             <a:effectLst>
                               <a:outerShdw blurRad="63500" dist="38099" dir="2700000" algn="ctr" rotWithShape="0">
                                 <a:srgbClr val="000000">
@@ -40390,7 +45526,7 @@
           <a:graphicData uri="http://schemas.openxmlformats.org/presentationml/2006/ole">
             <mc:AlternateContent xmlns:mc="http://schemas.openxmlformats.org/markup-compatibility/2006">
               <mc:Choice xmlns:v="urn:schemas-microsoft-com:vml" Requires="v">
-                <p:oleObj spid="_x0000_s16401" name="Equation" r:id="rId4" imgW="2235200" imgH="292100" progId="Equation.3">
+                <p:oleObj spid="_x0000_s16410" name="Equation" r:id="rId4" imgW="2235200" imgH="292100" progId="Equation.3">
                   <p:embed/>
                 </p:oleObj>
               </mc:Choice>
@@ -40451,7 +45587,7 @@
           <a:graphicData uri="http://schemas.openxmlformats.org/presentationml/2006/ole">
             <mc:AlternateContent xmlns:mc="http://schemas.openxmlformats.org/markup-compatibility/2006">
               <mc:Choice xmlns:v="urn:schemas-microsoft-com:vml" Requires="v">
-                <p:oleObj spid="_x0000_s16402" name="Equation" r:id="rId6" imgW="1828800" imgH="368300" progId="Equation.3">
+                <p:oleObj spid="_x0000_s16411" name="Equation" r:id="rId6" imgW="1828800" imgH="368300" progId="Equation.3">
                   <p:embed/>
                 </p:oleObj>
               </mc:Choice>
@@ -41048,14 +46184,14 @@
               <ma14:placeholderFlag xmlns:ma14="http://schemas.microsoft.com/office/mac/drawingml/2011/main" val="1"/>
             </a:ext>
             <a:ext uri="{909E8E84-426E-40dd-AFC4-6F175D3DCCD1}">
-              <a14:hiddenFill xmlns="" xmlns:a14="http://schemas.microsoft.com/office/drawing/2010/main">
+              <a14:hiddenFill xmlns:a14="http://schemas.microsoft.com/office/drawing/2010/main" xmlns="">
                 <a:solidFill>
                   <a:srgbClr val="FFFFFF"/>
                 </a:solidFill>
               </a14:hiddenFill>
             </a:ext>
             <a:ext uri="{91240B29-F687-4f45-9708-019B960494DF}">
-              <a14:hiddenLine xmlns="" xmlns:a14="http://schemas.microsoft.com/office/drawing/2010/main" w="9525">
+              <a14:hiddenLine xmlns:a14="http://schemas.microsoft.com/office/drawing/2010/main" xmlns="" w="9525">
                 <a:solidFill>
                   <a:srgbClr val="000000"/>
                 </a:solidFill>
@@ -42906,14 +48042,14 @@
               <ma14:placeholderFlag xmlns:ma14="http://schemas.microsoft.com/office/mac/drawingml/2011/main" val="1"/>
             </a:ext>
             <a:ext uri="{909E8E84-426E-40dd-AFC4-6F175D3DCCD1}">
-              <a14:hiddenFill xmlns="" xmlns:a14="http://schemas.microsoft.com/office/drawing/2010/main">
+              <a14:hiddenFill xmlns:a14="http://schemas.microsoft.com/office/drawing/2010/main" xmlns="">
                 <a:solidFill>
                   <a:srgbClr val="FFFFFF"/>
                 </a:solidFill>
               </a14:hiddenFill>
             </a:ext>
             <a:ext uri="{91240B29-F687-4f45-9708-019B960494DF}">
-              <a14:hiddenLine xmlns="" xmlns:a14="http://schemas.microsoft.com/office/drawing/2010/main" w="9525">
+              <a14:hiddenLine xmlns:a14="http://schemas.microsoft.com/office/drawing/2010/main" xmlns="" w="9525">
                 <a:solidFill>
                   <a:srgbClr val="000000"/>
                 </a:solidFill>
@@ -47110,14 +52246,14 @@
           </a:ln>
           <a:extLst>
             <a:ext uri="{909E8E84-426E-40dd-AFC4-6F175D3DCCD1}">
-              <a14:hiddenFill xmlns:a14="http://schemas.microsoft.com/office/drawing/2010/main" xmlns="">
+              <a14:hiddenFill xmlns="" xmlns:a14="http://schemas.microsoft.com/office/drawing/2010/main">
                 <a:solidFill>
                   <a:srgbClr val="FFFFFF"/>
                 </a:solidFill>
               </a14:hiddenFill>
             </a:ext>
             <a:ext uri="{91240B29-F687-4f45-9708-019B960494DF}">
-              <a14:hiddenLine xmlns:a14="http://schemas.microsoft.com/office/drawing/2010/main" xmlns="" w="9525">
+              <a14:hiddenLine xmlns="" xmlns:a14="http://schemas.microsoft.com/office/drawing/2010/main" w="9525">
                 <a:solidFill>
                   <a:srgbClr val="000000"/>
                 </a:solidFill>
@@ -47271,7 +52407,7 @@
           <a:graphicData uri="http://schemas.openxmlformats.org/presentationml/2006/ole">
             <mc:AlternateContent xmlns:mc="http://schemas.openxmlformats.org/markup-compatibility/2006">
               <mc:Choice xmlns:v="urn:schemas-microsoft-com:vml" Requires="v">
-                <p:oleObj spid="_x0000_s17425" name="Equation" r:id="rId4" imgW="1739900" imgH="584200" progId="Equation.3">
+                <p:oleObj spid="_x0000_s17434" name="Equation" r:id="rId4" imgW="1739900" imgH="584200" progId="Equation.3">
                   <p:embed/>
                 </p:oleObj>
               </mc:Choice>
@@ -47333,7 +52469,7 @@
           <a:graphicData uri="http://schemas.openxmlformats.org/presentationml/2006/ole">
             <mc:AlternateContent xmlns:mc="http://schemas.openxmlformats.org/markup-compatibility/2006">
               <mc:Choice xmlns:v="urn:schemas-microsoft-com:vml" Requires="v">
-                <p:oleObj spid="_x0000_s17426" name="Equation" r:id="rId6" imgW="1587500" imgH="444500" progId="Equation.3">
+                <p:oleObj spid="_x0000_s17435" name="Equation" r:id="rId6" imgW="1587500" imgH="444500" progId="Equation.3">
                   <p:embed/>
                 </p:oleObj>
               </mc:Choice>
@@ -47584,14 +52720,14 @@
           </a:ln>
           <a:extLst>
             <a:ext uri="{909E8E84-426E-40dd-AFC4-6F175D3DCCD1}">
-              <a14:hiddenFill xmlns:a14="http://schemas.microsoft.com/office/drawing/2010/main" xmlns="">
+              <a14:hiddenFill xmlns="" xmlns:a14="http://schemas.microsoft.com/office/drawing/2010/main">
                 <a:solidFill>
                   <a:srgbClr val="FFFFFF"/>
                 </a:solidFill>
               </a14:hiddenFill>
             </a:ext>
             <a:ext uri="{91240B29-F687-4f45-9708-019B960494DF}">
-              <a14:hiddenLine xmlns:a14="http://schemas.microsoft.com/office/drawing/2010/main" xmlns="" w="9525">
+              <a14:hiddenLine xmlns="" xmlns:a14="http://schemas.microsoft.com/office/drawing/2010/main" w="9525">
                 <a:solidFill>
                   <a:srgbClr val="000000"/>
                 </a:solidFill>
@@ -47818,7 +52954,7 @@
           <a:graphicData uri="http://schemas.openxmlformats.org/presentationml/2006/ole">
             <mc:AlternateContent xmlns:mc="http://schemas.openxmlformats.org/markup-compatibility/2006">
               <mc:Choice xmlns:v="urn:schemas-microsoft-com:vml" Requires="v">
-                <p:oleObj spid="_x0000_s18441" name="Equation" r:id="rId3" imgW="1739900" imgH="584200" progId="Equation.3">
+                <p:oleObj spid="_x0000_s18446" name="Equation" r:id="rId3" imgW="1739900" imgH="584200" progId="Equation.3">
                   <p:embed/>
                 </p:oleObj>
               </mc:Choice>
